--- a/slides/slides_day1.pptx
+++ b/slides/slides_day1.pptx
@@ -272,7 +272,7 @@
           <a:p>
             <a:fld id="{F833E4A7-8C8F-0444-B05A-6DE0ED7B35B0}" type="datetimeFigureOut">
               <a:rPr lang="en-US" smtClean="0"/>
-              <a:t>5/21/15</a:t>
+              <a:t>5/24/15</a:t>
             </a:fld>
             <a:endParaRPr lang="en-US"/>
           </a:p>
@@ -1299,7 +1299,7 @@
           <a:p>
             <a:fld id="{CAF647BD-C221-1844-9ED2-A7F7759EF665}" type="datetimeFigureOut">
               <a:rPr lang="en-US" smtClean="0"/>
-              <a:t>5/21/15</a:t>
+              <a:t>5/24/15</a:t>
             </a:fld>
             <a:endParaRPr lang="en-US"/>
           </a:p>
@@ -1564,7 +1564,7 @@
           <a:p>
             <a:fld id="{CAF647BD-C221-1844-9ED2-A7F7759EF665}" type="datetimeFigureOut">
               <a:rPr lang="en-US" smtClean="0"/>
-              <a:t>5/21/15</a:t>
+              <a:t>5/24/15</a:t>
             </a:fld>
             <a:endParaRPr lang="en-US"/>
           </a:p>
@@ -1739,7 +1739,7 @@
           <a:p>
             <a:fld id="{CAF647BD-C221-1844-9ED2-A7F7759EF665}" type="datetimeFigureOut">
               <a:rPr lang="en-US" smtClean="0"/>
-              <a:t>5/21/15</a:t>
+              <a:t>5/24/15</a:t>
             </a:fld>
             <a:endParaRPr lang="en-US"/>
           </a:p>
@@ -1904,7 +1904,7 @@
           <a:p>
             <a:fld id="{CAF647BD-C221-1844-9ED2-A7F7759EF665}" type="datetimeFigureOut">
               <a:rPr lang="en-US" smtClean="0"/>
-              <a:t>5/21/15</a:t>
+              <a:t>5/24/15</a:t>
             </a:fld>
             <a:endParaRPr lang="en-US"/>
           </a:p>
@@ -2153,7 +2153,7 @@
           <a:p>
             <a:fld id="{CAF647BD-C221-1844-9ED2-A7F7759EF665}" type="datetimeFigureOut">
               <a:rPr lang="en-US" smtClean="0"/>
-              <a:t>5/21/15</a:t>
+              <a:t>5/24/15</a:t>
             </a:fld>
             <a:endParaRPr lang="en-US"/>
           </a:p>
@@ -2436,7 +2436,7 @@
           <a:p>
             <a:fld id="{CAF647BD-C221-1844-9ED2-A7F7759EF665}" type="datetimeFigureOut">
               <a:rPr lang="en-US" smtClean="0"/>
-              <a:t>5/21/15</a:t>
+              <a:t>5/24/15</a:t>
             </a:fld>
             <a:endParaRPr lang="en-US"/>
           </a:p>
@@ -2875,7 +2875,7 @@
           <a:p>
             <a:fld id="{CAF647BD-C221-1844-9ED2-A7F7759EF665}" type="datetimeFigureOut">
               <a:rPr lang="en-US" smtClean="0"/>
-              <a:t>5/21/15</a:t>
+              <a:t>5/24/15</a:t>
             </a:fld>
             <a:endParaRPr lang="en-US"/>
           </a:p>
@@ -2988,7 +2988,7 @@
           <a:p>
             <a:fld id="{CAF647BD-C221-1844-9ED2-A7F7759EF665}" type="datetimeFigureOut">
               <a:rPr lang="en-US" smtClean="0"/>
-              <a:t>5/21/15</a:t>
+              <a:t>5/24/15</a:t>
             </a:fld>
             <a:endParaRPr lang="en-US"/>
           </a:p>
@@ -3078,7 +3078,7 @@
           <a:p>
             <a:fld id="{CAF647BD-C221-1844-9ED2-A7F7759EF665}" type="datetimeFigureOut">
               <a:rPr lang="en-US" smtClean="0"/>
-              <a:t>5/21/15</a:t>
+              <a:t>5/24/15</a:t>
             </a:fld>
             <a:endParaRPr lang="en-US"/>
           </a:p>
@@ -3320,7 +3320,7 @@
           <a:p>
             <a:fld id="{CAF647BD-C221-1844-9ED2-A7F7759EF665}" type="datetimeFigureOut">
               <a:rPr lang="en-US" smtClean="0"/>
-              <a:t>5/21/15</a:t>
+              <a:t>5/24/15</a:t>
             </a:fld>
             <a:endParaRPr lang="en-US"/>
           </a:p>
@@ -3614,7 +3614,7 @@
           <a:p>
             <a:fld id="{CAF647BD-C221-1844-9ED2-A7F7759EF665}" type="datetimeFigureOut">
               <a:rPr lang="en-US" smtClean="0"/>
-              <a:t>5/21/15</a:t>
+              <a:t>5/24/15</a:t>
             </a:fld>
             <a:endParaRPr lang="en-US"/>
           </a:p>
@@ -3908,7 +3908,7 @@
           <a:p>
             <a:fld id="{CAF647BD-C221-1844-9ED2-A7F7759EF665}" type="datetimeFigureOut">
               <a:rPr lang="en-US" smtClean="0"/>
-              <a:t>5/21/15</a:t>
+              <a:t>5/24/15</a:t>
             </a:fld>
             <a:endParaRPr lang="en-US"/>
           </a:p>
@@ -10372,17 +10372,15 @@
         </p:nvSpPr>
         <p:spPr>
           <a:xfrm>
-            <a:off x="4608000" y="2970122"/>
-            <a:ext cx="3088193" cy="646331"/>
+            <a:off x="4608000" y="3064066"/>
+            <a:ext cx="4407012" cy="369332"/>
           </a:xfrm>
           <a:prstGeom prst="rect">
             <a:avLst/>
           </a:prstGeom>
           <a:noFill/>
           <a:ln w="28575" cmpd="sng">
-            <a:solidFill>
-              <a:srgbClr val="F5C201"/>
-            </a:solidFill>
+            <a:noFill/>
           </a:ln>
         </p:spPr>
         <p:txBody>
@@ -10392,29 +10390,25 @@
           <a:lstStyle/>
           <a:p>
             <a:r>
-              <a:rPr lang="en-US" i="1" dirty="0" smtClean="0"/>
-              <a:t>Comments</a:t>
-            </a:r>
-            <a:r>
-              <a:rPr lang="en-US" dirty="0" smtClean="0"/>
-              <a:t> are denoted with </a:t>
-            </a:r>
-            <a:r>
-              <a:rPr lang="en-US" dirty="0" err="1" smtClean="0"/>
+              <a:rPr lang="en-US" dirty="0" smtClean="0">
+                <a:solidFill>
+                  <a:schemeClr val="accent5"/>
+                </a:solidFill>
+              </a:rPr>
+              <a:t>Comments are denoted with </a:t>
+            </a:r>
+            <a:r>
+              <a:rPr lang="en-US" dirty="0" err="1">
+                <a:solidFill>
+                  <a:schemeClr val="accent5"/>
+                </a:solidFill>
+              </a:rPr>
               <a:t>hashtags</a:t>
             </a:r>
-            <a:r>
-              <a:rPr lang="en-US" dirty="0" smtClean="0"/>
-              <a:t> (pound signs): </a:t>
-            </a:r>
-            <a:r>
-              <a:rPr lang="en-US" dirty="0" smtClean="0">
-                <a:latin typeface="Monaco"/>
-                <a:cs typeface="Monaco"/>
-              </a:rPr>
-              <a:t>#</a:t>
-            </a:r>
             <a:endParaRPr lang="en-US" dirty="0">
+              <a:solidFill>
+                <a:schemeClr val="accent5"/>
+              </a:solidFill>
               <a:latin typeface="Monaco"/>
               <a:cs typeface="Monaco"/>
             </a:endParaRPr>

--- a/slides/slides_day1.pptx
+++ b/slides/slides_day1.pptx
@@ -5,7 +5,7 @@
     <p:sldMasterId id="2147483660" r:id="rId1"/>
   </p:sldMasterIdLst>
   <p:notesMasterIdLst>
-    <p:notesMasterId r:id="rId83"/>
+    <p:notesMasterId r:id="rId86"/>
   </p:notesMasterIdLst>
   <p:sldIdLst>
     <p:sldId id="256" r:id="rId2"/>
@@ -19,19 +19,19 @@
     <p:sldId id="343" r:id="rId10"/>
     <p:sldId id="344" r:id="rId11"/>
     <p:sldId id="263" r:id="rId12"/>
-    <p:sldId id="264" r:id="rId13"/>
-    <p:sldId id="269" r:id="rId14"/>
-    <p:sldId id="338" r:id="rId15"/>
-    <p:sldId id="339" r:id="rId16"/>
-    <p:sldId id="265" r:id="rId17"/>
-    <p:sldId id="266" r:id="rId18"/>
-    <p:sldId id="267" r:id="rId19"/>
-    <p:sldId id="268" r:id="rId20"/>
-    <p:sldId id="270" r:id="rId21"/>
-    <p:sldId id="271" r:id="rId22"/>
-    <p:sldId id="345" r:id="rId23"/>
-    <p:sldId id="275" r:id="rId24"/>
-    <p:sldId id="346" r:id="rId25"/>
+    <p:sldId id="349" r:id="rId13"/>
+    <p:sldId id="264" r:id="rId14"/>
+    <p:sldId id="269" r:id="rId15"/>
+    <p:sldId id="338" r:id="rId16"/>
+    <p:sldId id="339" r:id="rId17"/>
+    <p:sldId id="265" r:id="rId18"/>
+    <p:sldId id="266" r:id="rId19"/>
+    <p:sldId id="267" r:id="rId20"/>
+    <p:sldId id="268" r:id="rId21"/>
+    <p:sldId id="270" r:id="rId22"/>
+    <p:sldId id="271" r:id="rId23"/>
+    <p:sldId id="345" r:id="rId24"/>
+    <p:sldId id="275" r:id="rId25"/>
     <p:sldId id="348" r:id="rId26"/>
     <p:sldId id="347" r:id="rId27"/>
     <p:sldId id="276" r:id="rId28"/>
@@ -45,50 +45,53 @@
     <p:sldId id="286" r:id="rId36"/>
     <p:sldId id="285" r:id="rId37"/>
     <p:sldId id="287" r:id="rId38"/>
-    <p:sldId id="290" r:id="rId39"/>
-    <p:sldId id="288" r:id="rId40"/>
-    <p:sldId id="296" r:id="rId41"/>
-    <p:sldId id="295" r:id="rId42"/>
-    <p:sldId id="294" r:id="rId43"/>
-    <p:sldId id="297" r:id="rId44"/>
-    <p:sldId id="313" r:id="rId45"/>
-    <p:sldId id="291" r:id="rId46"/>
-    <p:sldId id="301" r:id="rId47"/>
-    <p:sldId id="300" r:id="rId48"/>
-    <p:sldId id="303" r:id="rId49"/>
-    <p:sldId id="307" r:id="rId50"/>
-    <p:sldId id="304" r:id="rId51"/>
-    <p:sldId id="306" r:id="rId52"/>
-    <p:sldId id="302" r:id="rId53"/>
-    <p:sldId id="299" r:id="rId54"/>
-    <p:sldId id="308" r:id="rId55"/>
-    <p:sldId id="309" r:id="rId56"/>
-    <p:sldId id="311" r:id="rId57"/>
-    <p:sldId id="310" r:id="rId58"/>
-    <p:sldId id="292" r:id="rId59"/>
-    <p:sldId id="314" r:id="rId60"/>
-    <p:sldId id="316" r:id="rId61"/>
-    <p:sldId id="315" r:id="rId62"/>
-    <p:sldId id="317" r:id="rId63"/>
-    <p:sldId id="318" r:id="rId64"/>
-    <p:sldId id="324" r:id="rId65"/>
-    <p:sldId id="325" r:id="rId66"/>
-    <p:sldId id="326" r:id="rId67"/>
-    <p:sldId id="327" r:id="rId68"/>
-    <p:sldId id="328" r:id="rId69"/>
-    <p:sldId id="320" r:id="rId70"/>
-    <p:sldId id="330" r:id="rId71"/>
-    <p:sldId id="329" r:id="rId72"/>
-    <p:sldId id="321" r:id="rId73"/>
-    <p:sldId id="331" r:id="rId74"/>
-    <p:sldId id="322" r:id="rId75"/>
-    <p:sldId id="323" r:id="rId76"/>
-    <p:sldId id="333" r:id="rId77"/>
-    <p:sldId id="340" r:id="rId78"/>
-    <p:sldId id="334" r:id="rId79"/>
-    <p:sldId id="341" r:id="rId80"/>
-    <p:sldId id="336" r:id="rId81"/>
-    <p:sldId id="342" r:id="rId82"/>
+    <p:sldId id="350" r:id="rId39"/>
+    <p:sldId id="290" r:id="rId40"/>
+    <p:sldId id="288" r:id="rId41"/>
+    <p:sldId id="296" r:id="rId42"/>
+    <p:sldId id="295" r:id="rId43"/>
+    <p:sldId id="294" r:id="rId44"/>
+    <p:sldId id="297" r:id="rId45"/>
+    <p:sldId id="313" r:id="rId46"/>
+    <p:sldId id="291" r:id="rId47"/>
+    <p:sldId id="301" r:id="rId48"/>
+    <p:sldId id="300" r:id="rId49"/>
+    <p:sldId id="303" r:id="rId50"/>
+    <p:sldId id="307" r:id="rId51"/>
+    <p:sldId id="304" r:id="rId52"/>
+    <p:sldId id="306" r:id="rId53"/>
+    <p:sldId id="302" r:id="rId54"/>
+    <p:sldId id="299" r:id="rId55"/>
+    <p:sldId id="308" r:id="rId56"/>
+    <p:sldId id="309" r:id="rId57"/>
+    <p:sldId id="311" r:id="rId58"/>
+    <p:sldId id="310" r:id="rId59"/>
+    <p:sldId id="292" r:id="rId60"/>
+    <p:sldId id="314" r:id="rId61"/>
+    <p:sldId id="316" r:id="rId62"/>
+    <p:sldId id="315" r:id="rId63"/>
+    <p:sldId id="317" r:id="rId64"/>
+    <p:sldId id="318" r:id="rId65"/>
+    <p:sldId id="324" r:id="rId66"/>
+    <p:sldId id="325" r:id="rId67"/>
+    <p:sldId id="326" r:id="rId68"/>
+    <p:sldId id="327" r:id="rId69"/>
+    <p:sldId id="328" r:id="rId70"/>
+    <p:sldId id="320" r:id="rId71"/>
+    <p:sldId id="330" r:id="rId72"/>
+    <p:sldId id="329" r:id="rId73"/>
+    <p:sldId id="321" r:id="rId74"/>
+    <p:sldId id="331" r:id="rId75"/>
+    <p:sldId id="322" r:id="rId76"/>
+    <p:sldId id="323" r:id="rId77"/>
+    <p:sldId id="333" r:id="rId78"/>
+    <p:sldId id="340" r:id="rId79"/>
+    <p:sldId id="334" r:id="rId80"/>
+    <p:sldId id="341" r:id="rId81"/>
+    <p:sldId id="336" r:id="rId82"/>
+    <p:sldId id="352" r:id="rId83"/>
+    <p:sldId id="351" r:id="rId84"/>
+    <p:sldId id="342" r:id="rId85"/>
   </p:sldIdLst>
   <p:sldSz cx="9144000" cy="6858000" type="screen4x3"/>
   <p:notesSz cx="6858000" cy="9144000"/>
@@ -272,7 +275,7 @@
           <a:p>
             <a:fld id="{F833E4A7-8C8F-0444-B05A-6DE0ED7B35B0}" type="datetimeFigureOut">
               <a:rPr lang="en-US" smtClean="0"/>
-              <a:t>5/24/15</a:t>
+              <a:t>5/26/15</a:t>
             </a:fld>
             <a:endParaRPr lang="en-US"/>
           </a:p>
@@ -621,7 +624,7 @@
           <a:p>
             <a:fld id="{850A63CA-6EF3-434A-8E2F-FF8FCBDA0A72}" type="slidenum">
               <a:rPr lang="en-US" smtClean="0"/>
-              <a:t>16</a:t>
+              <a:t>17</a:t>
             </a:fld>
             <a:endParaRPr lang="en-US"/>
           </a:p>
@@ -719,7 +722,7 @@
           <a:p>
             <a:fld id="{850A63CA-6EF3-434A-8E2F-FF8FCBDA0A72}" type="slidenum">
               <a:rPr lang="en-US" smtClean="0"/>
-              <a:t>19</a:t>
+              <a:t>20</a:t>
             </a:fld>
             <a:endParaRPr lang="en-US"/>
           </a:p>
@@ -807,7 +810,7 @@
           <a:p>
             <a:fld id="{850A63CA-6EF3-434A-8E2F-FF8FCBDA0A72}" type="slidenum">
               <a:rPr lang="en-US" smtClean="0"/>
-              <a:t>21</a:t>
+              <a:t>22</a:t>
             </a:fld>
             <a:endParaRPr lang="en-US"/>
           </a:p>
@@ -903,7 +906,7 @@
           <a:p>
             <a:fld id="{850A63CA-6EF3-434A-8E2F-FF8FCBDA0A72}" type="slidenum">
               <a:rPr lang="en-US" smtClean="0"/>
-              <a:t>77</a:t>
+              <a:t>78</a:t>
             </a:fld>
             <a:endParaRPr lang="en-US"/>
           </a:p>
@@ -995,7 +998,7 @@
           <a:p>
             <a:fld id="{850A63CA-6EF3-434A-8E2F-FF8FCBDA0A72}" type="slidenum">
               <a:rPr lang="en-US" smtClean="0"/>
-              <a:t>78</a:t>
+              <a:t>79</a:t>
             </a:fld>
             <a:endParaRPr lang="en-US"/>
           </a:p>
@@ -1087,7 +1090,7 @@
           <a:p>
             <a:fld id="{850A63CA-6EF3-434A-8E2F-FF8FCBDA0A72}" type="slidenum">
               <a:rPr lang="en-US" smtClean="0"/>
-              <a:t>79</a:t>
+              <a:t>80</a:t>
             </a:fld>
             <a:endParaRPr lang="en-US"/>
           </a:p>
@@ -1299,7 +1302,7 @@
           <a:p>
             <a:fld id="{CAF647BD-C221-1844-9ED2-A7F7759EF665}" type="datetimeFigureOut">
               <a:rPr lang="en-US" smtClean="0"/>
-              <a:t>5/24/15</a:t>
+              <a:t>5/26/15</a:t>
             </a:fld>
             <a:endParaRPr lang="en-US"/>
           </a:p>
@@ -1564,7 +1567,7 @@
           <a:p>
             <a:fld id="{CAF647BD-C221-1844-9ED2-A7F7759EF665}" type="datetimeFigureOut">
               <a:rPr lang="en-US" smtClean="0"/>
-              <a:t>5/24/15</a:t>
+              <a:t>5/26/15</a:t>
             </a:fld>
             <a:endParaRPr lang="en-US"/>
           </a:p>
@@ -1739,7 +1742,7 @@
           <a:p>
             <a:fld id="{CAF647BD-C221-1844-9ED2-A7F7759EF665}" type="datetimeFigureOut">
               <a:rPr lang="en-US" smtClean="0"/>
-              <a:t>5/24/15</a:t>
+              <a:t>5/26/15</a:t>
             </a:fld>
             <a:endParaRPr lang="en-US"/>
           </a:p>
@@ -1904,7 +1907,7 @@
           <a:p>
             <a:fld id="{CAF647BD-C221-1844-9ED2-A7F7759EF665}" type="datetimeFigureOut">
               <a:rPr lang="en-US" smtClean="0"/>
-              <a:t>5/24/15</a:t>
+              <a:t>5/26/15</a:t>
             </a:fld>
             <a:endParaRPr lang="en-US"/>
           </a:p>
@@ -2153,7 +2156,7 @@
           <a:p>
             <a:fld id="{CAF647BD-C221-1844-9ED2-A7F7759EF665}" type="datetimeFigureOut">
               <a:rPr lang="en-US" smtClean="0"/>
-              <a:t>5/24/15</a:t>
+              <a:t>5/26/15</a:t>
             </a:fld>
             <a:endParaRPr lang="en-US"/>
           </a:p>
@@ -2436,7 +2439,7 @@
           <a:p>
             <a:fld id="{CAF647BD-C221-1844-9ED2-A7F7759EF665}" type="datetimeFigureOut">
               <a:rPr lang="en-US" smtClean="0"/>
-              <a:t>5/24/15</a:t>
+              <a:t>5/26/15</a:t>
             </a:fld>
             <a:endParaRPr lang="en-US"/>
           </a:p>
@@ -2875,7 +2878,7 @@
           <a:p>
             <a:fld id="{CAF647BD-C221-1844-9ED2-A7F7759EF665}" type="datetimeFigureOut">
               <a:rPr lang="en-US" smtClean="0"/>
-              <a:t>5/24/15</a:t>
+              <a:t>5/26/15</a:t>
             </a:fld>
             <a:endParaRPr lang="en-US"/>
           </a:p>
@@ -2988,7 +2991,7 @@
           <a:p>
             <a:fld id="{CAF647BD-C221-1844-9ED2-A7F7759EF665}" type="datetimeFigureOut">
               <a:rPr lang="en-US" smtClean="0"/>
-              <a:t>5/24/15</a:t>
+              <a:t>5/26/15</a:t>
             </a:fld>
             <a:endParaRPr lang="en-US"/>
           </a:p>
@@ -3078,7 +3081,7 @@
           <a:p>
             <a:fld id="{CAF647BD-C221-1844-9ED2-A7F7759EF665}" type="datetimeFigureOut">
               <a:rPr lang="en-US" smtClean="0"/>
-              <a:t>5/24/15</a:t>
+              <a:t>5/26/15</a:t>
             </a:fld>
             <a:endParaRPr lang="en-US"/>
           </a:p>
@@ -3320,7 +3323,7 @@
           <a:p>
             <a:fld id="{CAF647BD-C221-1844-9ED2-A7F7759EF665}" type="datetimeFigureOut">
               <a:rPr lang="en-US" smtClean="0"/>
-              <a:t>5/24/15</a:t>
+              <a:t>5/26/15</a:t>
             </a:fld>
             <a:endParaRPr lang="en-US"/>
           </a:p>
@@ -3614,7 +3617,7 @@
           <a:p>
             <a:fld id="{CAF647BD-C221-1844-9ED2-A7F7759EF665}" type="datetimeFigureOut">
               <a:rPr lang="en-US" smtClean="0"/>
-              <a:t>5/24/15</a:t>
+              <a:t>5/26/15</a:t>
             </a:fld>
             <a:endParaRPr lang="en-US"/>
           </a:p>
@@ -3908,7 +3911,7 @@
           <a:p>
             <a:fld id="{CAF647BD-C221-1844-9ED2-A7F7759EF665}" type="datetimeFigureOut">
               <a:rPr lang="en-US" smtClean="0"/>
-              <a:t>5/24/15</a:t>
+              <a:t>5/26/15</a:t>
             </a:fld>
             <a:endParaRPr lang="en-US"/>
           </a:p>
@@ -4899,73 +4902,10 @@
           </a:prstGeom>
         </p:spPr>
       </p:pic>
-      <p:cxnSp>
-        <p:nvCxnSpPr>
-          <p:cNvPr id="6" name="Straight Arrow Connector 5"/>
-          <p:cNvCxnSpPr/>
-          <p:nvPr/>
-        </p:nvCxnSpPr>
-        <p:spPr>
-          <a:xfrm>
-            <a:off x="4899324" y="3268040"/>
-            <a:ext cx="0" cy="772607"/>
-          </a:xfrm>
-          <a:prstGeom prst="straightConnector1">
-            <a:avLst/>
-          </a:prstGeom>
-          <a:ln>
-            <a:tailEnd type="arrow"/>
-          </a:ln>
-        </p:spPr>
-        <p:style>
-          <a:lnRef idx="2">
-            <a:schemeClr val="accent1"/>
-          </a:lnRef>
-          <a:fillRef idx="0">
-            <a:schemeClr val="accent1"/>
-          </a:fillRef>
-          <a:effectRef idx="1">
-            <a:schemeClr val="accent1"/>
-          </a:effectRef>
-          <a:fontRef idx="minor">
-            <a:schemeClr val="tx1"/>
-          </a:fontRef>
-        </p:style>
-      </p:cxnSp>
-      <p:sp>
-        <p:nvSpPr>
-          <p:cNvPr id="12" name="TextBox 11"/>
-          <p:cNvSpPr txBox="1"/>
-          <p:nvPr/>
-        </p:nvSpPr>
-        <p:spPr>
-          <a:xfrm>
-            <a:off x="4971143" y="3421225"/>
-            <a:ext cx="1192245" cy="646331"/>
-          </a:xfrm>
-          <a:prstGeom prst="rect">
-            <a:avLst/>
-          </a:prstGeom>
-          <a:noFill/>
-        </p:spPr>
-        <p:txBody>
-          <a:bodyPr wrap="square" rtlCol="0">
-            <a:spAutoFit/>
-          </a:bodyPr>
-          <a:lstStyle/>
-          <a:p>
-            <a:r>
-              <a:rPr lang="en-US" sz="1200" dirty="0" smtClean="0"/>
-              <a:t>Levels are separated by slashes: /</a:t>
-            </a:r>
-            <a:endParaRPr lang="en-US" sz="1200" dirty="0"/>
-          </a:p>
-        </p:txBody>
-      </p:sp>
     </p:spTree>
     <p:extLst>
       <p:ext uri="{BB962C8B-B14F-4D97-AF65-F5344CB8AC3E}">
-        <p14:creationId xmlns:p14="http://schemas.microsoft.com/office/powerpoint/2010/main" val="1708613593"/>
+        <p14:creationId xmlns:p14="http://schemas.microsoft.com/office/powerpoint/2010/main" val="1182532302"/>
       </p:ext>
     </p:extLst>
   </p:cSld>
@@ -5168,149 +5108,10 @@
           </a:p>
         </p:txBody>
       </p:sp>
-      <p:sp>
-        <p:nvSpPr>
-          <p:cNvPr id="5" name="TextBox 4"/>
-          <p:cNvSpPr txBox="1"/>
-          <p:nvPr/>
-        </p:nvSpPr>
-        <p:spPr>
-          <a:xfrm>
-            <a:off x="4618888" y="5643593"/>
-            <a:ext cx="4436390" cy="461665"/>
-          </a:xfrm>
-          <a:prstGeom prst="rect">
-            <a:avLst/>
-          </a:prstGeom>
-          <a:noFill/>
-        </p:spPr>
-        <p:txBody>
-          <a:bodyPr wrap="square" rtlCol="0">
-            <a:spAutoFit/>
-          </a:bodyPr>
-          <a:lstStyle/>
-          <a:p>
-            <a:r>
-              <a:rPr lang="en-US" sz="2400" dirty="0" smtClean="0">
-                <a:solidFill>
-                  <a:schemeClr val="accent5"/>
-                </a:solidFill>
-              </a:rPr>
-              <a:t>The path from A to C is </a:t>
-            </a:r>
-            <a:r>
-              <a:rPr lang="en-US" sz="2400" dirty="0" smtClean="0">
-                <a:solidFill>
-                  <a:schemeClr val="accent5"/>
-                </a:solidFill>
-                <a:latin typeface="Monaco"/>
-                <a:cs typeface="Monaco"/>
-              </a:rPr>
-              <a:t>B/C</a:t>
-            </a:r>
-            <a:endParaRPr lang="en-US" sz="2400" dirty="0">
-              <a:solidFill>
-                <a:schemeClr val="accent5"/>
-              </a:solidFill>
-              <a:latin typeface="Monaco"/>
-              <a:cs typeface="Monaco"/>
-            </a:endParaRPr>
-          </a:p>
-        </p:txBody>
-      </p:sp>
-      <p:sp>
-        <p:nvSpPr>
-          <p:cNvPr id="7" name="TextBox 6"/>
-          <p:cNvSpPr txBox="1"/>
-          <p:nvPr/>
-        </p:nvSpPr>
-        <p:spPr>
-          <a:xfrm>
-            <a:off x="4133391" y="3051893"/>
-            <a:ext cx="284480" cy="369332"/>
-          </a:xfrm>
-          <a:prstGeom prst="rect">
-            <a:avLst/>
-          </a:prstGeom>
-          <a:noFill/>
-        </p:spPr>
-        <p:txBody>
-          <a:bodyPr wrap="square" rtlCol="0">
-            <a:spAutoFit/>
-          </a:bodyPr>
-          <a:lstStyle/>
-          <a:p>
-            <a:r>
-              <a:rPr lang="en-US" dirty="0"/>
-              <a:t>A</a:t>
-            </a:r>
-          </a:p>
-        </p:txBody>
-      </p:sp>
-      <p:sp>
-        <p:nvSpPr>
-          <p:cNvPr id="9" name="TextBox 8"/>
-          <p:cNvSpPr txBox="1"/>
-          <p:nvPr/>
-        </p:nvSpPr>
-        <p:spPr>
-          <a:xfrm>
-            <a:off x="6435346" y="4067556"/>
-            <a:ext cx="284480" cy="369332"/>
-          </a:xfrm>
-          <a:prstGeom prst="rect">
-            <a:avLst/>
-          </a:prstGeom>
-          <a:noFill/>
-        </p:spPr>
-        <p:txBody>
-          <a:bodyPr wrap="square" rtlCol="0">
-            <a:spAutoFit/>
-          </a:bodyPr>
-          <a:lstStyle/>
-          <a:p>
-            <a:r>
-              <a:rPr lang="en-US" dirty="0" smtClean="0"/>
-              <a:t>B</a:t>
-            </a:r>
-            <a:endParaRPr lang="en-US" dirty="0"/>
-          </a:p>
-        </p:txBody>
-      </p:sp>
-      <p:sp>
-        <p:nvSpPr>
-          <p:cNvPr id="10" name="TextBox 9"/>
-          <p:cNvSpPr txBox="1"/>
-          <p:nvPr/>
-        </p:nvSpPr>
-        <p:spPr>
-          <a:xfrm>
-            <a:off x="5491340" y="4925264"/>
-            <a:ext cx="179527" cy="369332"/>
-          </a:xfrm>
-          <a:prstGeom prst="rect">
-            <a:avLst/>
-          </a:prstGeom>
-          <a:noFill/>
-        </p:spPr>
-        <p:txBody>
-          <a:bodyPr wrap="square" rtlCol="0">
-            <a:spAutoFit/>
-          </a:bodyPr>
-          <a:lstStyle/>
-          <a:p>
-            <a:r>
-              <a:rPr lang="en-US" dirty="0" smtClean="0"/>
-              <a:t>C</a:t>
-            </a:r>
-            <a:endParaRPr lang="en-US" dirty="0"/>
-          </a:p>
-        </p:txBody>
-      </p:sp>
     </p:spTree>
     <p:extLst>
       <p:ext uri="{BB962C8B-B14F-4D97-AF65-F5344CB8AC3E}">
-        <p14:creationId xmlns:p14="http://schemas.microsoft.com/office/powerpoint/2010/main" val="3466759154"/>
+        <p14:creationId xmlns:p14="http://schemas.microsoft.com/office/powerpoint/2010/main" val="1708613593"/>
       </p:ext>
     </p:extLst>
   </p:cSld>
@@ -5515,6 +5316,56 @@
       </p:sp>
       <p:sp>
         <p:nvSpPr>
+          <p:cNvPr id="5" name="TextBox 4"/>
+          <p:cNvSpPr txBox="1"/>
+          <p:nvPr/>
+        </p:nvSpPr>
+        <p:spPr>
+          <a:xfrm>
+            <a:off x="4618888" y="5643593"/>
+            <a:ext cx="4436390" cy="461665"/>
+          </a:xfrm>
+          <a:prstGeom prst="rect">
+            <a:avLst/>
+          </a:prstGeom>
+          <a:noFill/>
+        </p:spPr>
+        <p:txBody>
+          <a:bodyPr wrap="square" rtlCol="0">
+            <a:spAutoFit/>
+          </a:bodyPr>
+          <a:lstStyle/>
+          <a:p>
+            <a:r>
+              <a:rPr lang="en-US" sz="2400" dirty="0" smtClean="0">
+                <a:solidFill>
+                  <a:schemeClr val="accent5"/>
+                </a:solidFill>
+              </a:rPr>
+              <a:t>The path from A to C is </a:t>
+            </a:r>
+            <a:r>
+              <a:rPr lang="en-US" sz="2400" dirty="0" smtClean="0">
+                <a:solidFill>
+                  <a:schemeClr val="accent5"/>
+                </a:solidFill>
+                <a:latin typeface="Monaco"/>
+                <a:cs typeface="Monaco"/>
+              </a:rPr>
+              <a:t>B/C</a:t>
+            </a:r>
+            <a:endParaRPr lang="en-US" sz="2400" dirty="0">
+              <a:solidFill>
+                <a:schemeClr val="accent5"/>
+              </a:solidFill>
+              <a:latin typeface="Monaco"/>
+              <a:cs typeface="Monaco"/>
+            </a:endParaRPr>
+          </a:p>
+        </p:txBody>
+      </p:sp>
+      <p:sp>
+        <p:nvSpPr>
           <p:cNvPr id="7" name="TextBox 6"/>
           <p:cNvSpPr txBox="1"/>
           <p:nvPr/>
@@ -5602,83 +5453,10 @@
           </a:p>
         </p:txBody>
       </p:sp>
-      <p:sp>
-        <p:nvSpPr>
-          <p:cNvPr id="11" name="TextBox 10"/>
-          <p:cNvSpPr txBox="1"/>
-          <p:nvPr/>
-        </p:nvSpPr>
-        <p:spPr>
-          <a:xfrm>
-            <a:off x="2460391" y="3434923"/>
-            <a:ext cx="1349727" cy="461665"/>
-          </a:xfrm>
-          <a:prstGeom prst="rect">
-            <a:avLst/>
-          </a:prstGeom>
-          <a:noFill/>
-        </p:spPr>
-        <p:txBody>
-          <a:bodyPr wrap="square" rtlCol="0">
-            <a:spAutoFit/>
-          </a:bodyPr>
-          <a:lstStyle/>
-          <a:p>
-            <a:r>
-              <a:rPr lang="en-US" sz="1200" dirty="0" smtClean="0"/>
-              <a:t>Move up the hierarchy with </a:t>
-            </a:r>
-            <a:r>
-              <a:rPr lang="en-US" sz="1200" dirty="0" smtClean="0">
-                <a:latin typeface="Monaco"/>
-                <a:cs typeface="Monaco"/>
-              </a:rPr>
-              <a:t>..</a:t>
-            </a:r>
-            <a:endParaRPr lang="en-US" sz="1200" dirty="0">
-              <a:latin typeface="Monaco"/>
-              <a:cs typeface="Monaco"/>
-            </a:endParaRPr>
-          </a:p>
-        </p:txBody>
-      </p:sp>
-      <p:cxnSp>
-        <p:nvCxnSpPr>
-          <p:cNvPr id="13" name="Straight Arrow Connector 12"/>
-          <p:cNvCxnSpPr/>
-          <p:nvPr/>
-        </p:nvCxnSpPr>
-        <p:spPr>
-          <a:xfrm flipV="1">
-            <a:off x="3804933" y="3268040"/>
-            <a:ext cx="0" cy="772607"/>
-          </a:xfrm>
-          <a:prstGeom prst="straightConnector1">
-            <a:avLst/>
-          </a:prstGeom>
-          <a:ln>
-            <a:tailEnd type="arrow"/>
-          </a:ln>
-        </p:spPr>
-        <p:style>
-          <a:lnRef idx="2">
-            <a:schemeClr val="accent1"/>
-          </a:lnRef>
-          <a:fillRef idx="0">
-            <a:schemeClr val="accent1"/>
-          </a:fillRef>
-          <a:effectRef idx="1">
-            <a:schemeClr val="accent1"/>
-          </a:effectRef>
-          <a:fontRef idx="minor">
-            <a:schemeClr val="tx1"/>
-          </a:fontRef>
-        </p:style>
-      </p:cxnSp>
     </p:spTree>
     <p:extLst>
       <p:ext uri="{BB962C8B-B14F-4D97-AF65-F5344CB8AC3E}">
-        <p14:creationId xmlns:p14="http://schemas.microsoft.com/office/powerpoint/2010/main" val="2542308205"/>
+        <p14:creationId xmlns:p14="http://schemas.microsoft.com/office/powerpoint/2010/main" val="3466759154"/>
       </p:ext>
     </p:extLst>
   </p:cSld>
@@ -6043,6 +5821,374 @@
           </a:fontRef>
         </p:style>
       </p:cxnSp>
+    </p:spTree>
+    <p:extLst>
+      <p:ext uri="{BB962C8B-B14F-4D97-AF65-F5344CB8AC3E}">
+        <p14:creationId xmlns:p14="http://schemas.microsoft.com/office/powerpoint/2010/main" val="2542308205"/>
+      </p:ext>
+    </p:extLst>
+  </p:cSld>
+  <p:clrMapOvr>
+    <a:masterClrMapping/>
+  </p:clrMapOvr>
+</p:sld>
+</file>
+
+<file path=ppt/slides/slide16.xml><?xml version="1.0" encoding="utf-8"?>
+<p:sld xmlns:a="http://schemas.openxmlformats.org/drawingml/2006/main" xmlns:r="http://schemas.openxmlformats.org/officeDocument/2006/relationships" xmlns:p="http://schemas.openxmlformats.org/presentationml/2006/main">
+  <p:cSld>
+    <p:spTree>
+      <p:nvGrpSpPr>
+        <p:cNvPr id="1" name=""/>
+        <p:cNvGrpSpPr/>
+        <p:nvPr/>
+      </p:nvGrpSpPr>
+      <p:grpSpPr>
+        <a:xfrm>
+          <a:off x="0" y="0"/>
+          <a:ext cx="0" cy="0"/>
+          <a:chOff x="0" y="0"/>
+          <a:chExt cx="0" cy="0"/>
+        </a:xfrm>
+      </p:grpSpPr>
+      <p:sp>
+        <p:nvSpPr>
+          <p:cNvPr id="2" name="Title 1"/>
+          <p:cNvSpPr>
+            <a:spLocks noGrp="1"/>
+          </p:cNvSpPr>
+          <p:nvPr>
+            <p:ph type="title"/>
+          </p:nvPr>
+        </p:nvSpPr>
+        <p:spPr/>
+        <p:txBody>
+          <a:bodyPr>
+            <a:normAutofit/>
+          </a:bodyPr>
+          <a:lstStyle/>
+          <a:p>
+            <a:r>
+              <a:rPr lang="en-US" dirty="0" smtClean="0"/>
+              <a:t>navigating Unix systems</a:t>
+            </a:r>
+            <a:br>
+              <a:rPr lang="en-US" dirty="0" smtClean="0"/>
+            </a:br>
+            <a:endParaRPr lang="en-US" dirty="0"/>
+          </a:p>
+        </p:txBody>
+      </p:sp>
+      <p:sp>
+        <p:nvSpPr>
+          <p:cNvPr id="3" name="Content Placeholder 2"/>
+          <p:cNvSpPr>
+            <a:spLocks noGrp="1"/>
+          </p:cNvSpPr>
+          <p:nvPr>
+            <p:ph idx="1"/>
+          </p:nvPr>
+        </p:nvSpPr>
+        <p:spPr/>
+        <p:txBody>
+          <a:bodyPr/>
+          <a:lstStyle/>
+          <a:p>
+            <a:r>
+              <a:rPr lang="en-US" dirty="0" smtClean="0"/>
+              <a:t>Every file/directory has a specific address, or </a:t>
+            </a:r>
+            <a:r>
+              <a:rPr lang="en-US" dirty="0" smtClean="0">
+                <a:solidFill>
+                  <a:schemeClr val="tx2"/>
+                </a:solidFill>
+              </a:rPr>
+              <a:t>path</a:t>
+            </a:r>
+            <a:r>
+              <a:rPr lang="en-US" dirty="0" smtClean="0"/>
+              <a:t>, in the hierarchy</a:t>
+            </a:r>
+            <a:endParaRPr lang="en-US" b="0" dirty="0" smtClean="0">
+              <a:solidFill>
+                <a:schemeClr val="tx2"/>
+              </a:solidFill>
+            </a:endParaRPr>
+          </a:p>
+          <a:p>
+            <a:pPr marL="457200" indent="-457200">
+              <a:buFont typeface="Arial"/>
+              <a:buChar char="•"/>
+            </a:pPr>
+            <a:endParaRPr lang="en-US" b="0" i="1" dirty="0"/>
+          </a:p>
+          <a:p>
+            <a:endParaRPr lang="en-US" b="0" dirty="0" smtClean="0"/>
+          </a:p>
+          <a:p>
+            <a:endParaRPr lang="en-US" b="0" dirty="0"/>
+          </a:p>
+          <a:p>
+            <a:endParaRPr lang="en-US" dirty="0" smtClean="0"/>
+          </a:p>
+        </p:txBody>
+      </p:sp>
+      <p:pic>
+        <p:nvPicPr>
+          <p:cNvPr id="4" name="Picture 3" descr="directory_hierarchy.pdf"/>
+          <p:cNvPicPr>
+            <a:picLocks noChangeAspect="1"/>
+          </p:cNvPicPr>
+          <p:nvPr/>
+        </p:nvPicPr>
+        <p:blipFill>
+          <a:blip r:embed="rId2">
+            <a:extLst>
+              <a:ext uri="{28A0092B-C50C-407E-A947-70E740481C1C}">
+                <a14:useLocalDpi xmlns:a14="http://schemas.microsoft.com/office/drawing/2010/main" val="0"/>
+              </a:ext>
+            </a:extLst>
+          </a:blip>
+          <a:stretch>
+            <a:fillRect/>
+          </a:stretch>
+        </p:blipFill>
+        <p:spPr>
+          <a:xfrm>
+            <a:off x="1206500" y="2867729"/>
+            <a:ext cx="6731000" cy="3365500"/>
+          </a:xfrm>
+          <a:prstGeom prst="rect">
+            <a:avLst/>
+          </a:prstGeom>
+        </p:spPr>
+      </p:pic>
+      <p:cxnSp>
+        <p:nvCxnSpPr>
+          <p:cNvPr id="6" name="Straight Arrow Connector 5"/>
+          <p:cNvCxnSpPr/>
+          <p:nvPr/>
+        </p:nvCxnSpPr>
+        <p:spPr>
+          <a:xfrm>
+            <a:off x="4899324" y="3268040"/>
+            <a:ext cx="0" cy="772607"/>
+          </a:xfrm>
+          <a:prstGeom prst="straightConnector1">
+            <a:avLst/>
+          </a:prstGeom>
+          <a:ln>
+            <a:tailEnd type="arrow"/>
+          </a:ln>
+        </p:spPr>
+        <p:style>
+          <a:lnRef idx="2">
+            <a:schemeClr val="accent1"/>
+          </a:lnRef>
+          <a:fillRef idx="0">
+            <a:schemeClr val="accent1"/>
+          </a:fillRef>
+          <a:effectRef idx="1">
+            <a:schemeClr val="accent1"/>
+          </a:effectRef>
+          <a:fontRef idx="minor">
+            <a:schemeClr val="tx1"/>
+          </a:fontRef>
+        </p:style>
+      </p:cxnSp>
+      <p:sp>
+        <p:nvSpPr>
+          <p:cNvPr id="12" name="TextBox 11"/>
+          <p:cNvSpPr txBox="1"/>
+          <p:nvPr/>
+        </p:nvSpPr>
+        <p:spPr>
+          <a:xfrm>
+            <a:off x="4971143" y="3421225"/>
+            <a:ext cx="1192245" cy="646331"/>
+          </a:xfrm>
+          <a:prstGeom prst="rect">
+            <a:avLst/>
+          </a:prstGeom>
+          <a:noFill/>
+        </p:spPr>
+        <p:txBody>
+          <a:bodyPr wrap="square" rtlCol="0">
+            <a:spAutoFit/>
+          </a:bodyPr>
+          <a:lstStyle/>
+          <a:p>
+            <a:r>
+              <a:rPr lang="en-US" sz="1200" dirty="0" smtClean="0"/>
+              <a:t>Levels are separated by slashes: /</a:t>
+            </a:r>
+            <a:endParaRPr lang="en-US" sz="1200" dirty="0"/>
+          </a:p>
+        </p:txBody>
+      </p:sp>
+      <p:sp>
+        <p:nvSpPr>
+          <p:cNvPr id="7" name="TextBox 6"/>
+          <p:cNvSpPr txBox="1"/>
+          <p:nvPr/>
+        </p:nvSpPr>
+        <p:spPr>
+          <a:xfrm>
+            <a:off x="4133391" y="3051893"/>
+            <a:ext cx="284480" cy="369332"/>
+          </a:xfrm>
+          <a:prstGeom prst="rect">
+            <a:avLst/>
+          </a:prstGeom>
+          <a:noFill/>
+        </p:spPr>
+        <p:txBody>
+          <a:bodyPr wrap="square" rtlCol="0">
+            <a:spAutoFit/>
+          </a:bodyPr>
+          <a:lstStyle/>
+          <a:p>
+            <a:r>
+              <a:rPr lang="en-US" dirty="0"/>
+              <a:t>A</a:t>
+            </a:r>
+          </a:p>
+        </p:txBody>
+      </p:sp>
+      <p:sp>
+        <p:nvSpPr>
+          <p:cNvPr id="9" name="TextBox 8"/>
+          <p:cNvSpPr txBox="1"/>
+          <p:nvPr/>
+        </p:nvSpPr>
+        <p:spPr>
+          <a:xfrm>
+            <a:off x="6435346" y="4067556"/>
+            <a:ext cx="284480" cy="369332"/>
+          </a:xfrm>
+          <a:prstGeom prst="rect">
+            <a:avLst/>
+          </a:prstGeom>
+          <a:noFill/>
+        </p:spPr>
+        <p:txBody>
+          <a:bodyPr wrap="square" rtlCol="0">
+            <a:spAutoFit/>
+          </a:bodyPr>
+          <a:lstStyle/>
+          <a:p>
+            <a:r>
+              <a:rPr lang="en-US" dirty="0" smtClean="0"/>
+              <a:t>B</a:t>
+            </a:r>
+            <a:endParaRPr lang="en-US" dirty="0"/>
+          </a:p>
+        </p:txBody>
+      </p:sp>
+      <p:sp>
+        <p:nvSpPr>
+          <p:cNvPr id="10" name="TextBox 9"/>
+          <p:cNvSpPr txBox="1"/>
+          <p:nvPr/>
+        </p:nvSpPr>
+        <p:spPr>
+          <a:xfrm>
+            <a:off x="5491340" y="4925264"/>
+            <a:ext cx="179527" cy="369332"/>
+          </a:xfrm>
+          <a:prstGeom prst="rect">
+            <a:avLst/>
+          </a:prstGeom>
+          <a:noFill/>
+        </p:spPr>
+        <p:txBody>
+          <a:bodyPr wrap="square" rtlCol="0">
+            <a:spAutoFit/>
+          </a:bodyPr>
+          <a:lstStyle/>
+          <a:p>
+            <a:r>
+              <a:rPr lang="en-US" dirty="0" smtClean="0"/>
+              <a:t>C</a:t>
+            </a:r>
+            <a:endParaRPr lang="en-US" dirty="0"/>
+          </a:p>
+        </p:txBody>
+      </p:sp>
+      <p:sp>
+        <p:nvSpPr>
+          <p:cNvPr id="11" name="TextBox 10"/>
+          <p:cNvSpPr txBox="1"/>
+          <p:nvPr/>
+        </p:nvSpPr>
+        <p:spPr>
+          <a:xfrm>
+            <a:off x="2460391" y="3434923"/>
+            <a:ext cx="1349727" cy="461665"/>
+          </a:xfrm>
+          <a:prstGeom prst="rect">
+            <a:avLst/>
+          </a:prstGeom>
+          <a:noFill/>
+        </p:spPr>
+        <p:txBody>
+          <a:bodyPr wrap="square" rtlCol="0">
+            <a:spAutoFit/>
+          </a:bodyPr>
+          <a:lstStyle/>
+          <a:p>
+            <a:r>
+              <a:rPr lang="en-US" sz="1200" dirty="0" smtClean="0"/>
+              <a:t>Move up the hierarchy with </a:t>
+            </a:r>
+            <a:r>
+              <a:rPr lang="en-US" sz="1200" dirty="0" smtClean="0">
+                <a:latin typeface="Monaco"/>
+                <a:cs typeface="Monaco"/>
+              </a:rPr>
+              <a:t>..</a:t>
+            </a:r>
+            <a:endParaRPr lang="en-US" sz="1200" dirty="0">
+              <a:latin typeface="Monaco"/>
+              <a:cs typeface="Monaco"/>
+            </a:endParaRPr>
+          </a:p>
+        </p:txBody>
+      </p:sp>
+      <p:cxnSp>
+        <p:nvCxnSpPr>
+          <p:cNvPr id="13" name="Straight Arrow Connector 12"/>
+          <p:cNvCxnSpPr/>
+          <p:nvPr/>
+        </p:nvCxnSpPr>
+        <p:spPr>
+          <a:xfrm flipV="1">
+            <a:off x="3804933" y="3268040"/>
+            <a:ext cx="0" cy="772607"/>
+          </a:xfrm>
+          <a:prstGeom prst="straightConnector1">
+            <a:avLst/>
+          </a:prstGeom>
+          <a:ln>
+            <a:tailEnd type="arrow"/>
+          </a:ln>
+        </p:spPr>
+        <p:style>
+          <a:lnRef idx="2">
+            <a:schemeClr val="accent1"/>
+          </a:lnRef>
+          <a:fillRef idx="0">
+            <a:schemeClr val="accent1"/>
+          </a:fillRef>
+          <a:effectRef idx="1">
+            <a:schemeClr val="accent1"/>
+          </a:effectRef>
+          <a:fontRef idx="minor">
+            <a:schemeClr val="tx1"/>
+          </a:fontRef>
+        </p:style>
+      </p:cxnSp>
       <p:sp>
         <p:nvSpPr>
           <p:cNvPr id="14" name="TextBox 13"/>
@@ -6106,7 +6252,7 @@
 </p:sld>
 </file>
 
-<file path=ppt/slides/slide16.xml><?xml version="1.0" encoding="utf-8"?>
+<file path=ppt/slides/slide17.xml><?xml version="1.0" encoding="utf-8"?>
 <p:sld xmlns:a="http://schemas.openxmlformats.org/drawingml/2006/main" xmlns:r="http://schemas.openxmlformats.org/officeDocument/2006/relationships" xmlns:p="http://schemas.openxmlformats.org/presentationml/2006/main">
   <p:cSld>
     <p:spTree>
@@ -6279,7 +6425,7 @@
 </p:sld>
 </file>
 
-<file path=ppt/slides/slide17.xml><?xml version="1.0" encoding="utf-8"?>
+<file path=ppt/slides/slide18.xml><?xml version="1.0" encoding="utf-8"?>
 <p:sld xmlns:a="http://schemas.openxmlformats.org/drawingml/2006/main" xmlns:r="http://schemas.openxmlformats.org/officeDocument/2006/relationships" xmlns:p="http://schemas.openxmlformats.org/presentationml/2006/main">
   <p:cSld>
     <p:spTree>
@@ -6571,7 +6717,7 @@
 </p:sld>
 </file>
 
-<file path=ppt/slides/slide18.xml><?xml version="1.0" encoding="utf-8"?>
+<file path=ppt/slides/slide19.xml><?xml version="1.0" encoding="utf-8"?>
 <p:sld xmlns:a="http://schemas.openxmlformats.org/drawingml/2006/main" xmlns:r="http://schemas.openxmlformats.org/officeDocument/2006/relationships" xmlns:p="http://schemas.openxmlformats.org/presentationml/2006/main">
   <p:cSld>
     <p:spTree>
@@ -6949,197 +7095,6 @@
 </p:sld>
 </file>
 
-<file path=ppt/slides/slide19.xml><?xml version="1.0" encoding="utf-8"?>
-<p:sld xmlns:a="http://schemas.openxmlformats.org/drawingml/2006/main" xmlns:r="http://schemas.openxmlformats.org/officeDocument/2006/relationships" xmlns:p="http://schemas.openxmlformats.org/presentationml/2006/main">
-  <p:cSld>
-    <p:spTree>
-      <p:nvGrpSpPr>
-        <p:cNvPr id="1" name=""/>
-        <p:cNvGrpSpPr/>
-        <p:nvPr/>
-      </p:nvGrpSpPr>
-      <p:grpSpPr>
-        <a:xfrm>
-          <a:off x="0" y="0"/>
-          <a:ext cx="0" cy="0"/>
-          <a:chOff x="0" y="0"/>
-          <a:chExt cx="0" cy="0"/>
-        </a:xfrm>
-      </p:grpSpPr>
-      <p:sp>
-        <p:nvSpPr>
-          <p:cNvPr id="3" name="Content Placeholder 2"/>
-          <p:cNvSpPr>
-            <a:spLocks noGrp="1"/>
-          </p:cNvSpPr>
-          <p:nvPr>
-            <p:ph idx="1"/>
-          </p:nvPr>
-        </p:nvSpPr>
-        <p:spPr/>
-        <p:txBody>
-          <a:bodyPr/>
-          <a:lstStyle/>
-          <a:p>
-            <a:r>
-              <a:rPr lang="en-US" dirty="0" smtClean="0"/>
-              <a:t>We move around in our file system with the command </a:t>
-            </a:r>
-            <a:r>
-              <a:rPr lang="en-US" dirty="0" smtClean="0">
-                <a:latin typeface="Monaco"/>
-                <a:cs typeface="Monaco"/>
-              </a:rPr>
-              <a:t>cd</a:t>
-            </a:r>
-            <a:r>
-              <a:rPr lang="en-US" dirty="0" smtClean="0">
-                <a:cs typeface="Monaco"/>
-              </a:rPr>
-              <a:t> </a:t>
-            </a:r>
-            <a:r>
-              <a:rPr lang="en-US" sz="1800" dirty="0" smtClean="0">
-                <a:cs typeface="Monaco"/>
-              </a:rPr>
-              <a:t>(</a:t>
-            </a:r>
-            <a:r>
-              <a:rPr lang="en-US" sz="1800" i="1" dirty="0" smtClean="0">
-                <a:cs typeface="Monaco"/>
-              </a:rPr>
-              <a:t>c</a:t>
-            </a:r>
-            <a:r>
-              <a:rPr lang="en-US" sz="1800" dirty="0" smtClean="0">
-                <a:cs typeface="Monaco"/>
-              </a:rPr>
-              <a:t>hange </a:t>
-            </a:r>
-            <a:r>
-              <a:rPr lang="en-US" sz="1800" i="1" dirty="0" smtClean="0">
-                <a:cs typeface="Monaco"/>
-              </a:rPr>
-              <a:t>d</a:t>
-            </a:r>
-            <a:r>
-              <a:rPr lang="en-US" sz="1800" dirty="0" smtClean="0">
-                <a:cs typeface="Monaco"/>
-              </a:rPr>
-              <a:t>irectory)</a:t>
-            </a:r>
-            <a:endParaRPr lang="en-US" sz="1800" dirty="0" smtClean="0">
-              <a:latin typeface="Monaco"/>
-              <a:cs typeface="Monaco"/>
-            </a:endParaRPr>
-          </a:p>
-          <a:p>
-            <a:endParaRPr lang="en-US" dirty="0" smtClean="0">
-              <a:latin typeface="Monaco"/>
-              <a:cs typeface="Monaco"/>
-            </a:endParaRPr>
-          </a:p>
-          <a:p>
-            <a:pPr marL="914400" lvl="1" indent="-457200">
-              <a:buFont typeface="Arial"/>
-              <a:buChar char="•"/>
-            </a:pPr>
-            <a:r>
-              <a:rPr lang="en-US" dirty="0" smtClean="0">
-                <a:cs typeface="Monaco"/>
-              </a:rPr>
-              <a:t>Absolute, or full, path is the path </a:t>
-            </a:r>
-            <a:r>
-              <a:rPr lang="en-US" i="1" dirty="0" smtClean="0">
-                <a:cs typeface="Monaco"/>
-              </a:rPr>
-              <a:t>from the root</a:t>
-            </a:r>
-          </a:p>
-          <a:p>
-            <a:pPr lvl="1" indent="0">
-              <a:buNone/>
-            </a:pPr>
-            <a:endParaRPr lang="en-US" dirty="0" smtClean="0">
-              <a:cs typeface="Monaco"/>
-            </a:endParaRPr>
-          </a:p>
-          <a:p>
-            <a:pPr marL="914400" lvl="1" indent="-457200">
-              <a:buFont typeface="Arial"/>
-              <a:buChar char="•"/>
-            </a:pPr>
-            <a:r>
-              <a:rPr lang="en-US" dirty="0" smtClean="0">
-                <a:cs typeface="Monaco"/>
-              </a:rPr>
-              <a:t>Relative path is the path </a:t>
-            </a:r>
-            <a:r>
-              <a:rPr lang="en-US" i="1" dirty="0" smtClean="0">
-                <a:cs typeface="Monaco"/>
-              </a:rPr>
-              <a:t>from the working directory </a:t>
-            </a:r>
-            <a:r>
-              <a:rPr lang="en-US" dirty="0" smtClean="0">
-                <a:cs typeface="Monaco"/>
-              </a:rPr>
-              <a:t>(i.e., where you are)</a:t>
-            </a:r>
-            <a:endParaRPr lang="en-US" dirty="0">
-              <a:cs typeface="Monaco"/>
-            </a:endParaRPr>
-          </a:p>
-        </p:txBody>
-      </p:sp>
-      <p:sp>
-        <p:nvSpPr>
-          <p:cNvPr id="5" name="Title 1"/>
-          <p:cNvSpPr>
-            <a:spLocks noGrp="1"/>
-          </p:cNvSpPr>
-          <p:nvPr>
-            <p:ph type="title"/>
-          </p:nvPr>
-        </p:nvSpPr>
-        <p:spPr>
-          <a:xfrm>
-            <a:off x="457199" y="152718"/>
-            <a:ext cx="7620001" cy="1371600"/>
-          </a:xfrm>
-        </p:spPr>
-        <p:txBody>
-          <a:bodyPr>
-            <a:normAutofit/>
-          </a:bodyPr>
-          <a:lstStyle/>
-          <a:p>
-            <a:r>
-              <a:rPr lang="en-US" dirty="0" smtClean="0"/>
-              <a:t>navigating Unix systems</a:t>
-            </a:r>
-            <a:br>
-              <a:rPr lang="en-US" dirty="0" smtClean="0"/>
-            </a:br>
-            <a:endParaRPr lang="en-US" dirty="0"/>
-          </a:p>
-        </p:txBody>
-      </p:sp>
-    </p:spTree>
-    <p:extLst>
-      <p:ext uri="{BB962C8B-B14F-4D97-AF65-F5344CB8AC3E}">
-        <p14:creationId xmlns:p14="http://schemas.microsoft.com/office/powerpoint/2010/main" val="1391586062"/>
-      </p:ext>
-    </p:extLst>
-  </p:cSld>
-  <p:clrMapOvr>
-    <a:masterClrMapping/>
-  </p:clrMapOvr>
-</p:sld>
-</file>
-
 <file path=ppt/slides/slide2.xml><?xml version="1.0" encoding="utf-8"?>
 <p:sld xmlns:a="http://schemas.openxmlformats.org/drawingml/2006/main" xmlns:r="http://schemas.openxmlformats.org/officeDocument/2006/relationships" xmlns:p="http://schemas.openxmlformats.org/presentationml/2006/main">
   <p:cSld>
@@ -7350,6 +7305,197 @@
           <a:bodyPr/>
           <a:lstStyle/>
           <a:p>
+            <a:r>
+              <a:rPr lang="en-US" dirty="0" smtClean="0"/>
+              <a:t>We move around in our file system with the command </a:t>
+            </a:r>
+            <a:r>
+              <a:rPr lang="en-US" dirty="0" smtClean="0">
+                <a:latin typeface="Monaco"/>
+                <a:cs typeface="Monaco"/>
+              </a:rPr>
+              <a:t>cd</a:t>
+            </a:r>
+            <a:r>
+              <a:rPr lang="en-US" dirty="0" smtClean="0">
+                <a:cs typeface="Monaco"/>
+              </a:rPr>
+              <a:t> </a:t>
+            </a:r>
+            <a:r>
+              <a:rPr lang="en-US" sz="1800" dirty="0" smtClean="0">
+                <a:cs typeface="Monaco"/>
+              </a:rPr>
+              <a:t>(</a:t>
+            </a:r>
+            <a:r>
+              <a:rPr lang="en-US" sz="1800" i="1" dirty="0" smtClean="0">
+                <a:cs typeface="Monaco"/>
+              </a:rPr>
+              <a:t>c</a:t>
+            </a:r>
+            <a:r>
+              <a:rPr lang="en-US" sz="1800" dirty="0" smtClean="0">
+                <a:cs typeface="Monaco"/>
+              </a:rPr>
+              <a:t>hange </a:t>
+            </a:r>
+            <a:r>
+              <a:rPr lang="en-US" sz="1800" i="1" dirty="0" smtClean="0">
+                <a:cs typeface="Monaco"/>
+              </a:rPr>
+              <a:t>d</a:t>
+            </a:r>
+            <a:r>
+              <a:rPr lang="en-US" sz="1800" dirty="0" smtClean="0">
+                <a:cs typeface="Monaco"/>
+              </a:rPr>
+              <a:t>irectory)</a:t>
+            </a:r>
+            <a:endParaRPr lang="en-US" sz="1800" dirty="0" smtClean="0">
+              <a:latin typeface="Monaco"/>
+              <a:cs typeface="Monaco"/>
+            </a:endParaRPr>
+          </a:p>
+          <a:p>
+            <a:endParaRPr lang="en-US" dirty="0" smtClean="0">
+              <a:latin typeface="Monaco"/>
+              <a:cs typeface="Monaco"/>
+            </a:endParaRPr>
+          </a:p>
+          <a:p>
+            <a:pPr marL="914400" lvl="1" indent="-457200">
+              <a:buFont typeface="Arial"/>
+              <a:buChar char="•"/>
+            </a:pPr>
+            <a:r>
+              <a:rPr lang="en-US" dirty="0" smtClean="0">
+                <a:cs typeface="Monaco"/>
+              </a:rPr>
+              <a:t>Absolute, or full, path is the path </a:t>
+            </a:r>
+            <a:r>
+              <a:rPr lang="en-US" i="1" dirty="0" smtClean="0">
+                <a:cs typeface="Monaco"/>
+              </a:rPr>
+              <a:t>from the root</a:t>
+            </a:r>
+          </a:p>
+          <a:p>
+            <a:pPr lvl="1" indent="0">
+              <a:buNone/>
+            </a:pPr>
+            <a:endParaRPr lang="en-US" dirty="0" smtClean="0">
+              <a:cs typeface="Monaco"/>
+            </a:endParaRPr>
+          </a:p>
+          <a:p>
+            <a:pPr marL="914400" lvl="1" indent="-457200">
+              <a:buFont typeface="Arial"/>
+              <a:buChar char="•"/>
+            </a:pPr>
+            <a:r>
+              <a:rPr lang="en-US" dirty="0" smtClean="0">
+                <a:cs typeface="Monaco"/>
+              </a:rPr>
+              <a:t>Relative path is the path </a:t>
+            </a:r>
+            <a:r>
+              <a:rPr lang="en-US" i="1" dirty="0" smtClean="0">
+                <a:cs typeface="Monaco"/>
+              </a:rPr>
+              <a:t>from the working directory </a:t>
+            </a:r>
+            <a:r>
+              <a:rPr lang="en-US" dirty="0" smtClean="0">
+                <a:cs typeface="Monaco"/>
+              </a:rPr>
+              <a:t>(i.e., where you are)</a:t>
+            </a:r>
+            <a:endParaRPr lang="en-US" dirty="0">
+              <a:cs typeface="Monaco"/>
+            </a:endParaRPr>
+          </a:p>
+        </p:txBody>
+      </p:sp>
+      <p:sp>
+        <p:nvSpPr>
+          <p:cNvPr id="5" name="Title 1"/>
+          <p:cNvSpPr>
+            <a:spLocks noGrp="1"/>
+          </p:cNvSpPr>
+          <p:nvPr>
+            <p:ph type="title"/>
+          </p:nvPr>
+        </p:nvSpPr>
+        <p:spPr>
+          <a:xfrm>
+            <a:off x="457199" y="152718"/>
+            <a:ext cx="7620001" cy="1371600"/>
+          </a:xfrm>
+        </p:spPr>
+        <p:txBody>
+          <a:bodyPr>
+            <a:normAutofit/>
+          </a:bodyPr>
+          <a:lstStyle/>
+          <a:p>
+            <a:r>
+              <a:rPr lang="en-US" dirty="0" smtClean="0"/>
+              <a:t>navigating Unix systems</a:t>
+            </a:r>
+            <a:br>
+              <a:rPr lang="en-US" dirty="0" smtClean="0"/>
+            </a:br>
+            <a:endParaRPr lang="en-US" dirty="0"/>
+          </a:p>
+        </p:txBody>
+      </p:sp>
+    </p:spTree>
+    <p:extLst>
+      <p:ext uri="{BB962C8B-B14F-4D97-AF65-F5344CB8AC3E}">
+        <p14:creationId xmlns:p14="http://schemas.microsoft.com/office/powerpoint/2010/main" val="1391586062"/>
+      </p:ext>
+    </p:extLst>
+  </p:cSld>
+  <p:clrMapOvr>
+    <a:masterClrMapping/>
+  </p:clrMapOvr>
+</p:sld>
+</file>
+
+<file path=ppt/slides/slide21.xml><?xml version="1.0" encoding="utf-8"?>
+<p:sld xmlns:a="http://schemas.openxmlformats.org/drawingml/2006/main" xmlns:r="http://schemas.openxmlformats.org/officeDocument/2006/relationships" xmlns:p="http://schemas.openxmlformats.org/presentationml/2006/main">
+  <p:cSld>
+    <p:spTree>
+      <p:nvGrpSpPr>
+        <p:cNvPr id="1" name=""/>
+        <p:cNvGrpSpPr/>
+        <p:nvPr/>
+      </p:nvGrpSpPr>
+      <p:grpSpPr>
+        <a:xfrm>
+          <a:off x="0" y="0"/>
+          <a:ext cx="0" cy="0"/>
+          <a:chOff x="0" y="0"/>
+          <a:chExt cx="0" cy="0"/>
+        </a:xfrm>
+      </p:grpSpPr>
+      <p:sp>
+        <p:nvSpPr>
+          <p:cNvPr id="3" name="Content Placeholder 2"/>
+          <p:cNvSpPr>
+            <a:spLocks noGrp="1"/>
+          </p:cNvSpPr>
+          <p:nvPr>
+            <p:ph idx="1"/>
+          </p:nvPr>
+        </p:nvSpPr>
+        <p:spPr/>
+        <p:txBody>
+          <a:bodyPr/>
+          <a:lstStyle/>
+          <a:p>
             <a:pPr marL="457200" indent="-457200">
               <a:buFont typeface="Arial"/>
               <a:buChar char="•"/>
@@ -7427,7 +7573,7 @@
 </p:sld>
 </file>
 
-<file path=ppt/slides/slide21.xml><?xml version="1.0" encoding="utf-8"?>
+<file path=ppt/slides/slide22.xml><?xml version="1.0" encoding="utf-8"?>
 <p:sld xmlns:a="http://schemas.openxmlformats.org/drawingml/2006/main" xmlns:r="http://schemas.openxmlformats.org/officeDocument/2006/relationships" xmlns:p="http://schemas.openxmlformats.org/presentationml/2006/main">
   <p:cSld>
     <p:spTree>
@@ -8155,116 +8301,6 @@
 </p:sld>
 </file>
 
-<file path=ppt/slides/slide22.xml><?xml version="1.0" encoding="utf-8"?>
-<p:sld xmlns:a="http://schemas.openxmlformats.org/drawingml/2006/main" xmlns:r="http://schemas.openxmlformats.org/officeDocument/2006/relationships" xmlns:p="http://schemas.openxmlformats.org/presentationml/2006/main">
-  <p:cSld>
-    <p:spTree>
-      <p:nvGrpSpPr>
-        <p:cNvPr id="1" name=""/>
-        <p:cNvGrpSpPr/>
-        <p:nvPr/>
-      </p:nvGrpSpPr>
-      <p:grpSpPr>
-        <a:xfrm>
-          <a:off x="0" y="0"/>
-          <a:ext cx="0" cy="0"/>
-          <a:chOff x="0" y="0"/>
-          <a:chExt cx="0" cy="0"/>
-        </a:xfrm>
-      </p:grpSpPr>
-      <p:sp>
-        <p:nvSpPr>
-          <p:cNvPr id="2" name="Title 1"/>
-          <p:cNvSpPr>
-            <a:spLocks noGrp="1"/>
-          </p:cNvSpPr>
-          <p:nvPr>
-            <p:ph type="title"/>
-          </p:nvPr>
-        </p:nvSpPr>
-        <p:spPr/>
-        <p:txBody>
-          <a:bodyPr/>
-          <a:lstStyle/>
-          <a:p>
-            <a:r>
-              <a:rPr lang="en-US" dirty="0" smtClean="0"/>
-              <a:t>enter, python!</a:t>
-            </a:r>
-            <a:endParaRPr lang="en-US" dirty="0"/>
-          </a:p>
-        </p:txBody>
-      </p:sp>
-      <p:sp>
-        <p:nvSpPr>
-          <p:cNvPr id="3" name="Content Placeholder 2"/>
-          <p:cNvSpPr>
-            <a:spLocks noGrp="1"/>
-          </p:cNvSpPr>
-          <p:nvPr>
-            <p:ph idx="1"/>
-          </p:nvPr>
-        </p:nvSpPr>
-        <p:spPr>
-          <a:xfrm>
-            <a:off x="457200" y="1752600"/>
-            <a:ext cx="8686800" cy="4373563"/>
-          </a:xfrm>
-        </p:spPr>
-        <p:txBody>
-          <a:bodyPr/>
-          <a:lstStyle/>
-          <a:p>
-            <a:pPr marL="457200" indent="-457200">
-              <a:buFont typeface="Arial"/>
-              <a:buChar char="•"/>
-            </a:pPr>
-            <a:r>
-              <a:rPr lang="en-US" dirty="0"/>
-              <a:t>Python is an </a:t>
-            </a:r>
-            <a:r>
-              <a:rPr lang="en-US" i="1" dirty="0"/>
-              <a:t>interpreted</a:t>
-            </a:r>
-            <a:r>
-              <a:rPr lang="en-US" dirty="0"/>
-              <a:t> language</a:t>
-            </a:r>
-          </a:p>
-          <a:p>
-            <a:pPr marL="914400" lvl="1" indent="-457200">
-              <a:buFont typeface="Arial"/>
-              <a:buChar char="•"/>
-            </a:pPr>
-            <a:r>
-              <a:rPr lang="en-US" dirty="0"/>
-              <a:t>We can code either using the interpreter directly or using </a:t>
-            </a:r>
-            <a:r>
-              <a:rPr lang="en-US" i="1" dirty="0"/>
-              <a:t>scripts</a:t>
-            </a:r>
-            <a:r>
-              <a:rPr lang="en-US" dirty="0"/>
-              <a:t> (text files with python code)</a:t>
-            </a:r>
-          </a:p>
-        </p:txBody>
-      </p:sp>
-    </p:spTree>
-    <p:extLst>
-      <p:ext uri="{BB962C8B-B14F-4D97-AF65-F5344CB8AC3E}">
-        <p14:creationId xmlns:p14="http://schemas.microsoft.com/office/powerpoint/2010/main" val="1054779688"/>
-      </p:ext>
-    </p:extLst>
-  </p:cSld>
-  <p:clrMapOvr>
-    <a:masterClrMapping/>
-  </p:clrMapOvr>
-</p:sld>
-</file>
-
 <file path=ppt/slides/slide23.xml><?xml version="1.0" encoding="utf-8"?>
 <p:sld xmlns:a="http://schemas.openxmlformats.org/drawingml/2006/main" xmlns:r="http://schemas.openxmlformats.org/officeDocument/2006/relationships" xmlns:p="http://schemas.openxmlformats.org/presentationml/2006/main">
   <p:cSld>
@@ -8360,34 +8396,12 @@
               <a:t> (text files with python code)</a:t>
             </a:r>
           </a:p>
-          <a:p>
-            <a:pPr marL="457200" indent="-457200">
-              <a:buFont typeface="Arial"/>
-              <a:buChar char="•"/>
-            </a:pPr>
-            <a:endParaRPr lang="en-US" dirty="0" smtClean="0"/>
-          </a:p>
-          <a:p>
-            <a:pPr marL="457200" indent="-457200">
-              <a:buFont typeface="Arial"/>
-              <a:buChar char="•"/>
-            </a:pPr>
-            <a:r>
-              <a:rPr lang="en-US" dirty="0" smtClean="0"/>
-              <a:t>Python is an </a:t>
-            </a:r>
-            <a:r>
-              <a:rPr lang="en-US" i="1" dirty="0" smtClean="0"/>
-              <a:t>object-oriented language</a:t>
-            </a:r>
-            <a:endParaRPr lang="en-US" dirty="0" smtClean="0"/>
-          </a:p>
         </p:txBody>
       </p:sp>
     </p:spTree>
     <p:extLst>
       <p:ext uri="{BB962C8B-B14F-4D97-AF65-F5344CB8AC3E}">
-        <p14:creationId xmlns:p14="http://schemas.microsoft.com/office/powerpoint/2010/main" val="1035205068"/>
+        <p14:creationId xmlns:p14="http://schemas.microsoft.com/office/powerpoint/2010/main" val="1054779688"/>
       </p:ext>
     </p:extLst>
   </p:cSld>
@@ -8454,9 +8468,7 @@
           </a:xfrm>
         </p:spPr>
         <p:txBody>
-          <a:bodyPr>
-            <a:normAutofit/>
-          </a:bodyPr>
+          <a:bodyPr/>
           <a:lstStyle/>
           <a:p>
             <a:pPr marL="457200" indent="-457200">
@@ -8514,13 +8526,14 @@
               <a:rPr lang="en-US" i="1" dirty="0" smtClean="0"/>
               <a:t>object-oriented language</a:t>
             </a:r>
+            <a:endParaRPr lang="en-US" dirty="0" smtClean="0"/>
           </a:p>
         </p:txBody>
       </p:sp>
     </p:spTree>
     <p:extLst>
       <p:ext uri="{BB962C8B-B14F-4D97-AF65-F5344CB8AC3E}">
-        <p14:creationId xmlns:p14="http://schemas.microsoft.com/office/powerpoint/2010/main" val="2400712858"/>
+        <p14:creationId xmlns:p14="http://schemas.microsoft.com/office/powerpoint/2010/main" val="1035205068"/>
       </p:ext>
     </p:extLst>
   </p:cSld>
@@ -9996,7 +10009,7 @@
             <a:r>
               <a:rPr lang="en-US" dirty="0" smtClean="0">
                 <a:solidFill>
-                  <a:schemeClr val="tx2"/>
+                  <a:schemeClr val="accent2"/>
                 </a:solidFill>
               </a:rPr>
               <a:t>f</a:t>
@@ -10009,7 +10022,7 @@
           <a:p>
             <a:r>
               <a:rPr lang="en-US" dirty="0" smtClean="0"/>
-              <a:t>The variable f has a </a:t>
+              <a:t>The </a:t>
             </a:r>
             <a:r>
               <a:rPr lang="en-US" dirty="0" smtClean="0">
@@ -10017,16 +10030,16 @@
                   <a:srgbClr val="DC5924"/>
                 </a:solidFill>
               </a:rPr>
-              <a:t>value </a:t>
+              <a:t>value</a:t>
             </a:r>
             <a:r>
               <a:rPr lang="en-US" dirty="0" smtClean="0"/>
-              <a:t>of </a:t>
-            </a:r>
-            <a:r>
-              <a:rPr lang="en-US" dirty="0" smtClean="0">
-                <a:solidFill>
-                  <a:schemeClr val="tx2"/>
+              <a:t> of this variable is </a:t>
+            </a:r>
+            <a:r>
+              <a:rPr lang="en-US" dirty="0" smtClean="0">
+                <a:solidFill>
+                  <a:srgbClr val="F5C201"/>
                 </a:solidFill>
               </a:rPr>
               <a:t>0</a:t>
@@ -10039,7 +10052,27 @@
           <a:p>
             <a:r>
               <a:rPr lang="en-US" dirty="0" smtClean="0"/>
-              <a:t>The variable f is a </a:t>
+              <a:t>The </a:t>
+            </a:r>
+            <a:r>
+              <a:rPr lang="en-US" dirty="0" smtClean="0">
+                <a:solidFill>
+                  <a:srgbClr val="DC5924"/>
+                </a:solidFill>
+              </a:rPr>
+              <a:t>type</a:t>
+            </a:r>
+            <a:r>
+              <a:rPr lang="en-US" dirty="0" smtClean="0"/>
+              <a:t> of this variable is </a:t>
+            </a:r>
+            <a:r>
+              <a:rPr lang="en-US" dirty="0" smtClean="0">
+                <a:solidFill>
+                  <a:srgbClr val="F5C201"/>
+                </a:solidFill>
+              </a:rPr>
+              <a:t>float</a:t>
             </a:r>
             <a:r>
               <a:rPr lang="en-US" dirty="0" smtClean="0">
@@ -10047,34 +10080,6 @@
                   <a:schemeClr val="tx2"/>
                 </a:solidFill>
               </a:rPr>
-              <a:t>float </a:t>
-            </a:r>
-            <a:r>
-              <a:rPr lang="en-US" dirty="0" smtClean="0">
-                <a:solidFill>
-                  <a:srgbClr val="DC5924"/>
-                </a:solidFill>
-              </a:rPr>
-              <a:t>data</a:t>
-            </a:r>
-            <a:r>
-              <a:rPr lang="en-US" i="1" dirty="0" smtClean="0">
-                <a:solidFill>
-                  <a:srgbClr val="DC5924"/>
-                </a:solidFill>
-              </a:rPr>
-              <a:t> </a:t>
-            </a:r>
-            <a:r>
-              <a:rPr lang="en-US" dirty="0" smtClean="0">
-                <a:solidFill>
-                  <a:srgbClr val="DC5924"/>
-                </a:solidFill>
-              </a:rPr>
-              <a:t>type</a:t>
-            </a:r>
-            <a:r>
-              <a:rPr lang="en-US" dirty="0" smtClean="0"/>
               <a:t>.</a:t>
             </a:r>
             <a:endParaRPr lang="en-US" dirty="0"/>
@@ -11382,7 +11387,7 @@
         <p:spPr>
           <a:xfrm>
             <a:off x="622064" y="1788071"/>
-            <a:ext cx="6514047" cy="2308324"/>
+            <a:ext cx="6514047" cy="1200329"/>
           </a:xfrm>
           <a:prstGeom prst="rect">
             <a:avLst/>
@@ -11439,51 +11444,6 @@
                 <a:cs typeface="Monaco"/>
               </a:rPr>
               <a:t>c = a / b</a:t>
-            </a:r>
-          </a:p>
-          <a:p>
-            <a:endParaRPr lang="en-US" dirty="0" smtClean="0">
-              <a:latin typeface="Monaco"/>
-              <a:cs typeface="Monaco"/>
-            </a:endParaRPr>
-          </a:p>
-          <a:p>
-            <a:r>
-              <a:rPr lang="en-US" dirty="0" smtClean="0">
-                <a:latin typeface="Monaco"/>
-                <a:cs typeface="Monaco"/>
-              </a:rPr>
-              <a:t># Use print statements to see output</a:t>
-            </a:r>
-          </a:p>
-          <a:p>
-            <a:r>
-              <a:rPr lang="en-US" dirty="0" smtClean="0">
-                <a:latin typeface="Monaco"/>
-                <a:cs typeface="Monaco"/>
-              </a:rPr>
-              <a:t>print c</a:t>
-            </a:r>
-          </a:p>
-          <a:p>
-            <a:r>
-              <a:rPr lang="en-US" dirty="0">
-                <a:latin typeface="Monaco"/>
-                <a:cs typeface="Monaco"/>
-              </a:rPr>
-              <a:t>	</a:t>
-            </a:r>
-            <a:r>
-              <a:rPr lang="en-US" dirty="0" smtClean="0">
-                <a:solidFill>
-                  <a:schemeClr val="bg1">
-                    <a:lumMod val="65000"/>
-                  </a:schemeClr>
-                </a:solidFill>
-                <a:latin typeface="Monaco"/>
-                <a:cs typeface="Monaco"/>
-              </a:rPr>
-              <a:t>0</a:t>
             </a:r>
           </a:p>
         </p:txBody>
@@ -11656,6 +11616,174 @@
           </a:p>
         </p:txBody>
       </p:sp>
+    </p:spTree>
+    <p:extLst>
+      <p:ext uri="{BB962C8B-B14F-4D97-AF65-F5344CB8AC3E}">
+        <p14:creationId xmlns:p14="http://schemas.microsoft.com/office/powerpoint/2010/main" val="1620349105"/>
+      </p:ext>
+    </p:extLst>
+  </p:cSld>
+  <p:clrMapOvr>
+    <a:masterClrMapping/>
+  </p:clrMapOvr>
+</p:sld>
+</file>
+
+<file path=ppt/slides/slide39.xml><?xml version="1.0" encoding="utf-8"?>
+<p:sld xmlns:a="http://schemas.openxmlformats.org/drawingml/2006/main" xmlns:r="http://schemas.openxmlformats.org/officeDocument/2006/relationships" xmlns:p="http://schemas.openxmlformats.org/presentationml/2006/main">
+  <p:cSld>
+    <p:spTree>
+      <p:nvGrpSpPr>
+        <p:cNvPr id="1" name=""/>
+        <p:cNvGrpSpPr/>
+        <p:nvPr/>
+      </p:nvGrpSpPr>
+      <p:grpSpPr>
+        <a:xfrm>
+          <a:off x="0" y="0"/>
+          <a:ext cx="0" cy="0"/>
+          <a:chOff x="0" y="0"/>
+          <a:chExt cx="0" cy="0"/>
+        </a:xfrm>
+      </p:grpSpPr>
+      <p:sp>
+        <p:nvSpPr>
+          <p:cNvPr id="2" name="Title 1"/>
+          <p:cNvSpPr>
+            <a:spLocks noGrp="1"/>
+          </p:cNvSpPr>
+          <p:nvPr>
+            <p:ph type="title"/>
+          </p:nvPr>
+        </p:nvSpPr>
+        <p:spPr/>
+        <p:txBody>
+          <a:bodyPr/>
+          <a:lstStyle/>
+          <a:p>
+            <a:r>
+              <a:rPr lang="en-US" dirty="0" smtClean="0"/>
+              <a:t>results follow the input types!</a:t>
+            </a:r>
+            <a:endParaRPr lang="en-US" dirty="0"/>
+          </a:p>
+        </p:txBody>
+      </p:sp>
+      <p:sp>
+        <p:nvSpPr>
+          <p:cNvPr id="4" name="TextBox 3"/>
+          <p:cNvSpPr txBox="1"/>
+          <p:nvPr/>
+        </p:nvSpPr>
+        <p:spPr>
+          <a:xfrm>
+            <a:off x="622064" y="1788071"/>
+            <a:ext cx="6514047" cy="2308324"/>
+          </a:xfrm>
+          <a:prstGeom prst="rect">
+            <a:avLst/>
+          </a:prstGeom>
+          <a:noFill/>
+        </p:spPr>
+        <p:txBody>
+          <a:bodyPr wrap="square" rtlCol="0">
+            <a:spAutoFit/>
+          </a:bodyPr>
+          <a:lstStyle/>
+          <a:p>
+            <a:r>
+              <a:rPr lang="en-US" dirty="0" smtClean="0">
+                <a:latin typeface="Monaco"/>
+                <a:cs typeface="Monaco"/>
+              </a:rPr>
+              <a:t># Dividing two integers results in an </a:t>
+            </a:r>
+            <a:r>
+              <a:rPr lang="en-US" i="1" dirty="0" smtClean="0">
+                <a:latin typeface="Monaco"/>
+                <a:cs typeface="Monaco"/>
+              </a:rPr>
+              <a:t>integer</a:t>
+            </a:r>
+            <a:endParaRPr lang="en-US" dirty="0" smtClean="0">
+              <a:latin typeface="Monaco"/>
+              <a:cs typeface="Monaco"/>
+            </a:endParaRPr>
+          </a:p>
+          <a:p>
+            <a:r>
+              <a:rPr lang="en-US" dirty="0" smtClean="0">
+                <a:latin typeface="Monaco"/>
+                <a:cs typeface="Monaco"/>
+              </a:rPr>
+              <a:t>a = 5</a:t>
+            </a:r>
+          </a:p>
+          <a:p>
+            <a:r>
+              <a:rPr lang="en-US" dirty="0" smtClean="0">
+                <a:latin typeface="Monaco"/>
+                <a:cs typeface="Monaco"/>
+              </a:rPr>
+              <a:t>b = 7</a:t>
+            </a:r>
+          </a:p>
+          <a:p>
+            <a:r>
+              <a:rPr lang="en-US" dirty="0" smtClean="0">
+                <a:latin typeface="Monaco"/>
+                <a:cs typeface="Monaco"/>
+              </a:rPr>
+              <a:t>c = a / b</a:t>
+            </a:r>
+          </a:p>
+          <a:p>
+            <a:endParaRPr lang="en-US" dirty="0" smtClean="0">
+              <a:latin typeface="Monaco"/>
+              <a:cs typeface="Monaco"/>
+            </a:endParaRPr>
+          </a:p>
+          <a:p>
+            <a:r>
+              <a:rPr lang="en-US" dirty="0" smtClean="0">
+                <a:latin typeface="Monaco"/>
+                <a:cs typeface="Monaco"/>
+              </a:rPr>
+              <a:t># Use print statements to see output</a:t>
+            </a:r>
+          </a:p>
+          <a:p>
+            <a:r>
+              <a:rPr lang="en-US" dirty="0" smtClean="0">
+                <a:latin typeface="Monaco"/>
+                <a:cs typeface="Monaco"/>
+              </a:rPr>
+              <a:t>print c</a:t>
+            </a:r>
+          </a:p>
+          <a:p>
+            <a:r>
+              <a:rPr lang="en-US" dirty="0">
+                <a:latin typeface="Monaco"/>
+                <a:cs typeface="Monaco"/>
+              </a:rPr>
+              <a:t>	</a:t>
+            </a:r>
+            <a:r>
+              <a:rPr lang="en-US" dirty="0" smtClean="0">
+                <a:solidFill>
+                  <a:schemeClr val="bg1">
+                    <a:lumMod val="65000"/>
+                  </a:schemeClr>
+                </a:solidFill>
+                <a:latin typeface="Monaco"/>
+                <a:cs typeface="Monaco"/>
+              </a:rPr>
+              <a:t>0</a:t>
+            </a:r>
+          </a:p>
+        </p:txBody>
+      </p:sp>
       <p:sp>
         <p:nvSpPr>
           <p:cNvPr id="5" name="TextBox 4"/>
@@ -11831,7 +11959,123 @@
 </p:sld>
 </file>
 
-<file path=ppt/slides/slide39.xml><?xml version="1.0" encoding="utf-8"?>
+<file path=ppt/slides/slide4.xml><?xml version="1.0" encoding="utf-8"?>
+<p:sld xmlns:a="http://schemas.openxmlformats.org/drawingml/2006/main" xmlns:r="http://schemas.openxmlformats.org/officeDocument/2006/relationships" xmlns:p="http://schemas.openxmlformats.org/presentationml/2006/main">
+  <p:cSld>
+    <p:spTree>
+      <p:nvGrpSpPr>
+        <p:cNvPr id="1" name=""/>
+        <p:cNvGrpSpPr/>
+        <p:nvPr/>
+      </p:nvGrpSpPr>
+      <p:grpSpPr>
+        <a:xfrm>
+          <a:off x="0" y="0"/>
+          <a:ext cx="0" cy="0"/>
+          <a:chOff x="0" y="0"/>
+          <a:chExt cx="0" cy="0"/>
+        </a:xfrm>
+      </p:grpSpPr>
+      <p:sp>
+        <p:nvSpPr>
+          <p:cNvPr id="2" name="Title 1"/>
+          <p:cNvSpPr>
+            <a:spLocks noGrp="1"/>
+          </p:cNvSpPr>
+          <p:nvPr>
+            <p:ph type="title"/>
+          </p:nvPr>
+        </p:nvSpPr>
+        <p:spPr/>
+        <p:txBody>
+          <a:bodyPr>
+            <a:normAutofit/>
+          </a:bodyPr>
+          <a:lstStyle/>
+          <a:p>
+            <a:r>
+              <a:rPr lang="en-US" dirty="0" smtClean="0"/>
+              <a:t>what you will gain from this course</a:t>
+            </a:r>
+            <a:endParaRPr lang="en-US" dirty="0"/>
+          </a:p>
+        </p:txBody>
+      </p:sp>
+      <p:sp>
+        <p:nvSpPr>
+          <p:cNvPr id="3" name="Content Placeholder 2"/>
+          <p:cNvSpPr>
+            <a:spLocks noGrp="1"/>
+          </p:cNvSpPr>
+          <p:nvPr>
+            <p:ph idx="1"/>
+          </p:nvPr>
+        </p:nvSpPr>
+        <p:spPr/>
+        <p:txBody>
+          <a:bodyPr>
+            <a:normAutofit/>
+          </a:bodyPr>
+          <a:lstStyle/>
+          <a:p>
+            <a:pPr marL="342900" indent="-342900">
+              <a:buFont typeface="Arial"/>
+              <a:buChar char="•"/>
+            </a:pPr>
+            <a:r>
+              <a:rPr lang="en-US" sz="2400" dirty="0" smtClean="0"/>
+              <a:t>You will NOT learn Python (in just 4 afternoons)</a:t>
+            </a:r>
+          </a:p>
+          <a:p>
+            <a:pPr marL="342900" indent="-342900">
+              <a:buFont typeface="Arial"/>
+              <a:buChar char="•"/>
+            </a:pPr>
+            <a:r>
+              <a:rPr lang="en-US" sz="2400" dirty="0" smtClean="0"/>
+              <a:t>The idea is to give you the </a:t>
+            </a:r>
+            <a:r>
+              <a:rPr lang="en-US" sz="2400" i="1" dirty="0" smtClean="0"/>
+              <a:t>resources</a:t>
+            </a:r>
+            <a:r>
+              <a:rPr lang="en-US" sz="2400" dirty="0" smtClean="0"/>
+              <a:t> and the </a:t>
+            </a:r>
+            <a:r>
+              <a:rPr lang="en-US" sz="2400" i="1" dirty="0" smtClean="0"/>
+              <a:t>skills</a:t>
+            </a:r>
+            <a:r>
+              <a:rPr lang="en-US" sz="2400" dirty="0" smtClean="0"/>
+              <a:t> to continue learning and applying these concepts on your own</a:t>
+            </a:r>
+          </a:p>
+          <a:p>
+            <a:pPr marL="342900" indent="-342900">
+              <a:buFont typeface="Arial"/>
+              <a:buChar char="•"/>
+            </a:pPr>
+            <a:endParaRPr lang="en-US" sz="2400" dirty="0"/>
+          </a:p>
+        </p:txBody>
+      </p:sp>
+    </p:spTree>
+    <p:extLst>
+      <p:ext uri="{BB962C8B-B14F-4D97-AF65-F5344CB8AC3E}">
+        <p14:creationId xmlns:p14="http://schemas.microsoft.com/office/powerpoint/2010/main" val="4050301561"/>
+      </p:ext>
+    </p:extLst>
+  </p:cSld>
+  <p:clrMapOvr>
+    <a:masterClrMapping/>
+  </p:clrMapOvr>
+</p:sld>
+</file>
+
+<file path=ppt/slides/slide40.xml><?xml version="1.0" encoding="utf-8"?>
 <p:sld xmlns:a="http://schemas.openxmlformats.org/drawingml/2006/main" xmlns:r="http://schemas.openxmlformats.org/officeDocument/2006/relationships" xmlns:p="http://schemas.openxmlformats.org/presentationml/2006/main">
   <p:cSld>
     <p:spTree>
@@ -12273,208 +12517,6 @@
 </p:sld>
 </file>
 
-<file path=ppt/slides/slide4.xml><?xml version="1.0" encoding="utf-8"?>
-<p:sld xmlns:a="http://schemas.openxmlformats.org/drawingml/2006/main" xmlns:r="http://schemas.openxmlformats.org/officeDocument/2006/relationships" xmlns:p="http://schemas.openxmlformats.org/presentationml/2006/main">
-  <p:cSld>
-    <p:spTree>
-      <p:nvGrpSpPr>
-        <p:cNvPr id="1" name=""/>
-        <p:cNvGrpSpPr/>
-        <p:nvPr/>
-      </p:nvGrpSpPr>
-      <p:grpSpPr>
-        <a:xfrm>
-          <a:off x="0" y="0"/>
-          <a:ext cx="0" cy="0"/>
-          <a:chOff x="0" y="0"/>
-          <a:chExt cx="0" cy="0"/>
-        </a:xfrm>
-      </p:grpSpPr>
-      <p:sp>
-        <p:nvSpPr>
-          <p:cNvPr id="2" name="Title 1"/>
-          <p:cNvSpPr>
-            <a:spLocks noGrp="1"/>
-          </p:cNvSpPr>
-          <p:nvPr>
-            <p:ph type="title"/>
-          </p:nvPr>
-        </p:nvSpPr>
-        <p:spPr/>
-        <p:txBody>
-          <a:bodyPr>
-            <a:normAutofit/>
-          </a:bodyPr>
-          <a:lstStyle/>
-          <a:p>
-            <a:r>
-              <a:rPr lang="en-US" dirty="0" smtClean="0"/>
-              <a:t>what you will gain from this course</a:t>
-            </a:r>
-            <a:endParaRPr lang="en-US" dirty="0"/>
-          </a:p>
-        </p:txBody>
-      </p:sp>
-      <p:sp>
-        <p:nvSpPr>
-          <p:cNvPr id="3" name="Content Placeholder 2"/>
-          <p:cNvSpPr>
-            <a:spLocks noGrp="1"/>
-          </p:cNvSpPr>
-          <p:nvPr>
-            <p:ph idx="1"/>
-          </p:nvPr>
-        </p:nvSpPr>
-        <p:spPr/>
-        <p:txBody>
-          <a:bodyPr>
-            <a:normAutofit/>
-          </a:bodyPr>
-          <a:lstStyle/>
-          <a:p>
-            <a:pPr marL="342900" indent="-342900">
-              <a:buFont typeface="Arial"/>
-              <a:buChar char="•"/>
-            </a:pPr>
-            <a:r>
-              <a:rPr lang="en-US" sz="2400" dirty="0" smtClean="0"/>
-              <a:t>You will NOT learn Python (in just 4 afternoons)</a:t>
-            </a:r>
-          </a:p>
-          <a:p>
-            <a:pPr marL="342900" indent="-342900">
-              <a:buFont typeface="Arial"/>
-              <a:buChar char="•"/>
-            </a:pPr>
-            <a:r>
-              <a:rPr lang="en-US" sz="2400" dirty="0" smtClean="0"/>
-              <a:t>The idea is to give you the </a:t>
-            </a:r>
-            <a:r>
-              <a:rPr lang="en-US" sz="2400" i="1" dirty="0" smtClean="0"/>
-              <a:t>resources</a:t>
-            </a:r>
-            <a:r>
-              <a:rPr lang="en-US" sz="2400" dirty="0" smtClean="0"/>
-              <a:t> and the </a:t>
-            </a:r>
-            <a:r>
-              <a:rPr lang="en-US" sz="2400" i="1" dirty="0" smtClean="0"/>
-              <a:t>skills</a:t>
-            </a:r>
-            <a:r>
-              <a:rPr lang="en-US" sz="2400" dirty="0" smtClean="0"/>
-              <a:t> to continue learning and applying these concepts on your own</a:t>
-            </a:r>
-          </a:p>
-          <a:p>
-            <a:pPr marL="342900" indent="-342900">
-              <a:buFont typeface="Arial"/>
-              <a:buChar char="•"/>
-            </a:pPr>
-            <a:endParaRPr lang="en-US" sz="2400" dirty="0"/>
-          </a:p>
-        </p:txBody>
-      </p:sp>
-    </p:spTree>
-    <p:extLst>
-      <p:ext uri="{BB962C8B-B14F-4D97-AF65-F5344CB8AC3E}">
-        <p14:creationId xmlns:p14="http://schemas.microsoft.com/office/powerpoint/2010/main" val="4050301561"/>
-      </p:ext>
-    </p:extLst>
-  </p:cSld>
-  <p:clrMapOvr>
-    <a:masterClrMapping/>
-  </p:clrMapOvr>
-</p:sld>
-</file>
-
-<file path=ppt/slides/slide40.xml><?xml version="1.0" encoding="utf-8"?>
-<p:sld xmlns:a="http://schemas.openxmlformats.org/drawingml/2006/main" xmlns:r="http://schemas.openxmlformats.org/officeDocument/2006/relationships" xmlns:p="http://schemas.openxmlformats.org/presentationml/2006/main">
-  <p:cSld>
-    <p:spTree>
-      <p:nvGrpSpPr>
-        <p:cNvPr id="1" name=""/>
-        <p:cNvGrpSpPr/>
-        <p:nvPr/>
-      </p:nvGrpSpPr>
-      <p:grpSpPr>
-        <a:xfrm>
-          <a:off x="0" y="0"/>
-          <a:ext cx="0" cy="0"/>
-          <a:chOff x="0" y="0"/>
-          <a:chExt cx="0" cy="0"/>
-        </a:xfrm>
-      </p:grpSpPr>
-      <p:sp>
-        <p:nvSpPr>
-          <p:cNvPr id="2" name="Title 1"/>
-          <p:cNvSpPr>
-            <a:spLocks noGrp="1"/>
-          </p:cNvSpPr>
-          <p:nvPr>
-            <p:ph type="title"/>
-          </p:nvPr>
-        </p:nvSpPr>
-        <p:spPr/>
-        <p:txBody>
-          <a:bodyPr/>
-          <a:lstStyle/>
-          <a:p>
-            <a:r>
-              <a:rPr lang="en-US" dirty="0" smtClean="0"/>
-              <a:t>Modifying the value in place</a:t>
-            </a:r>
-            <a:endParaRPr lang="en-US" dirty="0"/>
-          </a:p>
-        </p:txBody>
-      </p:sp>
-      <p:sp>
-        <p:nvSpPr>
-          <p:cNvPr id="3" name="Content Placeholder 2"/>
-          <p:cNvSpPr>
-            <a:spLocks noGrp="1"/>
-          </p:cNvSpPr>
-          <p:nvPr>
-            <p:ph idx="1"/>
-          </p:nvPr>
-        </p:nvSpPr>
-        <p:spPr/>
-        <p:txBody>
-          <a:bodyPr/>
-          <a:lstStyle/>
-          <a:p>
-            <a:pPr marL="457200" indent="-457200">
-              <a:buFont typeface="Arial"/>
-              <a:buChar char="•"/>
-            </a:pPr>
-            <a:r>
-              <a:rPr lang="en-US" dirty="0" smtClean="0"/>
-              <a:t>Mathematical symbols followed by an equals sign will change the variable value </a:t>
-            </a:r>
-            <a:r>
-              <a:rPr lang="en-US" i="1" dirty="0" smtClean="0"/>
-              <a:t>in place</a:t>
-            </a:r>
-          </a:p>
-          <a:p>
-            <a:endParaRPr lang="en-US" dirty="0" smtClean="0"/>
-          </a:p>
-        </p:txBody>
-      </p:sp>
-    </p:spTree>
-    <p:extLst>
-      <p:ext uri="{BB962C8B-B14F-4D97-AF65-F5344CB8AC3E}">
-        <p14:creationId xmlns:p14="http://schemas.microsoft.com/office/powerpoint/2010/main" val="3606775505"/>
-      </p:ext>
-    </p:extLst>
-  </p:cSld>
-  <p:clrMapOvr>
-    <a:masterClrMapping/>
-  </p:clrMapOvr>
-</p:sld>
-</file>
-
 <file path=ppt/slides/slide41.xml><?xml version="1.0" encoding="utf-8"?>
 <p:sld xmlns:a="http://schemas.openxmlformats.org/drawingml/2006/main" xmlns:r="http://schemas.openxmlformats.org/officeDocument/2006/relationships" xmlns:p="http://schemas.openxmlformats.org/presentationml/2006/main">
   <p:cSld>
@@ -12535,6 +12577,92 @@
               <a:buChar char="•"/>
             </a:pPr>
             <a:r>
+              <a:rPr lang="en-US" dirty="0" smtClean="0"/>
+              <a:t>Mathematical symbols followed by an equals sign will change the variable value </a:t>
+            </a:r>
+            <a:r>
+              <a:rPr lang="en-US" i="1" dirty="0" smtClean="0"/>
+              <a:t>in place</a:t>
+            </a:r>
+          </a:p>
+          <a:p>
+            <a:endParaRPr lang="en-US" dirty="0" smtClean="0"/>
+          </a:p>
+        </p:txBody>
+      </p:sp>
+    </p:spTree>
+    <p:extLst>
+      <p:ext uri="{BB962C8B-B14F-4D97-AF65-F5344CB8AC3E}">
+        <p14:creationId xmlns:p14="http://schemas.microsoft.com/office/powerpoint/2010/main" val="3606775505"/>
+      </p:ext>
+    </p:extLst>
+  </p:cSld>
+  <p:clrMapOvr>
+    <a:masterClrMapping/>
+  </p:clrMapOvr>
+</p:sld>
+</file>
+
+<file path=ppt/slides/slide42.xml><?xml version="1.0" encoding="utf-8"?>
+<p:sld xmlns:a="http://schemas.openxmlformats.org/drawingml/2006/main" xmlns:r="http://schemas.openxmlformats.org/officeDocument/2006/relationships" xmlns:p="http://schemas.openxmlformats.org/presentationml/2006/main">
+  <p:cSld>
+    <p:spTree>
+      <p:nvGrpSpPr>
+        <p:cNvPr id="1" name=""/>
+        <p:cNvGrpSpPr/>
+        <p:nvPr/>
+      </p:nvGrpSpPr>
+      <p:grpSpPr>
+        <a:xfrm>
+          <a:off x="0" y="0"/>
+          <a:ext cx="0" cy="0"/>
+          <a:chOff x="0" y="0"/>
+          <a:chExt cx="0" cy="0"/>
+        </a:xfrm>
+      </p:grpSpPr>
+      <p:sp>
+        <p:nvSpPr>
+          <p:cNvPr id="2" name="Title 1"/>
+          <p:cNvSpPr>
+            <a:spLocks noGrp="1"/>
+          </p:cNvSpPr>
+          <p:nvPr>
+            <p:ph type="title"/>
+          </p:nvPr>
+        </p:nvSpPr>
+        <p:spPr/>
+        <p:txBody>
+          <a:bodyPr/>
+          <a:lstStyle/>
+          <a:p>
+            <a:r>
+              <a:rPr lang="en-US" dirty="0" smtClean="0"/>
+              <a:t>Modifying the value in place</a:t>
+            </a:r>
+            <a:endParaRPr lang="en-US" dirty="0"/>
+          </a:p>
+        </p:txBody>
+      </p:sp>
+      <p:sp>
+        <p:nvSpPr>
+          <p:cNvPr id="3" name="Content Placeholder 2"/>
+          <p:cNvSpPr>
+            <a:spLocks noGrp="1"/>
+          </p:cNvSpPr>
+          <p:nvPr>
+            <p:ph idx="1"/>
+          </p:nvPr>
+        </p:nvSpPr>
+        <p:spPr/>
+        <p:txBody>
+          <a:bodyPr/>
+          <a:lstStyle/>
+          <a:p>
+            <a:pPr marL="457200" indent="-457200">
+              <a:buFont typeface="Arial"/>
+              <a:buChar char="•"/>
+            </a:pPr>
+            <a:r>
               <a:rPr lang="en-US" dirty="0"/>
               <a:t>Mathematical symbols followed by an equals sign will change the variable value </a:t>
             </a:r>
@@ -12571,7 +12699,7 @@
 </p:sld>
 </file>
 
-<file path=ppt/slides/slide42.xml><?xml version="1.0" encoding="utf-8"?>
+<file path=ppt/slides/slide43.xml><?xml version="1.0" encoding="utf-8"?>
 <p:sld xmlns:a="http://schemas.openxmlformats.org/drawingml/2006/main" xmlns:r="http://schemas.openxmlformats.org/officeDocument/2006/relationships" xmlns:p="http://schemas.openxmlformats.org/presentationml/2006/main">
   <p:cSld>
     <p:spTree>
@@ -12960,98 +13088,6 @@
 </p:sld>
 </file>
 
-<file path=ppt/slides/slide43.xml><?xml version="1.0" encoding="utf-8"?>
-<p:sld xmlns:a="http://schemas.openxmlformats.org/drawingml/2006/main" xmlns:r="http://schemas.openxmlformats.org/officeDocument/2006/relationships" xmlns:p="http://schemas.openxmlformats.org/presentationml/2006/main">
-  <p:cSld>
-    <p:spTree>
-      <p:nvGrpSpPr>
-        <p:cNvPr id="1" name=""/>
-        <p:cNvGrpSpPr/>
-        <p:nvPr/>
-      </p:nvGrpSpPr>
-      <p:grpSpPr>
-        <a:xfrm>
-          <a:off x="0" y="0"/>
-          <a:ext cx="0" cy="0"/>
-          <a:chOff x="0" y="0"/>
-          <a:chExt cx="0" cy="0"/>
-        </a:xfrm>
-      </p:grpSpPr>
-      <p:sp>
-        <p:nvSpPr>
-          <p:cNvPr id="2" name="Title 1"/>
-          <p:cNvSpPr>
-            <a:spLocks noGrp="1"/>
-          </p:cNvSpPr>
-          <p:nvPr>
-            <p:ph type="title"/>
-          </p:nvPr>
-        </p:nvSpPr>
-        <p:spPr/>
-        <p:txBody>
-          <a:bodyPr/>
-          <a:lstStyle/>
-          <a:p>
-            <a:r>
-              <a:rPr lang="en-US" dirty="0" smtClean="0"/>
-              <a:t>Python lists</a:t>
-            </a:r>
-            <a:endParaRPr lang="en-US" dirty="0"/>
-          </a:p>
-        </p:txBody>
-      </p:sp>
-      <p:sp>
-        <p:nvSpPr>
-          <p:cNvPr id="3" name="Content Placeholder 2"/>
-          <p:cNvSpPr>
-            <a:spLocks noGrp="1"/>
-          </p:cNvSpPr>
-          <p:nvPr>
-            <p:ph idx="1"/>
-          </p:nvPr>
-        </p:nvSpPr>
-        <p:spPr/>
-        <p:txBody>
-          <a:bodyPr/>
-          <a:lstStyle/>
-          <a:p>
-            <a:pPr marL="457200" indent="-457200">
-              <a:buFont typeface="Arial"/>
-              <a:buChar char="•"/>
-            </a:pPr>
-            <a:r>
-              <a:rPr lang="en-US" dirty="0" smtClean="0"/>
-              <a:t>Lists are defined with brackets: </a:t>
-            </a:r>
-            <a:r>
-              <a:rPr lang="en-US" dirty="0" smtClean="0">
-                <a:latin typeface="Monaco"/>
-                <a:cs typeface="Monaco"/>
-              </a:rPr>
-              <a:t>[]</a:t>
-            </a:r>
-          </a:p>
-          <a:p>
-            <a:endParaRPr lang="en-US" dirty="0" smtClean="0">
-              <a:latin typeface="Monaco"/>
-              <a:cs typeface="Monaco"/>
-            </a:endParaRPr>
-          </a:p>
-        </p:txBody>
-      </p:sp>
-    </p:spTree>
-    <p:extLst>
-      <p:ext uri="{BB962C8B-B14F-4D97-AF65-F5344CB8AC3E}">
-        <p14:creationId xmlns:p14="http://schemas.microsoft.com/office/powerpoint/2010/main" val="527900922"/>
-      </p:ext>
-    </p:extLst>
-  </p:cSld>
-  <p:clrMapOvr>
-    <a:masterClrMapping/>
-  </p:clrMapOvr>
-</p:sld>
-</file>
-
 <file path=ppt/slides/slide44.xml><?xml version="1.0" encoding="utf-8"?>
 <p:sld xmlns:a="http://schemas.openxmlformats.org/drawingml/2006/main" xmlns:r="http://schemas.openxmlformats.org/officeDocument/2006/relationships" xmlns:p="http://schemas.openxmlformats.org/presentationml/2006/main">
   <p:cSld>
@@ -13131,181 +13167,10 @@
           </a:p>
         </p:txBody>
       </p:sp>
-      <p:sp>
-        <p:nvSpPr>
-          <p:cNvPr id="4" name="TextBox 3"/>
-          <p:cNvSpPr txBox="1"/>
-          <p:nvPr/>
-        </p:nvSpPr>
-        <p:spPr>
-          <a:xfrm>
-            <a:off x="622063" y="2372800"/>
-            <a:ext cx="7290705" cy="3693319"/>
-          </a:xfrm>
-          <a:prstGeom prst="rect">
-            <a:avLst/>
-          </a:prstGeom>
-          <a:noFill/>
-        </p:spPr>
-        <p:txBody>
-          <a:bodyPr wrap="square" rtlCol="0">
-            <a:spAutoFit/>
-          </a:bodyPr>
-          <a:lstStyle/>
-          <a:p>
-            <a:r>
-              <a:rPr lang="en-US" dirty="0" smtClean="0">
-                <a:latin typeface="Monaco"/>
-                <a:cs typeface="Monaco"/>
-              </a:rPr>
-              <a:t># Define a list</a:t>
-            </a:r>
-          </a:p>
-          <a:p>
-            <a:r>
-              <a:rPr lang="en-US" dirty="0" smtClean="0">
-                <a:latin typeface="Monaco"/>
-                <a:cs typeface="Monaco"/>
-              </a:rPr>
-              <a:t>a = [1, 3, 5, 7, 9]</a:t>
-            </a:r>
-          </a:p>
-          <a:p>
-            <a:endParaRPr lang="en-US" dirty="0">
-              <a:latin typeface="Monaco"/>
-              <a:cs typeface="Monaco"/>
-            </a:endParaRPr>
-          </a:p>
-          <a:p>
-            <a:r>
-              <a:rPr lang="en-US" dirty="0" smtClean="0">
-                <a:latin typeface="Monaco"/>
-                <a:cs typeface="Monaco"/>
-              </a:rPr>
-              <a:t># Define another list</a:t>
-            </a:r>
-          </a:p>
-          <a:p>
-            <a:r>
-              <a:rPr lang="en-US" dirty="0" smtClean="0">
-                <a:latin typeface="Monaco"/>
-                <a:cs typeface="Monaco"/>
-              </a:rPr>
-              <a:t>b = [1, 3.1, -5, 7, 9.001]</a:t>
-            </a:r>
-          </a:p>
-          <a:p>
-            <a:endParaRPr lang="en-US" dirty="0">
-              <a:latin typeface="Monaco"/>
-              <a:cs typeface="Monaco"/>
-            </a:endParaRPr>
-          </a:p>
-          <a:p>
-            <a:r>
-              <a:rPr lang="en-US" dirty="0" smtClean="0">
-                <a:latin typeface="Monaco"/>
-                <a:cs typeface="Monaco"/>
-              </a:rPr>
-              <a:t># Define another list with *strings* (stay tuned!)</a:t>
-            </a:r>
-          </a:p>
-          <a:p>
-            <a:r>
-              <a:rPr lang="en-US" dirty="0" smtClean="0">
-                <a:latin typeface="Monaco"/>
-                <a:cs typeface="Monaco"/>
-              </a:rPr>
-              <a:t>c </a:t>
-            </a:r>
-            <a:r>
-              <a:rPr lang="en-US" dirty="0">
-                <a:latin typeface="Monaco"/>
-                <a:cs typeface="Monaco"/>
-              </a:rPr>
-              <a:t>= [1, 3.1, -5, 7, </a:t>
-            </a:r>
-            <a:r>
-              <a:rPr lang="en-US" dirty="0" smtClean="0">
-                <a:latin typeface="Monaco"/>
-                <a:cs typeface="Monaco"/>
-              </a:rPr>
-              <a:t>9.001, "</a:t>
-            </a:r>
-            <a:r>
-              <a:rPr lang="en-US" dirty="0" err="1" smtClean="0">
-                <a:latin typeface="Monaco"/>
-                <a:cs typeface="Monaco"/>
-              </a:rPr>
-              <a:t>woah</a:t>
-            </a:r>
-            <a:r>
-              <a:rPr lang="en-US" dirty="0" smtClean="0">
-                <a:latin typeface="Monaco"/>
-                <a:cs typeface="Monaco"/>
-              </a:rPr>
-              <a:t>", "dude"]</a:t>
-            </a:r>
-          </a:p>
-          <a:p>
-            <a:endParaRPr lang="en-US" dirty="0">
-              <a:latin typeface="Monaco"/>
-              <a:cs typeface="Monaco"/>
-            </a:endParaRPr>
-          </a:p>
-          <a:p>
-            <a:r>
-              <a:rPr lang="en-US" dirty="0" smtClean="0">
-                <a:latin typeface="Monaco"/>
-                <a:cs typeface="Monaco"/>
-              </a:rPr>
-              <a:t># Define another </a:t>
-            </a:r>
-            <a:r>
-              <a:rPr lang="en-US" dirty="0" err="1" smtClean="0">
-                <a:latin typeface="Monaco"/>
-                <a:cs typeface="Monaco"/>
-              </a:rPr>
-              <a:t>list..of</a:t>
-            </a:r>
-            <a:r>
-              <a:rPr lang="en-US" dirty="0" smtClean="0">
-                <a:latin typeface="Monaco"/>
-                <a:cs typeface="Monaco"/>
-              </a:rPr>
-              <a:t> lists!</a:t>
-            </a:r>
-          </a:p>
-          <a:p>
-            <a:r>
-              <a:rPr lang="en-US" dirty="0" smtClean="0">
-                <a:latin typeface="Monaco"/>
-                <a:cs typeface="Monaco"/>
-              </a:rPr>
-              <a:t>d = [ [1, 2, 3], [11, 22, 33], [7.55, -9] ]</a:t>
-            </a:r>
-            <a:endParaRPr lang="en-US" dirty="0">
-              <a:latin typeface="Monaco"/>
-              <a:cs typeface="Monaco"/>
-            </a:endParaRPr>
-          </a:p>
-          <a:p>
-            <a:endParaRPr lang="en-US" dirty="0">
-              <a:latin typeface="Monaco"/>
-              <a:cs typeface="Monaco"/>
-            </a:endParaRPr>
-          </a:p>
-          <a:p>
-            <a:endParaRPr lang="en-US" dirty="0" smtClean="0">
-              <a:latin typeface="Monaco"/>
-              <a:cs typeface="Monaco"/>
-            </a:endParaRPr>
-          </a:p>
-        </p:txBody>
-      </p:sp>
     </p:spTree>
     <p:extLst>
       <p:ext uri="{BB962C8B-B14F-4D97-AF65-F5344CB8AC3E}">
-        <p14:creationId xmlns:p14="http://schemas.microsoft.com/office/powerpoint/2010/main" val="2099707461"/>
+        <p14:creationId xmlns:p14="http://schemas.microsoft.com/office/powerpoint/2010/main" val="527900922"/>
       </p:ext>
     </p:extLst>
   </p:cSld>
@@ -13565,48 +13430,10 @@
           </a:p>
         </p:txBody>
       </p:sp>
-      <p:sp>
-        <p:nvSpPr>
-          <p:cNvPr id="5" name="TextBox 4"/>
-          <p:cNvSpPr txBox="1"/>
-          <p:nvPr/>
-        </p:nvSpPr>
-        <p:spPr>
-          <a:xfrm>
-            <a:off x="1388846" y="5739425"/>
-            <a:ext cx="5747266" cy="369332"/>
-          </a:xfrm>
-          <a:prstGeom prst="rect">
-            <a:avLst/>
-          </a:prstGeom>
-          <a:noFill/>
-        </p:spPr>
-        <p:txBody>
-          <a:bodyPr wrap="square" rtlCol="0">
-            <a:spAutoFit/>
-          </a:bodyPr>
-          <a:lstStyle/>
-          <a:p>
-            <a:r>
-              <a:rPr lang="en-US" dirty="0" smtClean="0">
-                <a:solidFill>
-                  <a:srgbClr val="DC5924"/>
-                </a:solidFill>
-              </a:rPr>
-              <a:t>What do you notice about the values inside these lists?</a:t>
-            </a:r>
-            <a:endParaRPr lang="en-US" dirty="0">
-              <a:solidFill>
-                <a:srgbClr val="DC5924"/>
-              </a:solidFill>
-            </a:endParaRPr>
-          </a:p>
-        </p:txBody>
-      </p:sp>
     </p:spTree>
     <p:extLst>
       <p:ext uri="{BB962C8B-B14F-4D97-AF65-F5344CB8AC3E}">
-        <p14:creationId xmlns:p14="http://schemas.microsoft.com/office/powerpoint/2010/main" val="600571947"/>
+        <p14:creationId xmlns:p14="http://schemas.microsoft.com/office/powerpoint/2010/main" val="2099707461"/>
       </p:ext>
     </p:extLst>
   </p:cSld>
@@ -13650,9 +13477,48 @@
           <a:p>
             <a:r>
               <a:rPr lang="en-US" dirty="0" smtClean="0"/>
-              <a:t>indexing in python</a:t>
+              <a:t>Python lists</a:t>
             </a:r>
             <a:endParaRPr lang="en-US" dirty="0"/>
+          </a:p>
+        </p:txBody>
+      </p:sp>
+      <p:sp>
+        <p:nvSpPr>
+          <p:cNvPr id="3" name="Content Placeholder 2"/>
+          <p:cNvSpPr>
+            <a:spLocks noGrp="1"/>
+          </p:cNvSpPr>
+          <p:nvPr>
+            <p:ph idx="1"/>
+          </p:nvPr>
+        </p:nvSpPr>
+        <p:spPr/>
+        <p:txBody>
+          <a:bodyPr/>
+          <a:lstStyle/>
+          <a:p>
+            <a:pPr marL="457200" indent="-457200">
+              <a:buFont typeface="Arial"/>
+              <a:buChar char="•"/>
+            </a:pPr>
+            <a:r>
+              <a:rPr lang="en-US" dirty="0" smtClean="0"/>
+              <a:t>Lists are defined with brackets: </a:t>
+            </a:r>
+            <a:r>
+              <a:rPr lang="en-US" dirty="0" smtClean="0">
+                <a:latin typeface="Monaco"/>
+                <a:cs typeface="Monaco"/>
+              </a:rPr>
+              <a:t>[]</a:t>
+            </a:r>
+          </a:p>
+          <a:p>
+            <a:endParaRPr lang="en-US" dirty="0" smtClean="0">
+              <a:latin typeface="Monaco"/>
+              <a:cs typeface="Monaco"/>
+            </a:endParaRPr>
           </a:p>
         </p:txBody>
       </p:sp>
@@ -13664,8 +13530,8 @@
         </p:nvSpPr>
         <p:spPr>
           <a:xfrm>
-            <a:off x="457198" y="1815481"/>
-            <a:ext cx="7894154" cy="923330"/>
+            <a:off x="622063" y="2372800"/>
+            <a:ext cx="7290705" cy="3693319"/>
           </a:xfrm>
           <a:prstGeom prst="rect">
             <a:avLst/>
@@ -13679,58 +13545,142 @@
           <a:lstStyle/>
           <a:p>
             <a:r>
+              <a:rPr lang="en-US" dirty="0" smtClean="0">
+                <a:latin typeface="Monaco"/>
+                <a:cs typeface="Monaco"/>
+              </a:rPr>
+              <a:t># Define a list</a:t>
+            </a:r>
+          </a:p>
+          <a:p>
+            <a:r>
+              <a:rPr lang="en-US" dirty="0" smtClean="0">
+                <a:latin typeface="Monaco"/>
+                <a:cs typeface="Monaco"/>
+              </a:rPr>
+              <a:t>a = [1, 3, 5, 7, 9]</a:t>
+            </a:r>
+          </a:p>
+          <a:p>
+            <a:endParaRPr lang="en-US" dirty="0">
+              <a:latin typeface="Monaco"/>
+              <a:cs typeface="Monaco"/>
+            </a:endParaRPr>
+          </a:p>
+          <a:p>
+            <a:r>
+              <a:rPr lang="en-US" dirty="0" smtClean="0">
+                <a:latin typeface="Monaco"/>
+                <a:cs typeface="Monaco"/>
+              </a:rPr>
+              <a:t># Define another list</a:t>
+            </a:r>
+          </a:p>
+          <a:p>
+            <a:r>
+              <a:rPr lang="en-US" dirty="0" smtClean="0">
+                <a:latin typeface="Monaco"/>
+                <a:cs typeface="Monaco"/>
+              </a:rPr>
+              <a:t>b = [1, 3.1, -5, 7, 9.001]</a:t>
+            </a:r>
+          </a:p>
+          <a:p>
+            <a:endParaRPr lang="en-US" dirty="0">
+              <a:latin typeface="Monaco"/>
+              <a:cs typeface="Monaco"/>
+            </a:endParaRPr>
+          </a:p>
+          <a:p>
+            <a:r>
+              <a:rPr lang="en-US" dirty="0" smtClean="0">
+                <a:latin typeface="Monaco"/>
+                <a:cs typeface="Monaco"/>
+              </a:rPr>
+              <a:t># Define another list with *strings* (stay tuned!)</a:t>
+            </a:r>
+          </a:p>
+          <a:p>
+            <a:r>
+              <a:rPr lang="en-US" dirty="0" smtClean="0">
+                <a:latin typeface="Monaco"/>
+                <a:cs typeface="Monaco"/>
+              </a:rPr>
+              <a:t>c </a:t>
+            </a:r>
+            <a:r>
               <a:rPr lang="en-US" dirty="0">
                 <a:latin typeface="Monaco"/>
                 <a:cs typeface="Monaco"/>
               </a:rPr>
-              <a:t>d</a:t>
-            </a:r>
-            <a:r>
-              <a:rPr lang="en-US" dirty="0" smtClean="0">
-                <a:latin typeface="Monaco"/>
-                <a:cs typeface="Monaco"/>
-              </a:rPr>
-              <a:t> = [1, 3, 5, 7, 9, 11, 13]</a:t>
-            </a:r>
-          </a:p>
-          <a:p>
-            <a:r>
-              <a:rPr lang="en-US" b="1" dirty="0">
-                <a:solidFill>
-                  <a:schemeClr val="accent2"/>
-                </a:solidFill>
-                <a:latin typeface="Monaco"/>
-                <a:cs typeface="Monaco"/>
-              </a:rPr>
-              <a:t> </a:t>
-            </a:r>
-            <a:r>
-              <a:rPr lang="en-US" b="1" dirty="0" smtClean="0">
-                <a:solidFill>
-                  <a:schemeClr val="accent2"/>
-                </a:solidFill>
-                <a:latin typeface="Monaco"/>
-                <a:cs typeface="Monaco"/>
-              </a:rPr>
-              <a:t>    0  1  2  3  4  5   6    </a:t>
-            </a:r>
-            <a:r>
-              <a:rPr lang="en-US" b="1" dirty="0" smtClean="0">
-                <a:solidFill>
-                  <a:schemeClr val="accent2"/>
-                </a:solidFill>
-                <a:latin typeface="Monaco"/>
-                <a:cs typeface="Monaco"/>
-                <a:sym typeface="Wingdings"/>
-              </a:rPr>
-              <a:t> Indexing starts from 0!</a:t>
-            </a:r>
-            <a:endParaRPr lang="en-US" dirty="0" smtClean="0">
-              <a:solidFill>
-                <a:schemeClr val="bg1">
-                  <a:lumMod val="65000"/>
-                </a:schemeClr>
-              </a:solidFill>
+              <a:t>= [1, 3.1, -5, 7, </a:t>
+            </a:r>
+            <a:r>
+              <a:rPr lang="en-US" dirty="0" smtClean="0">
+                <a:latin typeface="Monaco"/>
+                <a:cs typeface="Monaco"/>
+              </a:rPr>
+              <a:t>9.001, "</a:t>
+            </a:r>
+            <a:r>
+              <a:rPr lang="en-US" dirty="0" err="1" smtClean="0">
+                <a:latin typeface="Monaco"/>
+                <a:cs typeface="Monaco"/>
+              </a:rPr>
+              <a:t>woah</a:t>
+            </a:r>
+            <a:r>
+              <a:rPr lang="en-US" dirty="0" smtClean="0">
+                <a:latin typeface="Monaco"/>
+                <a:cs typeface="Monaco"/>
+              </a:rPr>
+              <a:t>", "dude"]</a:t>
+            </a:r>
+          </a:p>
+          <a:p>
+            <a:endParaRPr lang="en-US" dirty="0">
+              <a:latin typeface="Monaco"/>
+              <a:cs typeface="Monaco"/>
+            </a:endParaRPr>
+          </a:p>
+          <a:p>
+            <a:r>
+              <a:rPr lang="en-US" dirty="0" smtClean="0">
+                <a:latin typeface="Monaco"/>
+                <a:cs typeface="Monaco"/>
+              </a:rPr>
+              <a:t># Define another </a:t>
+            </a:r>
+            <a:r>
+              <a:rPr lang="en-US" dirty="0" err="1" smtClean="0">
+                <a:latin typeface="Monaco"/>
+                <a:cs typeface="Monaco"/>
+              </a:rPr>
+              <a:t>list..of</a:t>
+            </a:r>
+            <a:r>
+              <a:rPr lang="en-US" dirty="0" smtClean="0">
+                <a:latin typeface="Monaco"/>
+                <a:cs typeface="Monaco"/>
+              </a:rPr>
+              <a:t> lists!</a:t>
+            </a:r>
+          </a:p>
+          <a:p>
+            <a:r>
+              <a:rPr lang="en-US" dirty="0" smtClean="0">
+                <a:latin typeface="Monaco"/>
+                <a:cs typeface="Monaco"/>
+              </a:rPr>
+              <a:t>d = [ [1, 2, 3], [11, 22, 33], [7.55, -9] ]</a:t>
+            </a:r>
+            <a:endParaRPr lang="en-US" dirty="0">
+              <a:latin typeface="Monaco"/>
+              <a:cs typeface="Monaco"/>
+            </a:endParaRPr>
+          </a:p>
+          <a:p>
+            <a:endParaRPr lang="en-US" dirty="0">
               <a:latin typeface="Monaco"/>
               <a:cs typeface="Monaco"/>
             </a:endParaRPr>
@@ -13743,10 +13693,48 @@
           </a:p>
         </p:txBody>
       </p:sp>
+      <p:sp>
+        <p:nvSpPr>
+          <p:cNvPr id="5" name="TextBox 4"/>
+          <p:cNvSpPr txBox="1"/>
+          <p:nvPr/>
+        </p:nvSpPr>
+        <p:spPr>
+          <a:xfrm>
+            <a:off x="776111" y="5739425"/>
+            <a:ext cx="6900333" cy="369332"/>
+          </a:xfrm>
+          <a:prstGeom prst="rect">
+            <a:avLst/>
+          </a:prstGeom>
+          <a:noFill/>
+        </p:spPr>
+        <p:txBody>
+          <a:bodyPr wrap="square" rtlCol="0">
+            <a:spAutoFit/>
+          </a:bodyPr>
+          <a:lstStyle/>
+          <a:p>
+            <a:r>
+              <a:rPr lang="en-US" dirty="0" smtClean="0">
+                <a:solidFill>
+                  <a:srgbClr val="DC5924"/>
+                </a:solidFill>
+              </a:rPr>
+              <a:t>What do you notice about the variable types inside these lists?</a:t>
+            </a:r>
+            <a:endParaRPr lang="en-US" dirty="0">
+              <a:solidFill>
+                <a:srgbClr val="DC5924"/>
+              </a:solidFill>
+            </a:endParaRPr>
+          </a:p>
+        </p:txBody>
+      </p:sp>
     </p:spTree>
     <p:extLst>
       <p:ext uri="{BB962C8B-B14F-4D97-AF65-F5344CB8AC3E}">
-        <p14:creationId xmlns:p14="http://schemas.microsoft.com/office/powerpoint/2010/main" val="1165585668"/>
+        <p14:creationId xmlns:p14="http://schemas.microsoft.com/office/powerpoint/2010/main" val="600571947"/>
       </p:ext>
     </p:extLst>
   </p:cSld>
@@ -13805,7 +13793,7 @@
         <p:spPr>
           <a:xfrm>
             <a:off x="457198" y="1815481"/>
-            <a:ext cx="7894154" cy="2862323"/>
+            <a:ext cx="7894154" cy="923330"/>
           </a:xfrm>
           <a:prstGeom prst="rect">
             <a:avLst/>
@@ -13865,119 +13853,6 @@
               </a:rPr>
               <a:t> Indexing starts from 0!</a:t>
             </a:r>
-            <a:endParaRPr lang="en-US" b="1" dirty="0" smtClean="0">
-              <a:solidFill>
-                <a:schemeClr val="accent2"/>
-              </a:solidFill>
-              <a:latin typeface="Monaco"/>
-              <a:cs typeface="Monaco"/>
-            </a:endParaRPr>
-          </a:p>
-          <a:p>
-            <a:endParaRPr lang="en-US" dirty="0" smtClean="0">
-              <a:solidFill>
-                <a:srgbClr val="000000"/>
-              </a:solidFill>
-              <a:latin typeface="Monaco"/>
-              <a:cs typeface="Monaco"/>
-            </a:endParaRPr>
-          </a:p>
-          <a:p>
-            <a:endParaRPr lang="en-US" dirty="0" smtClean="0">
-              <a:solidFill>
-                <a:srgbClr val="000000"/>
-              </a:solidFill>
-              <a:latin typeface="Monaco"/>
-              <a:cs typeface="Monaco"/>
-            </a:endParaRPr>
-          </a:p>
-          <a:p>
-            <a:r>
-              <a:rPr lang="en-US" dirty="0" smtClean="0">
-                <a:solidFill>
-                  <a:srgbClr val="000000"/>
-                </a:solidFill>
-                <a:latin typeface="Monaco"/>
-                <a:cs typeface="Monaco"/>
-              </a:rPr>
-              <a:t># Index the </a:t>
-            </a:r>
-            <a:r>
-              <a:rPr lang="en-US" i="1" dirty="0" smtClean="0">
-                <a:solidFill>
-                  <a:srgbClr val="000000"/>
-                </a:solidFill>
-                <a:latin typeface="Monaco"/>
-                <a:cs typeface="Monaco"/>
-              </a:rPr>
-              <a:t>second</a:t>
-            </a:r>
-            <a:r>
-              <a:rPr lang="en-US" dirty="0" smtClean="0">
-                <a:solidFill>
-                  <a:srgbClr val="000000"/>
-                </a:solidFill>
-                <a:latin typeface="Monaco"/>
-                <a:cs typeface="Monaco"/>
-              </a:rPr>
-              <a:t> entry in d using brackets []</a:t>
-            </a:r>
-            <a:endParaRPr lang="en-US" dirty="0">
-              <a:solidFill>
-                <a:srgbClr val="000000"/>
-              </a:solidFill>
-              <a:latin typeface="Monaco"/>
-              <a:cs typeface="Monaco"/>
-            </a:endParaRPr>
-          </a:p>
-          <a:p>
-            <a:r>
-              <a:rPr lang="en-US" dirty="0" smtClean="0">
-                <a:solidFill>
-                  <a:srgbClr val="000000"/>
-                </a:solidFill>
-                <a:latin typeface="Monaco"/>
-                <a:cs typeface="Monaco"/>
-              </a:rPr>
-              <a:t>print d[1]</a:t>
-            </a:r>
-          </a:p>
-          <a:p>
-            <a:r>
-              <a:rPr lang="en-US" dirty="0">
-                <a:solidFill>
-                  <a:srgbClr val="000000"/>
-                </a:solidFill>
-                <a:latin typeface="Monaco"/>
-                <a:cs typeface="Monaco"/>
-              </a:rPr>
-              <a:t>	</a:t>
-            </a:r>
-            <a:r>
-              <a:rPr lang="en-US" dirty="0" smtClean="0">
-                <a:solidFill>
-                  <a:schemeClr val="bg1">
-                    <a:lumMod val="65000"/>
-                  </a:schemeClr>
-                </a:solidFill>
-                <a:latin typeface="Monaco"/>
-                <a:cs typeface="Monaco"/>
-              </a:rPr>
-              <a:t>3</a:t>
-            </a:r>
-          </a:p>
-          <a:p>
-            <a:endParaRPr lang="en-US" dirty="0">
-              <a:solidFill>
-                <a:schemeClr val="bg1">
-                  <a:lumMod val="65000"/>
-                </a:schemeClr>
-              </a:solidFill>
-              <a:latin typeface="Monaco"/>
-              <a:cs typeface="Monaco"/>
-            </a:endParaRPr>
-          </a:p>
-          <a:p>
             <a:endParaRPr lang="en-US" dirty="0" smtClean="0">
               <a:solidFill>
                 <a:schemeClr val="bg1">
@@ -14058,7 +13933,7 @@
         <p:spPr>
           <a:xfrm>
             <a:off x="457198" y="1815481"/>
-            <a:ext cx="7894154" cy="3693319"/>
+            <a:ext cx="7894154" cy="2862323"/>
           </a:xfrm>
           <a:prstGeom prst="rect">
             <a:avLst/>
@@ -14105,12 +13980,22 @@
                 <a:latin typeface="Monaco"/>
                 <a:cs typeface="Monaco"/>
               </a:rPr>
-              <a:t>    0  1  2  3  4  5   6    </a:t>
+              <a:t>    </a:t>
             </a:r>
             <a:r>
               <a:rPr lang="en-US" b="1" dirty="0" smtClean="0">
                 <a:solidFill>
-                  <a:schemeClr val="accent2"/>
+                  <a:schemeClr val="accent5"/>
+                </a:solidFill>
+                <a:latin typeface="Monaco"/>
+                <a:cs typeface="Monaco"/>
+              </a:rPr>
+              <a:t>0  1  2  3  4  5   6    </a:t>
+            </a:r>
+            <a:r>
+              <a:rPr lang="en-US" b="1" dirty="0" smtClean="0">
+                <a:solidFill>
+                  <a:schemeClr val="accent5"/>
                 </a:solidFill>
                 <a:latin typeface="Monaco"/>
                 <a:cs typeface="Monaco"/>
@@ -14120,7 +14005,7 @@
             </a:r>
             <a:endParaRPr lang="en-US" b="1" dirty="0" smtClean="0">
               <a:solidFill>
-                <a:schemeClr val="accent2"/>
+                <a:schemeClr val="accent5"/>
               </a:solidFill>
               <a:latin typeface="Monaco"/>
               <a:cs typeface="Monaco"/>
@@ -14231,64 +14116,6 @@
             </a:endParaRPr>
           </a:p>
           <a:p>
-            <a:r>
-              <a:rPr lang="en-US" dirty="0" smtClean="0">
-                <a:latin typeface="Monaco"/>
-                <a:cs typeface="Monaco"/>
-              </a:rPr>
-              <a:t># Index a </a:t>
-            </a:r>
-            <a:r>
-              <a:rPr lang="en-US" i="1" dirty="0" smtClean="0">
-                <a:latin typeface="Monaco"/>
-                <a:cs typeface="Monaco"/>
-              </a:rPr>
-              <a:t>slice</a:t>
-            </a:r>
-            <a:r>
-              <a:rPr lang="en-US" dirty="0" smtClean="0">
-                <a:latin typeface="Monaco"/>
-                <a:cs typeface="Monaco"/>
-              </a:rPr>
-              <a:t> of the list with [x:y]</a:t>
-            </a:r>
-          </a:p>
-          <a:p>
-            <a:r>
-              <a:rPr lang="en-US" dirty="0" smtClean="0">
-                <a:latin typeface="Monaco"/>
-                <a:cs typeface="Monaco"/>
-              </a:rPr>
-              <a:t>print d[1:4]</a:t>
-            </a:r>
-          </a:p>
-          <a:p>
-            <a:r>
-              <a:rPr lang="en-US" dirty="0">
-                <a:solidFill>
-                  <a:schemeClr val="bg1">
-                    <a:lumMod val="65000"/>
-                  </a:schemeClr>
-                </a:solidFill>
-                <a:latin typeface="Monaco"/>
-                <a:cs typeface="Monaco"/>
-              </a:rPr>
-              <a:t> </a:t>
-            </a:r>
-            <a:r>
-              <a:rPr lang="en-US" dirty="0" smtClean="0">
-                <a:solidFill>
-                  <a:schemeClr val="bg1">
-                    <a:lumMod val="65000"/>
-                  </a:schemeClr>
-                </a:solidFill>
-                <a:latin typeface="Monaco"/>
-                <a:cs typeface="Monaco"/>
-              </a:rPr>
-              <a:t>  [3, 5, 7]</a:t>
-            </a:r>
-          </a:p>
-          <a:p>
             <a:endParaRPr lang="en-US" dirty="0" smtClean="0">
               <a:solidFill>
                 <a:schemeClr val="bg1">
@@ -14310,7 +14137,7 @@
     </p:spTree>
     <p:extLst>
       <p:ext uri="{BB962C8B-B14F-4D97-AF65-F5344CB8AC3E}">
-        <p14:creationId xmlns:p14="http://schemas.microsoft.com/office/powerpoint/2010/main" val="542718252"/>
+        <p14:creationId xmlns:p14="http://schemas.microsoft.com/office/powerpoint/2010/main" val="1165585668"/>
       </p:ext>
     </p:extLst>
   </p:cSld>
@@ -14618,90 +14445,10 @@
           </a:p>
         </p:txBody>
       </p:sp>
-      <p:sp>
-        <p:nvSpPr>
-          <p:cNvPr id="3" name="TextBox 2"/>
-          <p:cNvSpPr txBox="1"/>
-          <p:nvPr/>
-        </p:nvSpPr>
-        <p:spPr>
-          <a:xfrm>
-            <a:off x="2421345" y="4586465"/>
-            <a:ext cx="4504613" cy="369332"/>
-          </a:xfrm>
-          <a:prstGeom prst="rect">
-            <a:avLst/>
-          </a:prstGeom>
-          <a:noFill/>
-        </p:spPr>
-        <p:txBody>
-          <a:bodyPr wrap="square" rtlCol="0">
-            <a:spAutoFit/>
-          </a:bodyPr>
-          <a:lstStyle/>
-          <a:p>
-            <a:r>
-              <a:rPr lang="en-US" dirty="0" smtClean="0">
-                <a:solidFill>
-                  <a:srgbClr val="DC5924"/>
-                </a:solidFill>
-              </a:rPr>
-              <a:t>In </a:t>
-            </a:r>
-            <a:r>
-              <a:rPr lang="en-US" dirty="0" smtClean="0">
-                <a:solidFill>
-                  <a:srgbClr val="DC5924"/>
-                </a:solidFill>
-                <a:latin typeface="Monaco"/>
-                <a:cs typeface="Monaco"/>
-              </a:rPr>
-              <a:t>[x:y]</a:t>
-            </a:r>
-            <a:r>
-              <a:rPr lang="en-US" dirty="0" smtClean="0">
-                <a:solidFill>
-                  <a:srgbClr val="DC5924"/>
-                </a:solidFill>
-              </a:rPr>
-              <a:t>,  x is </a:t>
-            </a:r>
-            <a:r>
-              <a:rPr lang="en-US" u="sng" dirty="0" smtClean="0">
-                <a:solidFill>
-                  <a:srgbClr val="DC5924"/>
-                </a:solidFill>
-              </a:rPr>
-              <a:t>inclusive</a:t>
-            </a:r>
-            <a:r>
-              <a:rPr lang="en-US" dirty="0" smtClean="0">
-                <a:solidFill>
-                  <a:srgbClr val="DC5924"/>
-                </a:solidFill>
-              </a:rPr>
-              <a:t> and y is </a:t>
-            </a:r>
-            <a:r>
-              <a:rPr lang="en-US" u="sng" dirty="0" smtClean="0">
-                <a:solidFill>
-                  <a:srgbClr val="DC5924"/>
-                </a:solidFill>
-              </a:rPr>
-              <a:t>exclusive</a:t>
-            </a:r>
-            <a:endParaRPr lang="en-US" u="sng" dirty="0">
-              <a:solidFill>
-                <a:srgbClr val="DC5924"/>
-              </a:solidFill>
-            </a:endParaRPr>
-          </a:p>
-        </p:txBody>
-      </p:sp>
     </p:spTree>
     <p:extLst>
       <p:ext uri="{BB962C8B-B14F-4D97-AF65-F5344CB8AC3E}">
-        <p14:creationId xmlns:p14="http://schemas.microsoft.com/office/powerpoint/2010/main" val="251870614"/>
+        <p14:creationId xmlns:p14="http://schemas.microsoft.com/office/powerpoint/2010/main" val="542718252"/>
       </p:ext>
     </p:extLst>
   </p:cSld>
@@ -14893,7 +14640,7 @@
         <p:spPr>
           <a:xfrm>
             <a:off x="457198" y="1815481"/>
-            <a:ext cx="7894154" cy="4247317"/>
+            <a:ext cx="7894154" cy="3693319"/>
           </a:xfrm>
           <a:prstGeom prst="rect">
             <a:avLst/>
@@ -15121,26 +14868,6 @@
                 <a:cs typeface="Monaco"/>
               </a:rPr>
               <a:t>  [3, 5, 7]</a:t>
-            </a:r>
-          </a:p>
-          <a:p>
-            <a:endParaRPr lang="en-US" dirty="0">
-              <a:solidFill>
-                <a:schemeClr val="bg1">
-                  <a:lumMod val="65000"/>
-                </a:schemeClr>
-              </a:solidFill>
-              <a:latin typeface="Monaco"/>
-              <a:cs typeface="Monaco"/>
-            </a:endParaRPr>
-          </a:p>
-          <a:p>
-            <a:r>
-              <a:rPr lang="en-US" dirty="0" smtClean="0">
-                <a:latin typeface="Monaco"/>
-                <a:cs typeface="Monaco"/>
-              </a:rPr>
-              <a:t># x and y defaults are 0 and "last index"</a:t>
             </a:r>
           </a:p>
           <a:p>
@@ -15245,7 +14972,7 @@
     </p:spTree>
     <p:extLst>
       <p:ext uri="{BB962C8B-B14F-4D97-AF65-F5344CB8AC3E}">
-        <p14:creationId xmlns:p14="http://schemas.microsoft.com/office/powerpoint/2010/main" val="542718252"/>
+        <p14:creationId xmlns:p14="http://schemas.microsoft.com/office/powerpoint/2010/main" val="251870614"/>
       </p:ext>
     </p:extLst>
   </p:cSld>
@@ -15304,7 +15031,7 @@
         <p:spPr>
           <a:xfrm>
             <a:off x="457198" y="1815481"/>
-            <a:ext cx="7894154" cy="4801315"/>
+            <a:ext cx="7894154" cy="4247317"/>
           </a:xfrm>
           <a:prstGeom prst="rect">
             <a:avLst/>
@@ -15552,48 +15279,6 @@
                 <a:cs typeface="Monaco"/>
               </a:rPr>
               <a:t># x and y defaults are 0 and "last index"</a:t>
-            </a:r>
-          </a:p>
-          <a:p>
-            <a:r>
-              <a:rPr lang="en-US" dirty="0">
-                <a:latin typeface="Monaco"/>
-                <a:cs typeface="Monaco"/>
-              </a:rPr>
-              <a:t>print d</a:t>
-            </a:r>
-            <a:r>
-              <a:rPr lang="en-US" dirty="0" smtClean="0">
-                <a:latin typeface="Monaco"/>
-                <a:cs typeface="Monaco"/>
-              </a:rPr>
-              <a:t>[3:]  # assumes go through end of list</a:t>
-            </a:r>
-          </a:p>
-          <a:p>
-            <a:r>
-              <a:rPr lang="en-US" dirty="0">
-                <a:solidFill>
-                  <a:schemeClr val="bg1">
-                    <a:lumMod val="65000"/>
-                  </a:schemeClr>
-                </a:solidFill>
-                <a:latin typeface="Monaco"/>
-                <a:cs typeface="Monaco"/>
-              </a:rPr>
-              <a:t>	</a:t>
-            </a:r>
-            <a:r>
-              <a:rPr lang="en-US" dirty="0" smtClean="0">
-                <a:solidFill>
-                  <a:schemeClr val="bg1">
-                    <a:lumMod val="65000"/>
-                  </a:schemeClr>
-                </a:solidFill>
-                <a:latin typeface="Monaco"/>
-                <a:cs typeface="Monaco"/>
-              </a:rPr>
-              <a:t>[7, 9, 11, 13]</a:t>
             </a:r>
           </a:p>
           <a:p>
@@ -15757,7 +15442,7 @@
         <p:spPr>
           <a:xfrm>
             <a:off x="457198" y="1815481"/>
-            <a:ext cx="7894154" cy="5355313"/>
+            <a:ext cx="7894154" cy="4801315"/>
           </a:xfrm>
           <a:prstGeom prst="rect">
             <a:avLst/>
@@ -16048,53 +15733,6 @@
               </a:rPr>
               <a:t>[7, 9, 11, 13]</a:t>
             </a:r>
-          </a:p>
-          <a:p>
-            <a:r>
-              <a:rPr lang="en-US" dirty="0" smtClean="0">
-                <a:solidFill>
-                  <a:srgbClr val="000000"/>
-                </a:solidFill>
-                <a:latin typeface="Monaco"/>
-                <a:cs typeface="Monaco"/>
-              </a:rPr>
-              <a:t>print d[:5]  # assumes start at beginning of list</a:t>
-            </a:r>
-          </a:p>
-          <a:p>
-            <a:r>
-              <a:rPr lang="en-US" dirty="0">
-                <a:solidFill>
-                  <a:schemeClr val="bg1">
-                    <a:lumMod val="65000"/>
-                  </a:schemeClr>
-                </a:solidFill>
-                <a:latin typeface="Monaco"/>
-                <a:cs typeface="Monaco"/>
-              </a:rPr>
-              <a:t> </a:t>
-            </a:r>
-            <a:r>
-              <a:rPr lang="en-US" dirty="0" smtClean="0">
-                <a:solidFill>
-                  <a:schemeClr val="bg1">
-                    <a:lumMod val="65000"/>
-                  </a:schemeClr>
-                </a:solidFill>
-                <a:latin typeface="Monaco"/>
-                <a:cs typeface="Monaco"/>
-              </a:rPr>
-              <a:t>  [1, 3, 5, 7, 9]</a:t>
-            </a:r>
-            <a:endParaRPr lang="en-US" dirty="0">
-              <a:solidFill>
-                <a:schemeClr val="bg1">
-                  <a:lumMod val="65000"/>
-                </a:schemeClr>
-              </a:solidFill>
-              <a:latin typeface="Monaco"/>
-              <a:cs typeface="Monaco"/>
-            </a:endParaRPr>
           </a:p>
           <a:p>
             <a:endParaRPr lang="en-US" dirty="0" smtClean="0">
@@ -16198,7 +15836,7 @@
     </p:spTree>
     <p:extLst>
       <p:ext uri="{BB962C8B-B14F-4D97-AF65-F5344CB8AC3E}">
-        <p14:creationId xmlns:p14="http://schemas.microsoft.com/office/powerpoint/2010/main" val="4247775296"/>
+        <p14:creationId xmlns:p14="http://schemas.microsoft.com/office/powerpoint/2010/main" val="542718252"/>
       </p:ext>
     </p:extLst>
   </p:cSld>
@@ -16256,8 +15894,8 @@
         </p:nvSpPr>
         <p:spPr>
           <a:xfrm>
-            <a:off x="457197" y="1815481"/>
-            <a:ext cx="8442383" cy="2862323"/>
+            <a:off x="457198" y="1815481"/>
+            <a:ext cx="7894154" cy="5355313"/>
           </a:xfrm>
           <a:prstGeom prst="rect">
             <a:avLst/>
@@ -16282,7 +15920,7 @@
                 <a:latin typeface="Monaco"/>
                 <a:cs typeface="Monaco"/>
               </a:rPr>
-              <a:t> = [1,  3,  5,  7,  9,  11,  13]</a:t>
+              <a:t> = [1, 3, 5, 7, 9, 11, 13]</a:t>
             </a:r>
           </a:p>
           <a:p>
@@ -16304,7 +15942,7 @@
                 <a:latin typeface="Monaco"/>
                 <a:cs typeface="Monaco"/>
               </a:rPr>
-              <a:t>    0   1   2   3   4   5    6   </a:t>
+              <a:t>    0  1  2  3  4  5   6    </a:t>
             </a:r>
             <a:r>
               <a:rPr lang="en-US" b="1" dirty="0" smtClean="0">
@@ -16326,56 +15964,6 @@
             </a:endParaRPr>
           </a:p>
           <a:p>
-            <a:r>
-              <a:rPr lang="en-US" dirty="0" smtClean="0">
-                <a:solidFill>
-                  <a:srgbClr val="D1282E"/>
-                </a:solidFill>
-                <a:latin typeface="Monaco"/>
-                <a:cs typeface="Monaco"/>
-              </a:rPr>
-              <a:t>    -</a:t>
-            </a:r>
-            <a:r>
-              <a:rPr lang="en-US" dirty="0">
-                <a:solidFill>
-                  <a:srgbClr val="D1282E"/>
-                </a:solidFill>
-                <a:latin typeface="Monaco"/>
-                <a:cs typeface="Monaco"/>
-              </a:rPr>
-              <a:t>7</a:t>
-            </a:r>
-            <a:r>
-              <a:rPr lang="en-US" dirty="0" smtClean="0">
-                <a:solidFill>
-                  <a:srgbClr val="D1282E"/>
-                </a:solidFill>
-                <a:latin typeface="Monaco"/>
-                <a:cs typeface="Monaco"/>
-              </a:rPr>
-              <a:t>  -6  -5  -4  -3  -2   -1   </a:t>
-            </a:r>
-            <a:r>
-              <a:rPr lang="en-US" dirty="0" smtClean="0">
-                <a:solidFill>
-                  <a:srgbClr val="D1282E"/>
-                </a:solidFill>
-                <a:latin typeface="Monaco"/>
-                <a:cs typeface="Monaco"/>
-                <a:sym typeface="Wingdings"/>
-              </a:rPr>
-              <a:t> Negative indexing</a:t>
-            </a:r>
-            <a:endParaRPr lang="en-US" dirty="0" smtClean="0">
-              <a:solidFill>
-                <a:srgbClr val="D1282E"/>
-              </a:solidFill>
-              <a:latin typeface="Monaco"/>
-              <a:cs typeface="Monaco"/>
-            </a:endParaRPr>
-          </a:p>
-          <a:p>
             <a:endParaRPr lang="en-US" dirty="0" smtClean="0">
               <a:solidFill>
                 <a:srgbClr val="000000"/>
@@ -16385,6 +15973,15 @@
             </a:endParaRPr>
           </a:p>
           <a:p>
+            <a:endParaRPr lang="en-US" dirty="0" smtClean="0">
+              <a:solidFill>
+                <a:srgbClr val="000000"/>
+              </a:solidFill>
+              <a:latin typeface="Monaco"/>
+              <a:cs typeface="Monaco"/>
+            </a:endParaRPr>
+          </a:p>
+          <a:p>
             <a:r>
               <a:rPr lang="en-US" dirty="0" smtClean="0">
                 <a:solidFill>
@@ -16403,7 +16000,7 @@
                 <a:latin typeface="Monaco"/>
                 <a:cs typeface="Monaco"/>
               </a:rPr>
-              <a:t>last </a:t>
+              <a:t>second</a:t>
             </a:r>
             <a:r>
               <a:rPr lang="en-US" dirty="0" smtClean="0">
@@ -16413,7 +16010,7 @@
                 <a:latin typeface="Monaco"/>
                 <a:cs typeface="Monaco"/>
               </a:rPr>
-              <a:t>entry in d using brackets []</a:t>
+              <a:t> entry in d using brackets []</a:t>
             </a:r>
             <a:endParaRPr lang="en-US" dirty="0">
               <a:solidFill>
@@ -16432,12 +16029,22 @@
                 <a:latin typeface="Monaco"/>
                 <a:cs typeface="Monaco"/>
               </a:rPr>
-              <a:t>print d[-1]</a:t>
+              <a:t>print d[1]</a:t>
             </a:r>
           </a:p>
           <a:p>
             <a:r>
               <a:rPr lang="en-US" dirty="0">
+                <a:solidFill>
+                  <a:srgbClr val="000000"/>
+                </a:solidFill>
+                <a:latin typeface="Monaco"/>
+                <a:cs typeface="Monaco"/>
+              </a:rPr>
+              <a:t>	</a:t>
+            </a:r>
+            <a:r>
+              <a:rPr lang="en-US" dirty="0" smtClean="0">
                 <a:solidFill>
                   <a:schemeClr val="bg1">
                     <a:lumMod val="65000"/>
@@ -16446,19 +16053,7 @@
                 <a:latin typeface="Monaco"/>
                 <a:cs typeface="Monaco"/>
               </a:rPr>
-              <a:t>	</a:t>
-            </a:r>
-            <a:r>
-              <a:rPr lang="en-US" dirty="0" smtClean="0">
-                <a:solidFill>
-                  <a:schemeClr val="bg1">
-                    <a:lumMod val="65000"/>
-                  </a:schemeClr>
-                </a:solidFill>
-                <a:latin typeface="Monaco"/>
-                <a:cs typeface="Monaco"/>
-              </a:rPr>
-              <a:t>13</a:t>
+              <a:t>3</a:t>
             </a:r>
           </a:p>
           <a:p>
@@ -16473,6 +16068,173 @@
             </a:endParaRPr>
           </a:p>
           <a:p>
+            <a:r>
+              <a:rPr lang="en-US" dirty="0" smtClean="0">
+                <a:latin typeface="Monaco"/>
+                <a:cs typeface="Monaco"/>
+              </a:rPr>
+              <a:t># Index a </a:t>
+            </a:r>
+            <a:r>
+              <a:rPr lang="en-US" i="1" dirty="0" smtClean="0">
+                <a:latin typeface="Monaco"/>
+                <a:cs typeface="Monaco"/>
+              </a:rPr>
+              <a:t>slice</a:t>
+            </a:r>
+            <a:r>
+              <a:rPr lang="en-US" dirty="0" smtClean="0">
+                <a:latin typeface="Monaco"/>
+                <a:cs typeface="Monaco"/>
+              </a:rPr>
+              <a:t> of the list with [x:y]</a:t>
+            </a:r>
+          </a:p>
+          <a:p>
+            <a:r>
+              <a:rPr lang="en-US" dirty="0" smtClean="0">
+                <a:latin typeface="Monaco"/>
+                <a:cs typeface="Monaco"/>
+              </a:rPr>
+              <a:t>print d[1:4]</a:t>
+            </a:r>
+          </a:p>
+          <a:p>
+            <a:r>
+              <a:rPr lang="en-US" dirty="0">
+                <a:solidFill>
+                  <a:schemeClr val="bg1">
+                    <a:lumMod val="65000"/>
+                  </a:schemeClr>
+                </a:solidFill>
+                <a:latin typeface="Monaco"/>
+                <a:cs typeface="Monaco"/>
+              </a:rPr>
+              <a:t> </a:t>
+            </a:r>
+            <a:r>
+              <a:rPr lang="en-US" dirty="0" smtClean="0">
+                <a:solidFill>
+                  <a:schemeClr val="bg1">
+                    <a:lumMod val="65000"/>
+                  </a:schemeClr>
+                </a:solidFill>
+                <a:latin typeface="Monaco"/>
+                <a:cs typeface="Monaco"/>
+              </a:rPr>
+              <a:t>  [3, 5, 7]</a:t>
+            </a:r>
+          </a:p>
+          <a:p>
+            <a:endParaRPr lang="en-US" dirty="0">
+              <a:solidFill>
+                <a:schemeClr val="bg1">
+                  <a:lumMod val="65000"/>
+                </a:schemeClr>
+              </a:solidFill>
+              <a:latin typeface="Monaco"/>
+              <a:cs typeface="Monaco"/>
+            </a:endParaRPr>
+          </a:p>
+          <a:p>
+            <a:r>
+              <a:rPr lang="en-US" dirty="0" smtClean="0">
+                <a:latin typeface="Monaco"/>
+                <a:cs typeface="Monaco"/>
+              </a:rPr>
+              <a:t># x and y defaults are 0 and "last index"</a:t>
+            </a:r>
+          </a:p>
+          <a:p>
+            <a:r>
+              <a:rPr lang="en-US" dirty="0">
+                <a:latin typeface="Monaco"/>
+                <a:cs typeface="Monaco"/>
+              </a:rPr>
+              <a:t>print d</a:t>
+            </a:r>
+            <a:r>
+              <a:rPr lang="en-US" dirty="0" smtClean="0">
+                <a:latin typeface="Monaco"/>
+                <a:cs typeface="Monaco"/>
+              </a:rPr>
+              <a:t>[3:]  # assumes go through end of list</a:t>
+            </a:r>
+          </a:p>
+          <a:p>
+            <a:r>
+              <a:rPr lang="en-US" dirty="0">
+                <a:solidFill>
+                  <a:schemeClr val="bg1">
+                    <a:lumMod val="65000"/>
+                  </a:schemeClr>
+                </a:solidFill>
+                <a:latin typeface="Monaco"/>
+                <a:cs typeface="Monaco"/>
+              </a:rPr>
+              <a:t>	</a:t>
+            </a:r>
+            <a:r>
+              <a:rPr lang="en-US" dirty="0" smtClean="0">
+                <a:solidFill>
+                  <a:schemeClr val="bg1">
+                    <a:lumMod val="65000"/>
+                  </a:schemeClr>
+                </a:solidFill>
+                <a:latin typeface="Monaco"/>
+                <a:cs typeface="Monaco"/>
+              </a:rPr>
+              <a:t>[7, 9, 11, 13]</a:t>
+            </a:r>
+          </a:p>
+          <a:p>
+            <a:r>
+              <a:rPr lang="en-US" dirty="0" smtClean="0">
+                <a:solidFill>
+                  <a:srgbClr val="000000"/>
+                </a:solidFill>
+                <a:latin typeface="Monaco"/>
+                <a:cs typeface="Monaco"/>
+              </a:rPr>
+              <a:t>print d[:5]  # assumes start at beginning of list</a:t>
+            </a:r>
+          </a:p>
+          <a:p>
+            <a:r>
+              <a:rPr lang="en-US" dirty="0">
+                <a:solidFill>
+                  <a:schemeClr val="bg1">
+                    <a:lumMod val="65000"/>
+                  </a:schemeClr>
+                </a:solidFill>
+                <a:latin typeface="Monaco"/>
+                <a:cs typeface="Monaco"/>
+              </a:rPr>
+              <a:t> </a:t>
+            </a:r>
+            <a:r>
+              <a:rPr lang="en-US" dirty="0" smtClean="0">
+                <a:solidFill>
+                  <a:schemeClr val="bg1">
+                    <a:lumMod val="65000"/>
+                  </a:schemeClr>
+                </a:solidFill>
+                <a:latin typeface="Monaco"/>
+                <a:cs typeface="Monaco"/>
+              </a:rPr>
+              <a:t>  [1, 3, 5, 7, 9]</a:t>
+            </a:r>
+            <a:endParaRPr lang="en-US" dirty="0">
+              <a:solidFill>
+                <a:schemeClr val="bg1">
+                  <a:lumMod val="65000"/>
+                </a:schemeClr>
+              </a:solidFill>
+              <a:latin typeface="Monaco"/>
+              <a:cs typeface="Monaco"/>
+            </a:endParaRPr>
+          </a:p>
+          <a:p>
             <a:endParaRPr lang="en-US" dirty="0" smtClean="0">
               <a:solidFill>
                 <a:schemeClr val="bg1">
@@ -16491,10 +16253,90 @@
           </a:p>
         </p:txBody>
       </p:sp>
+      <p:sp>
+        <p:nvSpPr>
+          <p:cNvPr id="3" name="TextBox 2"/>
+          <p:cNvSpPr txBox="1"/>
+          <p:nvPr/>
+        </p:nvSpPr>
+        <p:spPr>
+          <a:xfrm>
+            <a:off x="2421345" y="4586465"/>
+            <a:ext cx="4504613" cy="369332"/>
+          </a:xfrm>
+          <a:prstGeom prst="rect">
+            <a:avLst/>
+          </a:prstGeom>
+          <a:noFill/>
+        </p:spPr>
+        <p:txBody>
+          <a:bodyPr wrap="square" rtlCol="0">
+            <a:spAutoFit/>
+          </a:bodyPr>
+          <a:lstStyle/>
+          <a:p>
+            <a:r>
+              <a:rPr lang="en-US" dirty="0" smtClean="0">
+                <a:solidFill>
+                  <a:srgbClr val="DC5924"/>
+                </a:solidFill>
+              </a:rPr>
+              <a:t>In </a:t>
+            </a:r>
+            <a:r>
+              <a:rPr lang="en-US" dirty="0" smtClean="0">
+                <a:solidFill>
+                  <a:srgbClr val="DC5924"/>
+                </a:solidFill>
+                <a:latin typeface="Monaco"/>
+                <a:cs typeface="Monaco"/>
+              </a:rPr>
+              <a:t>[x:y]</a:t>
+            </a:r>
+            <a:r>
+              <a:rPr lang="en-US" dirty="0" smtClean="0">
+                <a:solidFill>
+                  <a:srgbClr val="DC5924"/>
+                </a:solidFill>
+              </a:rPr>
+              <a:t>,  x is </a:t>
+            </a:r>
+            <a:r>
+              <a:rPr lang="en-US" u="sng" dirty="0" smtClean="0">
+                <a:solidFill>
+                  <a:srgbClr val="DC5924"/>
+                </a:solidFill>
+              </a:rPr>
+              <a:t>inclusive</a:t>
+            </a:r>
+            <a:r>
+              <a:rPr lang="en-US" dirty="0" smtClean="0">
+                <a:solidFill>
+                  <a:srgbClr val="DC5924"/>
+                </a:solidFill>
+              </a:rPr>
+              <a:t> and y is </a:t>
+            </a:r>
+            <a:r>
+              <a:rPr lang="en-US" u="sng" dirty="0" smtClean="0">
+                <a:solidFill>
+                  <a:srgbClr val="DC5924"/>
+                </a:solidFill>
+              </a:rPr>
+              <a:t>exclusive</a:t>
+            </a:r>
+            <a:endParaRPr lang="en-US" u="sng" dirty="0">
+              <a:solidFill>
+                <a:srgbClr val="DC5924"/>
+              </a:solidFill>
+            </a:endParaRPr>
+          </a:p>
+        </p:txBody>
+      </p:sp>
     </p:spTree>
     <p:extLst>
       <p:ext uri="{BB962C8B-B14F-4D97-AF65-F5344CB8AC3E}">
-        <p14:creationId xmlns:p14="http://schemas.microsoft.com/office/powerpoint/2010/main" val="1154438593"/>
+        <p14:creationId xmlns:p14="http://schemas.microsoft.com/office/powerpoint/2010/main" val="4247775296"/>
       </p:ext>
     </p:extLst>
   </p:cSld>
@@ -16538,7 +16380,7 @@
           <a:p>
             <a:r>
               <a:rPr lang="en-US" dirty="0" smtClean="0"/>
-              <a:t>common list methods</a:t>
+              <a:t>indexing in python</a:t>
             </a:r>
             <a:endParaRPr lang="en-US" dirty="0"/>
           </a:p>
@@ -16546,14 +16388,14 @@
       </p:sp>
       <p:sp>
         <p:nvSpPr>
-          <p:cNvPr id="5" name="TextBox 4"/>
+          <p:cNvPr id="4" name="TextBox 3"/>
           <p:cNvSpPr txBox="1"/>
           <p:nvPr/>
         </p:nvSpPr>
         <p:spPr>
           <a:xfrm>
-            <a:off x="265716" y="1632754"/>
-            <a:ext cx="8158734" cy="646331"/>
+            <a:off x="457197" y="1815481"/>
+            <a:ext cx="8442383" cy="2862323"/>
           </a:xfrm>
           <a:prstGeom prst="rect">
             <a:avLst/>
@@ -16567,28 +16409,230 @@
           <a:lstStyle/>
           <a:p>
             <a:r>
-              <a:rPr lang="en-US" dirty="0" smtClean="0">
-                <a:latin typeface="Monaco"/>
-                <a:cs typeface="Monaco"/>
-              </a:rPr>
-              <a:t># Define a list</a:t>
-            </a:r>
-          </a:p>
-          <a:p>
-            <a:r>
-              <a:rPr lang="en-US" dirty="0" smtClean="0">
-                <a:latin typeface="Monaco"/>
-                <a:cs typeface="Monaco"/>
-              </a:rPr>
-              <a:t>a = [1, 3, 5, 7, 9, 11, 13]</a:t>
-            </a:r>
+              <a:rPr lang="en-US" dirty="0">
+                <a:latin typeface="Monaco"/>
+                <a:cs typeface="Monaco"/>
+              </a:rPr>
+              <a:t>d</a:t>
+            </a:r>
+            <a:r>
+              <a:rPr lang="en-US" dirty="0" smtClean="0">
+                <a:latin typeface="Monaco"/>
+                <a:cs typeface="Monaco"/>
+              </a:rPr>
+              <a:t> = [1,  3,  5,  7,  9,  11,  13]</a:t>
+            </a:r>
+          </a:p>
+          <a:p>
+            <a:r>
+              <a:rPr lang="en-US" b="1" dirty="0">
+                <a:solidFill>
+                  <a:srgbClr val="DC5924"/>
+                </a:solidFill>
+                <a:latin typeface="Monaco"/>
+                <a:cs typeface="Monaco"/>
+              </a:rPr>
+              <a:t> </a:t>
+            </a:r>
+            <a:r>
+              <a:rPr lang="en-US" b="1" dirty="0" smtClean="0">
+                <a:solidFill>
+                  <a:srgbClr val="DC5924"/>
+                </a:solidFill>
+                <a:latin typeface="Monaco"/>
+                <a:cs typeface="Monaco"/>
+              </a:rPr>
+              <a:t>    0   1   2   3   4   5    6   </a:t>
+            </a:r>
+            <a:r>
+              <a:rPr lang="en-US" b="1" dirty="0" smtClean="0">
+                <a:solidFill>
+                  <a:srgbClr val="DC5924"/>
+                </a:solidFill>
+                <a:latin typeface="Monaco"/>
+                <a:cs typeface="Monaco"/>
+                <a:sym typeface="Wingdings"/>
+              </a:rPr>
+              <a:t> Indexing starts from 0!</a:t>
+            </a:r>
+            <a:endParaRPr lang="en-US" b="1" dirty="0" smtClean="0">
+              <a:solidFill>
+                <a:srgbClr val="DC5924"/>
+              </a:solidFill>
+              <a:latin typeface="Monaco"/>
+              <a:cs typeface="Monaco"/>
+            </a:endParaRPr>
+          </a:p>
+          <a:p>
+            <a:r>
+              <a:rPr lang="en-US" dirty="0" smtClean="0">
+                <a:solidFill>
+                  <a:srgbClr val="D1282E"/>
+                </a:solidFill>
+                <a:latin typeface="Monaco"/>
+                <a:cs typeface="Monaco"/>
+              </a:rPr>
+              <a:t>    -</a:t>
+            </a:r>
+            <a:r>
+              <a:rPr lang="en-US" dirty="0">
+                <a:solidFill>
+                  <a:srgbClr val="D1282E"/>
+                </a:solidFill>
+                <a:latin typeface="Monaco"/>
+                <a:cs typeface="Monaco"/>
+              </a:rPr>
+              <a:t>7</a:t>
+            </a:r>
+            <a:r>
+              <a:rPr lang="en-US" dirty="0" smtClean="0">
+                <a:solidFill>
+                  <a:srgbClr val="D1282E"/>
+                </a:solidFill>
+                <a:latin typeface="Monaco"/>
+                <a:cs typeface="Monaco"/>
+              </a:rPr>
+              <a:t>  -6  -5  -4  -3  -2   -1   </a:t>
+            </a:r>
+            <a:r>
+              <a:rPr lang="en-US" dirty="0" smtClean="0">
+                <a:solidFill>
+                  <a:srgbClr val="D1282E"/>
+                </a:solidFill>
+                <a:latin typeface="Monaco"/>
+                <a:cs typeface="Monaco"/>
+                <a:sym typeface="Wingdings"/>
+              </a:rPr>
+              <a:t> Negative indexing</a:t>
+            </a:r>
+            <a:endParaRPr lang="en-US" dirty="0" smtClean="0">
+              <a:solidFill>
+                <a:srgbClr val="D1282E"/>
+              </a:solidFill>
+              <a:latin typeface="Monaco"/>
+              <a:cs typeface="Monaco"/>
+            </a:endParaRPr>
+          </a:p>
+          <a:p>
+            <a:endParaRPr lang="en-US" dirty="0" smtClean="0">
+              <a:solidFill>
+                <a:srgbClr val="000000"/>
+              </a:solidFill>
+              <a:latin typeface="Monaco"/>
+              <a:cs typeface="Monaco"/>
+            </a:endParaRPr>
+          </a:p>
+          <a:p>
+            <a:r>
+              <a:rPr lang="en-US" dirty="0" smtClean="0">
+                <a:solidFill>
+                  <a:srgbClr val="000000"/>
+                </a:solidFill>
+                <a:latin typeface="Monaco"/>
+                <a:cs typeface="Monaco"/>
+              </a:rPr>
+              <a:t># Index the </a:t>
+            </a:r>
+            <a:r>
+              <a:rPr lang="en-US" i="1" dirty="0" smtClean="0">
+                <a:solidFill>
+                  <a:srgbClr val="000000"/>
+                </a:solidFill>
+                <a:latin typeface="Monaco"/>
+                <a:cs typeface="Monaco"/>
+              </a:rPr>
+              <a:t>last </a:t>
+            </a:r>
+            <a:r>
+              <a:rPr lang="en-US" dirty="0" smtClean="0">
+                <a:solidFill>
+                  <a:srgbClr val="000000"/>
+                </a:solidFill>
+                <a:latin typeface="Monaco"/>
+                <a:cs typeface="Monaco"/>
+              </a:rPr>
+              <a:t>entry in d using brackets []</a:t>
+            </a:r>
+            <a:endParaRPr lang="en-US" dirty="0">
+              <a:solidFill>
+                <a:srgbClr val="000000"/>
+              </a:solidFill>
+              <a:latin typeface="Monaco"/>
+              <a:cs typeface="Monaco"/>
+            </a:endParaRPr>
+          </a:p>
+          <a:p>
+            <a:r>
+              <a:rPr lang="en-US" dirty="0" smtClean="0">
+                <a:solidFill>
+                  <a:srgbClr val="000000"/>
+                </a:solidFill>
+                <a:latin typeface="Monaco"/>
+                <a:cs typeface="Monaco"/>
+              </a:rPr>
+              <a:t>print d[-1]</a:t>
+            </a:r>
+          </a:p>
+          <a:p>
+            <a:r>
+              <a:rPr lang="en-US" dirty="0">
+                <a:solidFill>
+                  <a:schemeClr val="bg1">
+                    <a:lumMod val="65000"/>
+                  </a:schemeClr>
+                </a:solidFill>
+                <a:latin typeface="Monaco"/>
+                <a:cs typeface="Monaco"/>
+              </a:rPr>
+              <a:t>	</a:t>
+            </a:r>
+            <a:r>
+              <a:rPr lang="en-US" dirty="0" smtClean="0">
+                <a:solidFill>
+                  <a:schemeClr val="bg1">
+                    <a:lumMod val="65000"/>
+                  </a:schemeClr>
+                </a:solidFill>
+                <a:latin typeface="Monaco"/>
+                <a:cs typeface="Monaco"/>
+              </a:rPr>
+              <a:t>13</a:t>
+            </a:r>
+          </a:p>
+          <a:p>
+            <a:endParaRPr lang="en-US" dirty="0">
+              <a:solidFill>
+                <a:schemeClr val="bg1">
+                  <a:lumMod val="65000"/>
+                </a:schemeClr>
+              </a:solidFill>
+              <a:latin typeface="Monaco"/>
+              <a:cs typeface="Monaco"/>
+            </a:endParaRPr>
+          </a:p>
+          <a:p>
+            <a:endParaRPr lang="en-US" dirty="0" smtClean="0">
+              <a:solidFill>
+                <a:schemeClr val="bg1">
+                  <a:lumMod val="65000"/>
+                </a:schemeClr>
+              </a:solidFill>
+              <a:latin typeface="Monaco"/>
+              <a:cs typeface="Monaco"/>
+            </a:endParaRPr>
+          </a:p>
+          <a:p>
+            <a:endParaRPr lang="en-US" dirty="0" smtClean="0">
+              <a:latin typeface="Monaco"/>
+              <a:cs typeface="Monaco"/>
+            </a:endParaRPr>
           </a:p>
         </p:txBody>
       </p:sp>
     </p:spTree>
     <p:extLst>
       <p:ext uri="{BB962C8B-B14F-4D97-AF65-F5344CB8AC3E}">
-        <p14:creationId xmlns:p14="http://schemas.microsoft.com/office/powerpoint/2010/main" val="1987330579"/>
+        <p14:creationId xmlns:p14="http://schemas.microsoft.com/office/powerpoint/2010/main" val="1154438593"/>
       </p:ext>
     </p:extLst>
   </p:cSld>
@@ -16647,7 +16691,7 @@
         <p:spPr>
           <a:xfrm>
             <a:off x="265716" y="1632754"/>
-            <a:ext cx="8158734" cy="2031325"/>
+            <a:ext cx="8158734" cy="646331"/>
           </a:xfrm>
           <a:prstGeom prst="rect">
             <a:avLst/>
@@ -16675,97 +16719,6 @@
                 <a:cs typeface="Monaco"/>
               </a:rPr>
               <a:t>a = [1, 3, 5, 7, 9, 11, 13]</a:t>
-            </a:r>
-          </a:p>
-          <a:p>
-            <a:endParaRPr lang="en-US" dirty="0" smtClean="0">
-              <a:latin typeface="Monaco"/>
-              <a:cs typeface="Monaco"/>
-            </a:endParaRPr>
-          </a:p>
-          <a:p>
-            <a:r>
-              <a:rPr lang="en-US" dirty="0" smtClean="0">
-                <a:latin typeface="Monaco"/>
-                <a:cs typeface="Monaco"/>
-              </a:rPr>
-              <a:t># The </a:t>
-            </a:r>
-            <a:r>
-              <a:rPr lang="en-US" i="1" dirty="0" smtClean="0">
-                <a:latin typeface="Monaco"/>
-                <a:cs typeface="Monaco"/>
-              </a:rPr>
-              <a:t>.append()</a:t>
-            </a:r>
-            <a:r>
-              <a:rPr lang="en-US" dirty="0" smtClean="0">
-                <a:latin typeface="Monaco"/>
-                <a:cs typeface="Monaco"/>
-              </a:rPr>
-              <a:t> method adds a value to the end of the list</a:t>
-            </a:r>
-            <a:endParaRPr lang="en-US" dirty="0">
-              <a:latin typeface="Monaco"/>
-              <a:cs typeface="Monaco"/>
-            </a:endParaRPr>
-          </a:p>
-          <a:p>
-            <a:r>
-              <a:rPr lang="en-US" dirty="0" err="1" smtClean="0">
-                <a:latin typeface="Monaco"/>
-                <a:cs typeface="Monaco"/>
-              </a:rPr>
-              <a:t>a.append</a:t>
-            </a:r>
-            <a:r>
-              <a:rPr lang="en-US" dirty="0" smtClean="0">
-                <a:latin typeface="Monaco"/>
-                <a:cs typeface="Monaco"/>
-              </a:rPr>
-              <a:t>(15)</a:t>
-            </a:r>
-          </a:p>
-          <a:p>
-            <a:r>
-              <a:rPr lang="en-US" dirty="0" smtClean="0">
-                <a:latin typeface="Monaco"/>
-                <a:cs typeface="Monaco"/>
-              </a:rPr>
-              <a:t>print a</a:t>
-            </a:r>
-          </a:p>
-          <a:p>
-            <a:r>
-              <a:rPr lang="en-US" dirty="0">
-                <a:latin typeface="Monaco"/>
-                <a:cs typeface="Monaco"/>
-              </a:rPr>
-              <a:t>	</a:t>
-            </a:r>
-            <a:r>
-              <a:rPr lang="en-US" dirty="0">
-                <a:solidFill>
-                  <a:schemeClr val="bg1">
-                    <a:lumMod val="65000"/>
-                  </a:schemeClr>
-                </a:solidFill>
-                <a:latin typeface="Monaco"/>
-                <a:cs typeface="Monaco"/>
-              </a:rPr>
-              <a:t>[1, 3, 5, 7, 9, 11, </a:t>
-            </a:r>
-            <a:r>
-              <a:rPr lang="en-US" dirty="0" smtClean="0">
-                <a:solidFill>
-                  <a:schemeClr val="bg1">
-                    <a:lumMod val="65000"/>
-                  </a:schemeClr>
-                </a:solidFill>
-                <a:latin typeface="Monaco"/>
-                <a:cs typeface="Monaco"/>
-              </a:rPr>
-              <a:t>13, 15]</a:t>
             </a:r>
           </a:p>
         </p:txBody>
@@ -16832,7 +16785,7 @@
         <p:spPr>
           <a:xfrm>
             <a:off x="265716" y="1632754"/>
-            <a:ext cx="8158734" cy="3139321"/>
+            <a:ext cx="8158734" cy="2031325"/>
           </a:xfrm>
           <a:prstGeom prst="rect">
             <a:avLst/>
@@ -16951,98 +16904,6 @@
                 <a:cs typeface="Monaco"/>
               </a:rPr>
               <a:t>13, 15]</a:t>
-            </a:r>
-          </a:p>
-          <a:p>
-            <a:endParaRPr lang="en-US" dirty="0">
-              <a:solidFill>
-                <a:schemeClr val="bg1">
-                  <a:lumMod val="65000"/>
-                </a:schemeClr>
-              </a:solidFill>
-              <a:latin typeface="Monaco"/>
-              <a:cs typeface="Monaco"/>
-            </a:endParaRPr>
-          </a:p>
-          <a:p>
-            <a:r>
-              <a:rPr lang="en-US" dirty="0">
-                <a:latin typeface="Monaco"/>
-                <a:cs typeface="Monaco"/>
-              </a:rPr>
-              <a:t># The </a:t>
-            </a:r>
-            <a:r>
-              <a:rPr lang="en-US" i="1" dirty="0" smtClean="0">
-                <a:latin typeface="Monaco"/>
-                <a:cs typeface="Monaco"/>
-              </a:rPr>
-              <a:t>.index(</a:t>
-            </a:r>
-            <a:r>
-              <a:rPr lang="en-US" i="1" dirty="0">
-                <a:latin typeface="Monaco"/>
-                <a:cs typeface="Monaco"/>
-              </a:rPr>
-              <a:t>)</a:t>
-            </a:r>
-            <a:r>
-              <a:rPr lang="en-US" dirty="0">
-                <a:latin typeface="Monaco"/>
-                <a:cs typeface="Monaco"/>
-              </a:rPr>
-              <a:t> method </a:t>
-            </a:r>
-            <a:r>
-              <a:rPr lang="en-US" dirty="0" smtClean="0">
-                <a:latin typeface="Monaco"/>
-                <a:cs typeface="Monaco"/>
-              </a:rPr>
-              <a:t>extracts the index of a given value</a:t>
-            </a:r>
-          </a:p>
-          <a:p>
-            <a:r>
-              <a:rPr lang="en-US" dirty="0" smtClean="0">
-                <a:latin typeface="Monaco"/>
-                <a:cs typeface="Monaco"/>
-              </a:rPr>
-              <a:t>print </a:t>
-            </a:r>
-            <a:r>
-              <a:rPr lang="en-US" dirty="0" err="1" smtClean="0">
-                <a:latin typeface="Monaco"/>
-                <a:cs typeface="Monaco"/>
-              </a:rPr>
-              <a:t>a.index</a:t>
-            </a:r>
-            <a:r>
-              <a:rPr lang="en-US" dirty="0" smtClean="0">
-                <a:latin typeface="Monaco"/>
-                <a:cs typeface="Monaco"/>
-              </a:rPr>
-              <a:t>(3)</a:t>
-            </a:r>
-          </a:p>
-          <a:p>
-            <a:r>
-              <a:rPr lang="en-US" dirty="0" smtClean="0">
-                <a:latin typeface="Monaco"/>
-                <a:cs typeface="Monaco"/>
-              </a:rPr>
-              <a:t>	</a:t>
-            </a:r>
-            <a:r>
-              <a:rPr lang="en-US" dirty="0" smtClean="0">
-                <a:solidFill>
-                  <a:schemeClr val="bg1">
-                    <a:lumMod val="65000"/>
-                  </a:schemeClr>
-                </a:solidFill>
-                <a:latin typeface="Monaco"/>
-                <a:cs typeface="Monaco"/>
-              </a:rPr>
-              <a:t>1</a:t>
             </a:r>
           </a:p>
         </p:txBody>
@@ -17109,7 +16970,7 @@
         <p:spPr>
           <a:xfrm>
             <a:off x="265716" y="1632754"/>
-            <a:ext cx="8158734" cy="4247317"/>
+            <a:ext cx="8158734" cy="3139321"/>
           </a:xfrm>
           <a:prstGeom prst="rect">
             <a:avLst/>
@@ -17320,106 +17181,6 @@
                 <a:cs typeface="Monaco"/>
               </a:rPr>
               <a:t>1</a:t>
-            </a:r>
-          </a:p>
-          <a:p>
-            <a:endParaRPr lang="en-US" dirty="0">
-              <a:solidFill>
-                <a:schemeClr val="bg1">
-                  <a:lumMod val="65000"/>
-                </a:schemeClr>
-              </a:solidFill>
-              <a:latin typeface="Monaco"/>
-              <a:cs typeface="Monaco"/>
-            </a:endParaRPr>
-          </a:p>
-          <a:p>
-            <a:r>
-              <a:rPr lang="en-US" dirty="0">
-                <a:latin typeface="Monaco"/>
-                <a:cs typeface="Monaco"/>
-              </a:rPr>
-              <a:t># The </a:t>
-            </a:r>
-            <a:r>
-              <a:rPr lang="en-US" i="1" dirty="0" smtClean="0">
-                <a:latin typeface="Monaco"/>
-                <a:cs typeface="Monaco"/>
-              </a:rPr>
-              <a:t>.pop(</a:t>
-            </a:r>
-            <a:r>
-              <a:rPr lang="en-US" i="1" dirty="0">
-                <a:latin typeface="Monaco"/>
-                <a:cs typeface="Monaco"/>
-              </a:rPr>
-              <a:t>)</a:t>
-            </a:r>
-            <a:r>
-              <a:rPr lang="en-US" dirty="0">
-                <a:latin typeface="Monaco"/>
-                <a:cs typeface="Monaco"/>
-              </a:rPr>
-              <a:t> method </a:t>
-            </a:r>
-            <a:r>
-              <a:rPr lang="en-US" dirty="0" smtClean="0">
-                <a:latin typeface="Monaco"/>
-                <a:cs typeface="Monaco"/>
-              </a:rPr>
-              <a:t>removes a certain index from the list</a:t>
-            </a:r>
-            <a:endParaRPr lang="en-US" dirty="0">
-              <a:latin typeface="Monaco"/>
-              <a:cs typeface="Monaco"/>
-            </a:endParaRPr>
-          </a:p>
-          <a:p>
-            <a:r>
-              <a:rPr lang="en-US" dirty="0">
-                <a:latin typeface="Monaco"/>
-                <a:cs typeface="Monaco"/>
-              </a:rPr>
-              <a:t>print </a:t>
-            </a:r>
-            <a:r>
-              <a:rPr lang="en-US" dirty="0" err="1" smtClean="0">
-                <a:latin typeface="Monaco"/>
-                <a:cs typeface="Monaco"/>
-              </a:rPr>
-              <a:t>a.pop</a:t>
-            </a:r>
-            <a:r>
-              <a:rPr lang="en-US" dirty="0" smtClean="0">
-                <a:latin typeface="Monaco"/>
-                <a:cs typeface="Monaco"/>
-              </a:rPr>
-              <a:t>(1)</a:t>
-            </a:r>
-            <a:endParaRPr lang="en-US" dirty="0">
-              <a:latin typeface="Monaco"/>
-              <a:cs typeface="Monaco"/>
-            </a:endParaRPr>
-          </a:p>
-          <a:p>
-            <a:r>
-              <a:rPr lang="en-US" dirty="0">
-                <a:latin typeface="Monaco"/>
-                <a:cs typeface="Monaco"/>
-              </a:rPr>
-              <a:t>	</a:t>
-            </a:r>
-            <a:r>
-              <a:rPr lang="en-US" dirty="0" smtClean="0">
-                <a:solidFill>
-                  <a:schemeClr val="bg1">
-                    <a:lumMod val="65000"/>
-                  </a:schemeClr>
-                </a:solidFill>
-                <a:latin typeface="Monaco"/>
-                <a:cs typeface="Monaco"/>
-              </a:rPr>
-              <a:t>[1, 5, 7, 9, 11, 13]</a:t>
             </a:r>
           </a:p>
         </p:txBody>
@@ -17486,7 +17247,7 @@
         <p:spPr>
           <a:xfrm>
             <a:off x="265716" y="1632754"/>
-            <a:ext cx="8158734" cy="5078314"/>
+            <a:ext cx="8158734" cy="4247317"/>
           </a:xfrm>
           <a:prstGeom prst="rect">
             <a:avLst/>
@@ -17799,102 +17560,12 @@
               <a:t>[1, 5, 7, 9, 11, 13]</a:t>
             </a:r>
           </a:p>
-          <a:p>
-            <a:endParaRPr lang="en-US" dirty="0">
-              <a:latin typeface="Monaco"/>
-              <a:cs typeface="Monaco"/>
-            </a:endParaRPr>
-          </a:p>
-          <a:p>
-            <a:r>
-              <a:rPr lang="en-US" dirty="0">
-                <a:latin typeface="Monaco"/>
-                <a:cs typeface="Monaco"/>
-              </a:rPr>
-              <a:t>print </a:t>
-            </a:r>
-            <a:r>
-              <a:rPr lang="en-US" dirty="0" err="1">
-                <a:latin typeface="Monaco"/>
-                <a:cs typeface="Monaco"/>
-              </a:rPr>
-              <a:t>a.pop</a:t>
-            </a:r>
-            <a:r>
-              <a:rPr lang="en-US" dirty="0" smtClean="0">
-                <a:latin typeface="Monaco"/>
-                <a:cs typeface="Monaco"/>
-              </a:rPr>
-              <a:t>() # Default behavior removes last index</a:t>
-            </a:r>
-            <a:endParaRPr lang="en-US" dirty="0">
-              <a:latin typeface="Monaco"/>
-              <a:cs typeface="Monaco"/>
-            </a:endParaRPr>
-          </a:p>
-          <a:p>
-            <a:r>
-              <a:rPr lang="en-US" dirty="0">
-                <a:latin typeface="Monaco"/>
-                <a:cs typeface="Monaco"/>
-              </a:rPr>
-              <a:t>	</a:t>
-            </a:r>
-            <a:r>
-              <a:rPr lang="en-US" dirty="0">
-                <a:solidFill>
-                  <a:schemeClr val="bg1">
-                    <a:lumMod val="65000"/>
-                  </a:schemeClr>
-                </a:solidFill>
-                <a:latin typeface="Monaco"/>
-                <a:cs typeface="Monaco"/>
-              </a:rPr>
-              <a:t>[1, </a:t>
-            </a:r>
-            <a:r>
-              <a:rPr lang="en-US" dirty="0" smtClean="0">
-                <a:solidFill>
-                  <a:schemeClr val="bg1">
-                    <a:lumMod val="65000"/>
-                  </a:schemeClr>
-                </a:solidFill>
-                <a:latin typeface="Monaco"/>
-                <a:cs typeface="Monaco"/>
-              </a:rPr>
-              <a:t>3, 5</a:t>
-            </a:r>
-            <a:r>
-              <a:rPr lang="en-US" dirty="0">
-                <a:solidFill>
-                  <a:schemeClr val="bg1">
-                    <a:lumMod val="65000"/>
-                  </a:schemeClr>
-                </a:solidFill>
-                <a:latin typeface="Monaco"/>
-                <a:cs typeface="Monaco"/>
-              </a:rPr>
-              <a:t>, 7, 9, </a:t>
-            </a:r>
-            <a:r>
-              <a:rPr lang="en-US" dirty="0" smtClean="0">
-                <a:solidFill>
-                  <a:schemeClr val="bg1">
-                    <a:lumMod val="65000"/>
-                  </a:schemeClr>
-                </a:solidFill>
-                <a:latin typeface="Monaco"/>
-                <a:cs typeface="Monaco"/>
-              </a:rPr>
-              <a:t>11]</a:t>
-            </a:r>
-          </a:p>
         </p:txBody>
       </p:sp>
     </p:spTree>
     <p:extLst>
       <p:ext uri="{BB962C8B-B14F-4D97-AF65-F5344CB8AC3E}">
-        <p14:creationId xmlns:p14="http://schemas.microsoft.com/office/powerpoint/2010/main" val="3967659267"/>
+        <p14:creationId xmlns:p14="http://schemas.microsoft.com/office/powerpoint/2010/main" val="1987330579"/>
       </p:ext>
     </p:extLst>
   </p:cSld>
@@ -17938,7 +17609,7 @@
           <a:p>
             <a:r>
               <a:rPr lang="en-US" dirty="0" smtClean="0"/>
-              <a:t>python strings</a:t>
+              <a:t>common list methods</a:t>
             </a:r>
             <a:endParaRPr lang="en-US" dirty="0"/>
           </a:p>
@@ -17946,35 +17617,422 @@
       </p:sp>
       <p:sp>
         <p:nvSpPr>
-          <p:cNvPr id="3" name="Content Placeholder 2"/>
-          <p:cNvSpPr>
-            <a:spLocks noGrp="1"/>
-          </p:cNvSpPr>
-          <p:nvPr>
-            <p:ph idx="1"/>
-          </p:nvPr>
-        </p:nvSpPr>
-        <p:spPr/>
-        <p:txBody>
-          <a:bodyPr/>
-          <a:lstStyle/>
-          <a:p>
-            <a:pPr marL="457200" indent="-457200">
-              <a:buFont typeface="Arial"/>
-              <a:buChar char="•"/>
-            </a:pPr>
-            <a:r>
-              <a:rPr lang="en-US" dirty="0" smtClean="0"/>
-              <a:t>Strings are defined with quotes: " " or ' '</a:t>
-            </a:r>
-            <a:endParaRPr lang="en-US" dirty="0"/>
+          <p:cNvPr id="5" name="TextBox 4"/>
+          <p:cNvSpPr txBox="1"/>
+          <p:nvPr/>
+        </p:nvSpPr>
+        <p:spPr>
+          <a:xfrm>
+            <a:off x="265716" y="1632754"/>
+            <a:ext cx="8158734" cy="5078314"/>
+          </a:xfrm>
+          <a:prstGeom prst="rect">
+            <a:avLst/>
+          </a:prstGeom>
+          <a:noFill/>
+        </p:spPr>
+        <p:txBody>
+          <a:bodyPr wrap="square" rtlCol="0">
+            <a:spAutoFit/>
+          </a:bodyPr>
+          <a:lstStyle/>
+          <a:p>
+            <a:r>
+              <a:rPr lang="en-US" dirty="0" smtClean="0">
+                <a:latin typeface="Monaco"/>
+                <a:cs typeface="Monaco"/>
+              </a:rPr>
+              <a:t># Define a list</a:t>
+            </a:r>
+          </a:p>
+          <a:p>
+            <a:r>
+              <a:rPr lang="en-US" dirty="0" smtClean="0">
+                <a:latin typeface="Monaco"/>
+                <a:cs typeface="Monaco"/>
+              </a:rPr>
+              <a:t>a = [1, 3, 5, 7, 9, 11, 13]</a:t>
+            </a:r>
+          </a:p>
+          <a:p>
+            <a:endParaRPr lang="en-US" dirty="0" smtClean="0">
+              <a:latin typeface="Monaco"/>
+              <a:cs typeface="Monaco"/>
+            </a:endParaRPr>
+          </a:p>
+          <a:p>
+            <a:r>
+              <a:rPr lang="en-US" dirty="0" smtClean="0">
+                <a:latin typeface="Monaco"/>
+                <a:cs typeface="Monaco"/>
+              </a:rPr>
+              <a:t># The </a:t>
+            </a:r>
+            <a:r>
+              <a:rPr lang="en-US" i="1" dirty="0" smtClean="0">
+                <a:latin typeface="Monaco"/>
+                <a:cs typeface="Monaco"/>
+              </a:rPr>
+              <a:t>.append()</a:t>
+            </a:r>
+            <a:r>
+              <a:rPr lang="en-US" dirty="0" smtClean="0">
+                <a:latin typeface="Monaco"/>
+                <a:cs typeface="Monaco"/>
+              </a:rPr>
+              <a:t> method adds a value to the end of the list</a:t>
+            </a:r>
+            <a:endParaRPr lang="en-US" dirty="0">
+              <a:latin typeface="Monaco"/>
+              <a:cs typeface="Monaco"/>
+            </a:endParaRPr>
+          </a:p>
+          <a:p>
+            <a:r>
+              <a:rPr lang="en-US" dirty="0" err="1" smtClean="0">
+                <a:latin typeface="Monaco"/>
+                <a:cs typeface="Monaco"/>
+              </a:rPr>
+              <a:t>a.append</a:t>
+            </a:r>
+            <a:r>
+              <a:rPr lang="en-US" dirty="0" smtClean="0">
+                <a:latin typeface="Monaco"/>
+                <a:cs typeface="Monaco"/>
+              </a:rPr>
+              <a:t>(15)</a:t>
+            </a:r>
+          </a:p>
+          <a:p>
+            <a:r>
+              <a:rPr lang="en-US" dirty="0" smtClean="0">
+                <a:latin typeface="Monaco"/>
+                <a:cs typeface="Monaco"/>
+              </a:rPr>
+              <a:t>print a</a:t>
+            </a:r>
+          </a:p>
+          <a:p>
+            <a:r>
+              <a:rPr lang="en-US" dirty="0">
+                <a:latin typeface="Monaco"/>
+                <a:cs typeface="Monaco"/>
+              </a:rPr>
+              <a:t>	</a:t>
+            </a:r>
+            <a:r>
+              <a:rPr lang="en-US" dirty="0">
+                <a:solidFill>
+                  <a:schemeClr val="bg1">
+                    <a:lumMod val="65000"/>
+                  </a:schemeClr>
+                </a:solidFill>
+                <a:latin typeface="Monaco"/>
+                <a:cs typeface="Monaco"/>
+              </a:rPr>
+              <a:t>[1, 3, 5, 7, 9, 11, </a:t>
+            </a:r>
+            <a:r>
+              <a:rPr lang="en-US" dirty="0" smtClean="0">
+                <a:solidFill>
+                  <a:schemeClr val="bg1">
+                    <a:lumMod val="65000"/>
+                  </a:schemeClr>
+                </a:solidFill>
+                <a:latin typeface="Monaco"/>
+                <a:cs typeface="Monaco"/>
+              </a:rPr>
+              <a:t>13, 15]</a:t>
+            </a:r>
+          </a:p>
+          <a:p>
+            <a:endParaRPr lang="en-US" dirty="0">
+              <a:solidFill>
+                <a:schemeClr val="bg1">
+                  <a:lumMod val="65000"/>
+                </a:schemeClr>
+              </a:solidFill>
+              <a:latin typeface="Monaco"/>
+              <a:cs typeface="Monaco"/>
+            </a:endParaRPr>
+          </a:p>
+          <a:p>
+            <a:r>
+              <a:rPr lang="en-US" dirty="0">
+                <a:latin typeface="Monaco"/>
+                <a:cs typeface="Monaco"/>
+              </a:rPr>
+              <a:t># The </a:t>
+            </a:r>
+            <a:r>
+              <a:rPr lang="en-US" i="1" dirty="0" smtClean="0">
+                <a:latin typeface="Monaco"/>
+                <a:cs typeface="Monaco"/>
+              </a:rPr>
+              <a:t>.index(</a:t>
+            </a:r>
+            <a:r>
+              <a:rPr lang="en-US" i="1" dirty="0">
+                <a:latin typeface="Monaco"/>
+                <a:cs typeface="Monaco"/>
+              </a:rPr>
+              <a:t>)</a:t>
+            </a:r>
+            <a:r>
+              <a:rPr lang="en-US" dirty="0">
+                <a:latin typeface="Monaco"/>
+                <a:cs typeface="Monaco"/>
+              </a:rPr>
+              <a:t> method </a:t>
+            </a:r>
+            <a:r>
+              <a:rPr lang="en-US" dirty="0" smtClean="0">
+                <a:latin typeface="Monaco"/>
+                <a:cs typeface="Monaco"/>
+              </a:rPr>
+              <a:t>extracts the index of a given value</a:t>
+            </a:r>
+          </a:p>
+          <a:p>
+            <a:r>
+              <a:rPr lang="en-US" dirty="0" smtClean="0">
+                <a:latin typeface="Monaco"/>
+                <a:cs typeface="Monaco"/>
+              </a:rPr>
+              <a:t>print </a:t>
+            </a:r>
+            <a:r>
+              <a:rPr lang="en-US" dirty="0" err="1" smtClean="0">
+                <a:latin typeface="Monaco"/>
+                <a:cs typeface="Monaco"/>
+              </a:rPr>
+              <a:t>a.index</a:t>
+            </a:r>
+            <a:r>
+              <a:rPr lang="en-US" dirty="0" smtClean="0">
+                <a:latin typeface="Monaco"/>
+                <a:cs typeface="Monaco"/>
+              </a:rPr>
+              <a:t>(3)</a:t>
+            </a:r>
+          </a:p>
+          <a:p>
+            <a:r>
+              <a:rPr lang="en-US" dirty="0" smtClean="0">
+                <a:latin typeface="Monaco"/>
+                <a:cs typeface="Monaco"/>
+              </a:rPr>
+              <a:t>	</a:t>
+            </a:r>
+            <a:r>
+              <a:rPr lang="en-US" dirty="0" smtClean="0">
+                <a:solidFill>
+                  <a:schemeClr val="bg1">
+                    <a:lumMod val="65000"/>
+                  </a:schemeClr>
+                </a:solidFill>
+                <a:latin typeface="Monaco"/>
+                <a:cs typeface="Monaco"/>
+              </a:rPr>
+              <a:t>1</a:t>
+            </a:r>
+          </a:p>
+          <a:p>
+            <a:endParaRPr lang="en-US" dirty="0">
+              <a:solidFill>
+                <a:schemeClr val="bg1">
+                  <a:lumMod val="65000"/>
+                </a:schemeClr>
+              </a:solidFill>
+              <a:latin typeface="Monaco"/>
+              <a:cs typeface="Monaco"/>
+            </a:endParaRPr>
+          </a:p>
+          <a:p>
+            <a:r>
+              <a:rPr lang="en-US" dirty="0">
+                <a:latin typeface="Monaco"/>
+                <a:cs typeface="Monaco"/>
+              </a:rPr>
+              <a:t># The </a:t>
+            </a:r>
+            <a:r>
+              <a:rPr lang="en-US" i="1" dirty="0" smtClean="0">
+                <a:latin typeface="Monaco"/>
+                <a:cs typeface="Monaco"/>
+              </a:rPr>
+              <a:t>.pop(</a:t>
+            </a:r>
+            <a:r>
+              <a:rPr lang="en-US" i="1" dirty="0">
+                <a:latin typeface="Monaco"/>
+                <a:cs typeface="Monaco"/>
+              </a:rPr>
+              <a:t>)</a:t>
+            </a:r>
+            <a:r>
+              <a:rPr lang="en-US" dirty="0">
+                <a:latin typeface="Monaco"/>
+                <a:cs typeface="Monaco"/>
+              </a:rPr>
+              <a:t> method </a:t>
+            </a:r>
+            <a:r>
+              <a:rPr lang="en-US" dirty="0" smtClean="0">
+                <a:latin typeface="Monaco"/>
+                <a:cs typeface="Monaco"/>
+              </a:rPr>
+              <a:t>removes a certain index from the list</a:t>
+            </a:r>
+            <a:endParaRPr lang="en-US" dirty="0">
+              <a:latin typeface="Monaco"/>
+              <a:cs typeface="Monaco"/>
+            </a:endParaRPr>
+          </a:p>
+          <a:p>
+            <a:r>
+              <a:rPr lang="en-US" dirty="0">
+                <a:latin typeface="Monaco"/>
+                <a:cs typeface="Monaco"/>
+              </a:rPr>
+              <a:t>print </a:t>
+            </a:r>
+            <a:r>
+              <a:rPr lang="en-US" dirty="0" err="1" smtClean="0">
+                <a:latin typeface="Monaco"/>
+                <a:cs typeface="Monaco"/>
+              </a:rPr>
+              <a:t>a.pop</a:t>
+            </a:r>
+            <a:r>
+              <a:rPr lang="en-US" dirty="0" smtClean="0">
+                <a:latin typeface="Monaco"/>
+                <a:cs typeface="Monaco"/>
+              </a:rPr>
+              <a:t>(1)</a:t>
+            </a:r>
+            <a:endParaRPr lang="en-US" dirty="0">
+              <a:latin typeface="Monaco"/>
+              <a:cs typeface="Monaco"/>
+            </a:endParaRPr>
+          </a:p>
+          <a:p>
+            <a:r>
+              <a:rPr lang="en-US" dirty="0">
+                <a:latin typeface="Monaco"/>
+                <a:cs typeface="Monaco"/>
+              </a:rPr>
+              <a:t>	</a:t>
+            </a:r>
+            <a:r>
+              <a:rPr lang="en-US" dirty="0" smtClean="0">
+                <a:solidFill>
+                  <a:schemeClr val="bg1">
+                    <a:lumMod val="65000"/>
+                  </a:schemeClr>
+                </a:solidFill>
+                <a:latin typeface="Monaco"/>
+                <a:cs typeface="Monaco"/>
+              </a:rPr>
+              <a:t>[1, 5, 7, 9, 11, 13]</a:t>
+            </a:r>
+          </a:p>
+          <a:p>
+            <a:endParaRPr lang="en-US" dirty="0">
+              <a:latin typeface="Monaco"/>
+              <a:cs typeface="Monaco"/>
+            </a:endParaRPr>
+          </a:p>
+          <a:p>
+            <a:r>
+              <a:rPr lang="en-US" dirty="0">
+                <a:latin typeface="Monaco"/>
+                <a:cs typeface="Monaco"/>
+              </a:rPr>
+              <a:t>print </a:t>
+            </a:r>
+            <a:r>
+              <a:rPr lang="en-US" dirty="0" err="1">
+                <a:latin typeface="Monaco"/>
+                <a:cs typeface="Monaco"/>
+              </a:rPr>
+              <a:t>a.pop</a:t>
+            </a:r>
+            <a:r>
+              <a:rPr lang="en-US" dirty="0" smtClean="0">
+                <a:latin typeface="Monaco"/>
+                <a:cs typeface="Monaco"/>
+              </a:rPr>
+              <a:t>() # Default behavior removes last index</a:t>
+            </a:r>
+            <a:endParaRPr lang="en-US" dirty="0">
+              <a:latin typeface="Monaco"/>
+              <a:cs typeface="Monaco"/>
+            </a:endParaRPr>
+          </a:p>
+          <a:p>
+            <a:r>
+              <a:rPr lang="en-US" dirty="0">
+                <a:latin typeface="Monaco"/>
+                <a:cs typeface="Monaco"/>
+              </a:rPr>
+              <a:t>	</a:t>
+            </a:r>
+            <a:r>
+              <a:rPr lang="en-US" dirty="0">
+                <a:solidFill>
+                  <a:schemeClr val="bg1">
+                    <a:lumMod val="65000"/>
+                  </a:schemeClr>
+                </a:solidFill>
+                <a:latin typeface="Monaco"/>
+                <a:cs typeface="Monaco"/>
+              </a:rPr>
+              <a:t>[1, </a:t>
+            </a:r>
+            <a:r>
+              <a:rPr lang="en-US" dirty="0" smtClean="0">
+                <a:solidFill>
+                  <a:schemeClr val="bg1">
+                    <a:lumMod val="65000"/>
+                  </a:schemeClr>
+                </a:solidFill>
+                <a:latin typeface="Monaco"/>
+                <a:cs typeface="Monaco"/>
+              </a:rPr>
+              <a:t>3, 5</a:t>
+            </a:r>
+            <a:r>
+              <a:rPr lang="en-US" dirty="0">
+                <a:solidFill>
+                  <a:schemeClr val="bg1">
+                    <a:lumMod val="65000"/>
+                  </a:schemeClr>
+                </a:solidFill>
+                <a:latin typeface="Monaco"/>
+                <a:cs typeface="Monaco"/>
+              </a:rPr>
+              <a:t>, 7, 9, </a:t>
+            </a:r>
+            <a:r>
+              <a:rPr lang="en-US" dirty="0" smtClean="0">
+                <a:solidFill>
+                  <a:schemeClr val="bg1">
+                    <a:lumMod val="65000"/>
+                  </a:schemeClr>
+                </a:solidFill>
+                <a:latin typeface="Monaco"/>
+                <a:cs typeface="Monaco"/>
+              </a:rPr>
+              <a:t>11]</a:t>
+            </a:r>
           </a:p>
         </p:txBody>
       </p:sp>
     </p:spTree>
     <p:extLst>
       <p:ext uri="{BB962C8B-B14F-4D97-AF65-F5344CB8AC3E}">
-        <p14:creationId xmlns:p14="http://schemas.microsoft.com/office/powerpoint/2010/main" val="1830553948"/>
+        <p14:creationId xmlns:p14="http://schemas.microsoft.com/office/powerpoint/2010/main" val="3967659267"/>
       </p:ext>
     </p:extLst>
   </p:cSld>
@@ -18174,80 +18232,6 @@
           </a:p>
         </p:txBody>
       </p:sp>
-      <p:sp>
-        <p:nvSpPr>
-          <p:cNvPr id="4" name="TextBox 3"/>
-          <p:cNvSpPr txBox="1"/>
-          <p:nvPr/>
-        </p:nvSpPr>
-        <p:spPr>
-          <a:xfrm>
-            <a:off x="622063" y="2372800"/>
-            <a:ext cx="7290705" cy="1754327"/>
-          </a:xfrm>
-          <a:prstGeom prst="rect">
-            <a:avLst/>
-          </a:prstGeom>
-          <a:noFill/>
-        </p:spPr>
-        <p:txBody>
-          <a:bodyPr wrap="square" rtlCol="0">
-            <a:spAutoFit/>
-          </a:bodyPr>
-          <a:lstStyle/>
-          <a:p>
-            <a:r>
-              <a:rPr lang="en-US" dirty="0" smtClean="0">
-                <a:latin typeface="Monaco"/>
-                <a:cs typeface="Monaco"/>
-              </a:rPr>
-              <a:t># Define some example strings</a:t>
-            </a:r>
-          </a:p>
-          <a:p>
-            <a:r>
-              <a:rPr lang="en-US" dirty="0" smtClean="0">
-                <a:latin typeface="Monaco"/>
-                <a:cs typeface="Monaco"/>
-              </a:rPr>
-              <a:t>a = "s"</a:t>
-            </a:r>
-          </a:p>
-          <a:p>
-            <a:r>
-              <a:rPr lang="en-US" dirty="0" smtClean="0">
-                <a:latin typeface="Monaco"/>
-                <a:cs typeface="Monaco"/>
-              </a:rPr>
-              <a:t>b = "python"</a:t>
-            </a:r>
-          </a:p>
-          <a:p>
-            <a:r>
-              <a:rPr lang="en-US" dirty="0" smtClean="0">
-                <a:latin typeface="Monaco"/>
-                <a:cs typeface="Monaco"/>
-              </a:rPr>
-              <a:t>c = "I love python!"</a:t>
-            </a:r>
-          </a:p>
-          <a:p>
-            <a:r>
-              <a:rPr lang="en-US" dirty="0" smtClean="0">
-                <a:latin typeface="Monaco"/>
-                <a:cs typeface="Monaco"/>
-              </a:rPr>
-              <a:t>d = "55"   </a:t>
-            </a:r>
-          </a:p>
-          <a:p>
-            <a:endParaRPr lang="en-US" dirty="0">
-              <a:latin typeface="Monaco"/>
-              <a:cs typeface="Monaco"/>
-            </a:endParaRPr>
-          </a:p>
-        </p:txBody>
-      </p:sp>
     </p:spTree>
     <p:extLst>
       <p:ext uri="{BB962C8B-B14F-4D97-AF65-F5344CB8AC3E}">
@@ -18402,44 +18386,6 @@
           </a:p>
         </p:txBody>
       </p:sp>
-      <p:sp>
-        <p:nvSpPr>
-          <p:cNvPr id="5" name="TextBox 4"/>
-          <p:cNvSpPr txBox="1"/>
-          <p:nvPr/>
-        </p:nvSpPr>
-        <p:spPr>
-          <a:xfrm>
-            <a:off x="1927938" y="3709373"/>
-            <a:ext cx="4011207" cy="369332"/>
-          </a:xfrm>
-          <a:prstGeom prst="rect">
-            <a:avLst/>
-          </a:prstGeom>
-          <a:noFill/>
-        </p:spPr>
-        <p:txBody>
-          <a:bodyPr wrap="square" rtlCol="0">
-            <a:spAutoFit/>
-          </a:bodyPr>
-          <a:lstStyle/>
-          <a:p>
-            <a:r>
-              <a:rPr lang="en-US" dirty="0" smtClean="0">
-                <a:solidFill>
-                  <a:srgbClr val="DC5924"/>
-                </a:solidFill>
-              </a:rPr>
-              <a:t>Why is d a string and not an integer?</a:t>
-            </a:r>
-            <a:endParaRPr lang="en-US" dirty="0">
-              <a:solidFill>
-                <a:srgbClr val="DC5924"/>
-              </a:solidFill>
-            </a:endParaRPr>
-          </a:p>
-        </p:txBody>
-      </p:sp>
     </p:spTree>
     <p:extLst>
       <p:ext uri="{BB962C8B-B14F-4D97-AF65-F5344CB8AC3E}">
@@ -18516,37 +18462,6 @@
               <a:rPr lang="en-US" dirty="0" smtClean="0"/>
               <a:t>Strings are defined with quotes: " " or ' '</a:t>
             </a:r>
-          </a:p>
-          <a:p>
-            <a:pPr marL="457200" indent="-457200">
-              <a:buFont typeface="Arial"/>
-              <a:buChar char="•"/>
-            </a:pPr>
-            <a:endParaRPr lang="en-US" dirty="0"/>
-          </a:p>
-          <a:p>
-            <a:pPr marL="457200" indent="-457200">
-              <a:buFont typeface="Arial"/>
-              <a:buChar char="•"/>
-            </a:pPr>
-            <a:endParaRPr lang="en-US" dirty="0" smtClean="0"/>
-          </a:p>
-          <a:p>
-            <a:pPr marL="457200" indent="-457200">
-              <a:buFont typeface="Arial"/>
-              <a:buChar char="•"/>
-            </a:pPr>
-            <a:endParaRPr lang="en-US" dirty="0"/>
-          </a:p>
-          <a:p>
-            <a:pPr marL="457200" indent="-457200">
-              <a:buFont typeface="Arial"/>
-              <a:buChar char="•"/>
-            </a:pPr>
-            <a:r>
-              <a:rPr lang="en-US" dirty="0" smtClean="0"/>
-              <a:t>We can index strings just like lists</a:t>
-            </a:r>
             <a:endParaRPr lang="en-US" dirty="0"/>
           </a:p>
         </p:txBody>
@@ -18560,7 +18475,7 @@
         <p:spPr>
           <a:xfrm>
             <a:off x="622063" y="2372800"/>
-            <a:ext cx="7290705" cy="1477328"/>
+            <a:ext cx="7290705" cy="1754327"/>
           </a:xfrm>
           <a:prstGeom prst="rect">
             <a:avLst/>
@@ -18617,12 +18532,56 @@
               <a:t>d = "55"   </a:t>
             </a:r>
           </a:p>
+          <a:p>
+            <a:endParaRPr lang="en-US" dirty="0">
+              <a:latin typeface="Monaco"/>
+              <a:cs typeface="Monaco"/>
+            </a:endParaRPr>
+          </a:p>
+        </p:txBody>
+      </p:sp>
+      <p:sp>
+        <p:nvSpPr>
+          <p:cNvPr id="5" name="TextBox 4"/>
+          <p:cNvSpPr txBox="1"/>
+          <p:nvPr/>
+        </p:nvSpPr>
+        <p:spPr>
+          <a:xfrm>
+            <a:off x="1927938" y="3709373"/>
+            <a:ext cx="4011207" cy="369332"/>
+          </a:xfrm>
+          <a:prstGeom prst="rect">
+            <a:avLst/>
+          </a:prstGeom>
+          <a:noFill/>
+        </p:spPr>
+        <p:txBody>
+          <a:bodyPr wrap="square" rtlCol="0">
+            <a:spAutoFit/>
+          </a:bodyPr>
+          <a:lstStyle/>
+          <a:p>
+            <a:r>
+              <a:rPr lang="en-US" dirty="0" smtClean="0">
+                <a:solidFill>
+                  <a:srgbClr val="DC5924"/>
+                </a:solidFill>
+              </a:rPr>
+              <a:t>Why is d a string and not an integer?</a:t>
+            </a:r>
+            <a:endParaRPr lang="en-US" dirty="0">
+              <a:solidFill>
+                <a:srgbClr val="DC5924"/>
+              </a:solidFill>
+            </a:endParaRPr>
+          </a:p>
         </p:txBody>
       </p:sp>
     </p:spTree>
     <p:extLst>
       <p:ext uri="{BB962C8B-B14F-4D97-AF65-F5344CB8AC3E}">
-        <p14:creationId xmlns:p14="http://schemas.microsoft.com/office/powerpoint/2010/main" val="4289337340"/>
+        <p14:creationId xmlns:p14="http://schemas.microsoft.com/office/powerpoint/2010/main" val="1830553948"/>
       </p:ext>
     </p:extLst>
   </p:cSld>
@@ -18798,100 +18757,10 @@
           </a:p>
         </p:txBody>
       </p:sp>
-      <p:sp>
-        <p:nvSpPr>
-          <p:cNvPr id="6" name="TextBox 5"/>
-          <p:cNvSpPr txBox="1"/>
-          <p:nvPr/>
-        </p:nvSpPr>
-        <p:spPr>
-          <a:xfrm>
-            <a:off x="622063" y="4769194"/>
-            <a:ext cx="7081289" cy="1754327"/>
-          </a:xfrm>
-          <a:prstGeom prst="rect">
-            <a:avLst/>
-          </a:prstGeom>
-          <a:noFill/>
-        </p:spPr>
-        <p:txBody>
-          <a:bodyPr wrap="square" rtlCol="0">
-            <a:spAutoFit/>
-          </a:bodyPr>
-          <a:lstStyle/>
-          <a:p>
-            <a:r>
-              <a:rPr lang="en-US" dirty="0">
-                <a:latin typeface="Monaco"/>
-                <a:cs typeface="Monaco"/>
-              </a:rPr>
-              <a:t>print b[3] # the printed value is also a string</a:t>
-            </a:r>
-          </a:p>
-          <a:p>
-            <a:r>
-              <a:rPr lang="en-US" dirty="0">
-                <a:latin typeface="Monaco"/>
-                <a:cs typeface="Monaco"/>
-              </a:rPr>
-              <a:t>	</a:t>
-            </a:r>
-            <a:r>
-              <a:rPr lang="en-US" dirty="0">
-                <a:solidFill>
-                  <a:schemeClr val="bg1">
-                    <a:lumMod val="65000"/>
-                  </a:schemeClr>
-                </a:solidFill>
-                <a:latin typeface="Monaco"/>
-                <a:cs typeface="Monaco"/>
-              </a:rPr>
-              <a:t>h</a:t>
-            </a:r>
-          </a:p>
-          <a:p>
-            <a:endParaRPr lang="en-US" dirty="0">
-              <a:solidFill>
-                <a:schemeClr val="bg1">
-                  <a:lumMod val="65000"/>
-                </a:schemeClr>
-              </a:solidFill>
-              <a:latin typeface="Monaco"/>
-              <a:cs typeface="Monaco"/>
-            </a:endParaRPr>
-          </a:p>
-          <a:p>
-            <a:r>
-              <a:rPr lang="en-US" dirty="0">
-                <a:latin typeface="Monaco"/>
-                <a:cs typeface="Monaco"/>
-              </a:rPr>
-              <a:t>print c[:6]</a:t>
-            </a:r>
-          </a:p>
-          <a:p>
-            <a:r>
-              <a:rPr lang="en-US" dirty="0">
-                <a:solidFill>
-                  <a:schemeClr val="bg1">
-                    <a:lumMod val="65000"/>
-                  </a:schemeClr>
-                </a:solidFill>
-                <a:latin typeface="Monaco"/>
-                <a:cs typeface="Monaco"/>
-              </a:rPr>
-              <a:t>   I love</a:t>
-            </a:r>
-          </a:p>
-          <a:p>
-            <a:endParaRPr lang="en-US" dirty="0"/>
-          </a:p>
-        </p:txBody>
-      </p:sp>
     </p:spTree>
     <p:extLst>
       <p:ext uri="{BB962C8B-B14F-4D97-AF65-F5344CB8AC3E}">
-        <p14:creationId xmlns:p14="http://schemas.microsoft.com/office/powerpoint/2010/main" val="1041029823"/>
+        <p14:creationId xmlns:p14="http://schemas.microsoft.com/office/powerpoint/2010/main" val="4289337340"/>
       </p:ext>
     </p:extLst>
   </p:cSld>
@@ -18928,34 +18797,87 @@
             <p:ph type="title"/>
           </p:nvPr>
         </p:nvSpPr>
+        <p:spPr/>
+        <p:txBody>
+          <a:bodyPr/>
+          <a:lstStyle/>
+          <a:p>
+            <a:r>
+              <a:rPr lang="en-US" dirty="0" smtClean="0"/>
+              <a:t>python strings</a:t>
+            </a:r>
+            <a:endParaRPr lang="en-US" dirty="0"/>
+          </a:p>
+        </p:txBody>
+      </p:sp>
+      <p:sp>
+        <p:nvSpPr>
+          <p:cNvPr id="3" name="Content Placeholder 2"/>
+          <p:cNvSpPr>
+            <a:spLocks noGrp="1"/>
+          </p:cNvSpPr>
+          <p:nvPr>
+            <p:ph idx="1"/>
+          </p:nvPr>
+        </p:nvSpPr>
+        <p:spPr/>
+        <p:txBody>
+          <a:bodyPr/>
+          <a:lstStyle/>
+          <a:p>
+            <a:pPr marL="457200" indent="-457200">
+              <a:buFont typeface="Arial"/>
+              <a:buChar char="•"/>
+            </a:pPr>
+            <a:r>
+              <a:rPr lang="en-US" dirty="0" smtClean="0"/>
+              <a:t>Strings are defined with quotes: " " or ' '</a:t>
+            </a:r>
+          </a:p>
+          <a:p>
+            <a:pPr marL="457200" indent="-457200">
+              <a:buFont typeface="Arial"/>
+              <a:buChar char="•"/>
+            </a:pPr>
+            <a:endParaRPr lang="en-US" dirty="0"/>
+          </a:p>
+          <a:p>
+            <a:pPr marL="457200" indent="-457200">
+              <a:buFont typeface="Arial"/>
+              <a:buChar char="•"/>
+            </a:pPr>
+            <a:endParaRPr lang="en-US" dirty="0" smtClean="0"/>
+          </a:p>
+          <a:p>
+            <a:pPr marL="457200" indent="-457200">
+              <a:buFont typeface="Arial"/>
+              <a:buChar char="•"/>
+            </a:pPr>
+            <a:endParaRPr lang="en-US" dirty="0"/>
+          </a:p>
+          <a:p>
+            <a:pPr marL="457200" indent="-457200">
+              <a:buFont typeface="Arial"/>
+              <a:buChar char="•"/>
+            </a:pPr>
+            <a:r>
+              <a:rPr lang="en-US" dirty="0" smtClean="0"/>
+              <a:t>We can index strings just like lists</a:t>
+            </a:r>
+            <a:endParaRPr lang="en-US" dirty="0"/>
+          </a:p>
+        </p:txBody>
+      </p:sp>
+      <p:sp>
+        <p:nvSpPr>
+          <p:cNvPr id="4" name="TextBox 3"/>
+          <p:cNvSpPr txBox="1"/>
+          <p:nvPr/>
+        </p:nvSpPr>
         <p:spPr>
           <a:xfrm>
-            <a:off x="457198" y="228409"/>
-            <a:ext cx="7327651" cy="702043"/>
-          </a:xfrm>
-        </p:spPr>
-        <p:txBody>
-          <a:bodyPr/>
-          <a:lstStyle/>
-          <a:p>
-            <a:r>
-              <a:rPr lang="en-US" dirty="0" smtClean="0"/>
-              <a:t>common string methods</a:t>
-            </a:r>
-            <a:endParaRPr lang="en-US" dirty="0"/>
-          </a:p>
-        </p:txBody>
-      </p:sp>
-      <p:sp>
-        <p:nvSpPr>
-          <p:cNvPr id="5" name="TextBox 4"/>
-          <p:cNvSpPr txBox="1"/>
-          <p:nvPr/>
-        </p:nvSpPr>
-        <p:spPr>
-          <a:xfrm>
-            <a:off x="265716" y="1058326"/>
-            <a:ext cx="8643002" cy="646331"/>
+            <a:off x="622063" y="2372800"/>
+            <a:ext cx="7290705" cy="1477328"/>
           </a:xfrm>
           <a:prstGeom prst="rect">
             <a:avLst/>
@@ -18973,31 +18895,141 @@
                 <a:latin typeface="Monaco"/>
                 <a:cs typeface="Monaco"/>
               </a:rPr>
-              <a:t># Define a string</a:t>
-            </a:r>
-          </a:p>
+              <a:t># Define some example strings</a:t>
+            </a:r>
+          </a:p>
+          <a:p>
+            <a:r>
+              <a:rPr lang="en-US" dirty="0" smtClean="0">
+                <a:latin typeface="Monaco"/>
+                <a:cs typeface="Monaco"/>
+              </a:rPr>
+              <a:t>a = "s"</a:t>
+            </a:r>
+          </a:p>
+          <a:p>
+            <a:r>
+              <a:rPr lang="en-US" dirty="0" smtClean="0">
+                <a:latin typeface="Monaco"/>
+                <a:cs typeface="Monaco"/>
+              </a:rPr>
+              <a:t>b = "python"</a:t>
+            </a:r>
+          </a:p>
+          <a:p>
+            <a:r>
+              <a:rPr lang="en-US" dirty="0" smtClean="0">
+                <a:latin typeface="Monaco"/>
+                <a:cs typeface="Monaco"/>
+              </a:rPr>
+              <a:t>c = "I love python!"</a:t>
+            </a:r>
+          </a:p>
+          <a:p>
+            <a:r>
+              <a:rPr lang="en-US" dirty="0" smtClean="0">
+                <a:latin typeface="Monaco"/>
+                <a:cs typeface="Monaco"/>
+              </a:rPr>
+              <a:t>d = "55"   </a:t>
+            </a:r>
+          </a:p>
+        </p:txBody>
+      </p:sp>
+      <p:sp>
+        <p:nvSpPr>
+          <p:cNvPr id="6" name="TextBox 5"/>
+          <p:cNvSpPr txBox="1"/>
+          <p:nvPr/>
+        </p:nvSpPr>
+        <p:spPr>
+          <a:xfrm>
+            <a:off x="622063" y="4769194"/>
+            <a:ext cx="7081289" cy="1754327"/>
+          </a:xfrm>
+          <a:prstGeom prst="rect">
+            <a:avLst/>
+          </a:prstGeom>
+          <a:noFill/>
+        </p:spPr>
+        <p:txBody>
+          <a:bodyPr wrap="square" rtlCol="0">
+            <a:spAutoFit/>
+          </a:bodyPr>
+          <a:lstStyle/>
           <a:p>
             <a:r>
               <a:rPr lang="en-US" dirty="0">
                 <a:latin typeface="Monaco"/>
                 <a:cs typeface="Monaco"/>
               </a:rPr>
-              <a:t>s</a:t>
-            </a:r>
-            <a:r>
-              <a:rPr lang="en-US" dirty="0" smtClean="0">
-                <a:latin typeface="Monaco"/>
-                <a:cs typeface="Monaco"/>
-              </a:rPr>
-              <a:t> = "This is an example string."</a:t>
-            </a:r>
+              <a:t>print b[3] # the printed value is also a string</a:t>
+            </a:r>
+          </a:p>
+          <a:p>
+            <a:r>
+              <a:rPr lang="en-US" dirty="0">
+                <a:latin typeface="Monaco"/>
+                <a:cs typeface="Monaco"/>
+              </a:rPr>
+              <a:t>	</a:t>
+            </a:r>
+            <a:r>
+              <a:rPr lang="en-US" dirty="0">
+                <a:solidFill>
+                  <a:schemeClr val="bg1">
+                    <a:lumMod val="65000"/>
+                  </a:schemeClr>
+                </a:solidFill>
+                <a:latin typeface="Monaco"/>
+                <a:cs typeface="Monaco"/>
+              </a:rPr>
+              <a:t>h</a:t>
+            </a:r>
+          </a:p>
+          <a:p>
+            <a:endParaRPr lang="en-US" dirty="0">
+              <a:solidFill>
+                <a:schemeClr val="bg1">
+                  <a:lumMod val="65000"/>
+                </a:schemeClr>
+              </a:solidFill>
+              <a:latin typeface="Monaco"/>
+              <a:cs typeface="Monaco"/>
+            </a:endParaRPr>
+          </a:p>
+          <a:p>
+            <a:r>
+              <a:rPr lang="en-US" dirty="0">
+                <a:latin typeface="Monaco"/>
+                <a:cs typeface="Monaco"/>
+              </a:rPr>
+              <a:t>print c[:6]</a:t>
+            </a:r>
+          </a:p>
+          <a:p>
+            <a:r>
+              <a:rPr lang="en-US" dirty="0">
+                <a:solidFill>
+                  <a:schemeClr val="bg1">
+                    <a:lumMod val="65000"/>
+                  </a:schemeClr>
+                </a:solidFill>
+                <a:latin typeface="Monaco"/>
+                <a:cs typeface="Monaco"/>
+              </a:rPr>
+              <a:t>   I love</a:t>
+            </a:r>
+          </a:p>
+          <a:p>
+            <a:endParaRPr lang="en-US" dirty="0"/>
           </a:p>
         </p:txBody>
       </p:sp>
     </p:spTree>
     <p:extLst>
       <p:ext uri="{BB962C8B-B14F-4D97-AF65-F5344CB8AC3E}">
-        <p14:creationId xmlns:p14="http://schemas.microsoft.com/office/powerpoint/2010/main" val="143305919"/>
+        <p14:creationId xmlns:p14="http://schemas.microsoft.com/office/powerpoint/2010/main" val="1041029823"/>
       </p:ext>
     </p:extLst>
   </p:cSld>
@@ -19061,7 +19093,7 @@
         <p:spPr>
           <a:xfrm>
             <a:off x="265716" y="1058326"/>
-            <a:ext cx="8643002" cy="1754327"/>
+            <a:ext cx="8643002" cy="646331"/>
           </a:xfrm>
           <a:prstGeom prst="rect">
             <a:avLst/>
@@ -19096,83 +19128,6 @@
                 <a:cs typeface="Monaco"/>
               </a:rPr>
               <a:t> = "This is an example string."</a:t>
-            </a:r>
-          </a:p>
-          <a:p>
-            <a:endParaRPr lang="en-US" dirty="0">
-              <a:latin typeface="Monaco"/>
-              <a:cs typeface="Monaco"/>
-            </a:endParaRPr>
-          </a:p>
-          <a:p>
-            <a:r>
-              <a:rPr lang="en-US" dirty="0" smtClean="0">
-                <a:latin typeface="Monaco"/>
-                <a:cs typeface="Monaco"/>
-              </a:rPr>
-              <a:t># The </a:t>
-            </a:r>
-            <a:r>
-              <a:rPr lang="en-US" i="1" dirty="0" smtClean="0">
-                <a:latin typeface="Monaco"/>
-                <a:cs typeface="Monaco"/>
-              </a:rPr>
-              <a:t>.upper()</a:t>
-            </a:r>
-            <a:r>
-              <a:rPr lang="en-US" dirty="0" smtClean="0">
-                <a:latin typeface="Monaco"/>
-                <a:cs typeface="Monaco"/>
-              </a:rPr>
-              <a:t> method makes the string uppercase</a:t>
-            </a:r>
-            <a:endParaRPr lang="en-US" dirty="0">
-              <a:latin typeface="Monaco"/>
-              <a:cs typeface="Monaco"/>
-            </a:endParaRPr>
-          </a:p>
-          <a:p>
-            <a:r>
-              <a:rPr lang="en-US" dirty="0" smtClean="0">
-                <a:latin typeface="Monaco"/>
-                <a:cs typeface="Monaco"/>
-              </a:rPr>
-              <a:t>print </a:t>
-            </a:r>
-            <a:r>
-              <a:rPr lang="en-US" dirty="0" err="1" smtClean="0">
-                <a:latin typeface="Monaco"/>
-                <a:cs typeface="Monaco"/>
-              </a:rPr>
-              <a:t>s.upper</a:t>
-            </a:r>
-            <a:r>
-              <a:rPr lang="en-US" dirty="0" smtClean="0">
-                <a:latin typeface="Monaco"/>
-                <a:cs typeface="Monaco"/>
-              </a:rPr>
-              <a:t>()</a:t>
-            </a:r>
-          </a:p>
-          <a:p>
-            <a:r>
-              <a:rPr lang="en-US" dirty="0">
-                <a:latin typeface="Monaco"/>
-                <a:cs typeface="Monaco"/>
-              </a:rPr>
-              <a:t>	</a:t>
-            </a:r>
-            <a:r>
-              <a:rPr lang="en-US" dirty="0" smtClean="0">
-                <a:solidFill>
-                  <a:schemeClr val="bg1">
-                    <a:lumMod val="65000"/>
-                  </a:schemeClr>
-                </a:solidFill>
-                <a:latin typeface="Monaco"/>
-                <a:cs typeface="Monaco"/>
-              </a:rPr>
-              <a:t>THIS IS AN EXAMPLE STRING.</a:t>
             </a:r>
           </a:p>
         </p:txBody>
@@ -19244,7 +19199,7 @@
         <p:spPr>
           <a:xfrm>
             <a:off x="265716" y="1058326"/>
-            <a:ext cx="8643002" cy="3416320"/>
+            <a:ext cx="8643002" cy="1754327"/>
           </a:xfrm>
           <a:prstGeom prst="rect">
             <a:avLst/>
@@ -19357,131 +19312,6 @@
               </a:rPr>
               <a:t>THIS IS AN EXAMPLE STRING.</a:t>
             </a:r>
-          </a:p>
-          <a:p>
-            <a:endParaRPr lang="en-US" dirty="0">
-              <a:solidFill>
-                <a:schemeClr val="bg1">
-                  <a:lumMod val="65000"/>
-                </a:schemeClr>
-              </a:solidFill>
-              <a:latin typeface="Monaco"/>
-              <a:cs typeface="Monaco"/>
-            </a:endParaRPr>
-          </a:p>
-          <a:p>
-            <a:r>
-              <a:rPr lang="en-US" dirty="0">
-                <a:latin typeface="Monaco"/>
-                <a:cs typeface="Monaco"/>
-              </a:rPr>
-              <a:t># The </a:t>
-            </a:r>
-            <a:r>
-              <a:rPr lang="en-US" i="1" dirty="0" smtClean="0">
-                <a:latin typeface="Monaco"/>
-                <a:cs typeface="Monaco"/>
-              </a:rPr>
-              <a:t>.lower(</a:t>
-            </a:r>
-            <a:r>
-              <a:rPr lang="en-US" i="1" dirty="0">
-                <a:latin typeface="Monaco"/>
-                <a:cs typeface="Monaco"/>
-              </a:rPr>
-              <a:t>)</a:t>
-            </a:r>
-            <a:r>
-              <a:rPr lang="en-US" dirty="0">
-                <a:latin typeface="Monaco"/>
-                <a:cs typeface="Monaco"/>
-              </a:rPr>
-              <a:t> method makes the string </a:t>
-            </a:r>
-            <a:r>
-              <a:rPr lang="en-US" dirty="0" smtClean="0">
-                <a:latin typeface="Monaco"/>
-                <a:cs typeface="Monaco"/>
-              </a:rPr>
-              <a:t>lowercase</a:t>
-            </a:r>
-            <a:endParaRPr lang="en-US" dirty="0">
-              <a:latin typeface="Monaco"/>
-              <a:cs typeface="Monaco"/>
-            </a:endParaRPr>
-          </a:p>
-          <a:p>
-            <a:r>
-              <a:rPr lang="en-US" dirty="0">
-                <a:latin typeface="Monaco"/>
-                <a:cs typeface="Monaco"/>
-              </a:rPr>
-              <a:t>print </a:t>
-            </a:r>
-            <a:r>
-              <a:rPr lang="en-US" dirty="0" err="1" smtClean="0">
-                <a:latin typeface="Monaco"/>
-                <a:cs typeface="Monaco"/>
-              </a:rPr>
-              <a:t>s.lower</a:t>
-            </a:r>
-            <a:r>
-              <a:rPr lang="en-US" dirty="0" smtClean="0">
-                <a:latin typeface="Monaco"/>
-                <a:cs typeface="Monaco"/>
-              </a:rPr>
-              <a:t>(</a:t>
-            </a:r>
-            <a:r>
-              <a:rPr lang="en-US" dirty="0">
-                <a:latin typeface="Monaco"/>
-                <a:cs typeface="Monaco"/>
-              </a:rPr>
-              <a:t>)</a:t>
-            </a:r>
-          </a:p>
-          <a:p>
-            <a:r>
-              <a:rPr lang="en-US" dirty="0">
-                <a:latin typeface="Monaco"/>
-                <a:cs typeface="Monaco"/>
-              </a:rPr>
-              <a:t>	</a:t>
-            </a:r>
-            <a:r>
-              <a:rPr lang="en-US" dirty="0" smtClean="0">
-                <a:solidFill>
-                  <a:schemeClr val="bg1">
-                    <a:lumMod val="65000"/>
-                  </a:schemeClr>
-                </a:solidFill>
-                <a:latin typeface="Monaco"/>
-                <a:cs typeface="Monaco"/>
-              </a:rPr>
-              <a:t>this is an example string.</a:t>
-            </a:r>
-          </a:p>
-          <a:p>
-            <a:endParaRPr lang="en-US" dirty="0">
-              <a:solidFill>
-                <a:schemeClr val="bg1">
-                  <a:lumMod val="65000"/>
-                </a:schemeClr>
-              </a:solidFill>
-              <a:latin typeface="Monaco"/>
-              <a:cs typeface="Monaco"/>
-            </a:endParaRPr>
-          </a:p>
-          <a:p>
-            <a:endParaRPr lang="en-US" dirty="0">
-              <a:solidFill>
-                <a:schemeClr val="bg1">
-                  <a:lumMod val="65000"/>
-                </a:schemeClr>
-              </a:solidFill>
-              <a:latin typeface="Monaco"/>
-              <a:cs typeface="Monaco"/>
-            </a:endParaRPr>
           </a:p>
         </p:txBody>
       </p:sp>
@@ -19552,7 +19382,7 @@
         <p:spPr>
           <a:xfrm>
             <a:off x="265716" y="1058326"/>
-            <a:ext cx="8643002" cy="4524316"/>
+            <a:ext cx="8643002" cy="3416320"/>
           </a:xfrm>
           <a:prstGeom prst="rect">
             <a:avLst/>
@@ -19767,121 +19597,6 @@
                 <a:cs typeface="Monaco"/>
               </a:rPr>
               <a:t>this is an example string.</a:t>
-            </a:r>
-          </a:p>
-          <a:p>
-            <a:endParaRPr lang="en-US" dirty="0">
-              <a:solidFill>
-                <a:schemeClr val="bg1">
-                  <a:lumMod val="65000"/>
-                </a:schemeClr>
-              </a:solidFill>
-              <a:latin typeface="Monaco"/>
-              <a:cs typeface="Monaco"/>
-            </a:endParaRPr>
-          </a:p>
-          <a:p>
-            <a:r>
-              <a:rPr lang="en-US" dirty="0">
-                <a:latin typeface="Monaco"/>
-                <a:cs typeface="Monaco"/>
-              </a:rPr>
-              <a:t># The </a:t>
-            </a:r>
-            <a:r>
-              <a:rPr lang="en-US" i="1" dirty="0" smtClean="0">
-                <a:latin typeface="Monaco"/>
-                <a:cs typeface="Monaco"/>
-              </a:rPr>
-              <a:t>.count(</a:t>
-            </a:r>
-            <a:r>
-              <a:rPr lang="en-US" i="1" dirty="0">
-                <a:latin typeface="Monaco"/>
-                <a:cs typeface="Monaco"/>
-              </a:rPr>
-              <a:t>)</a:t>
-            </a:r>
-            <a:r>
-              <a:rPr lang="en-US" dirty="0">
-                <a:latin typeface="Monaco"/>
-                <a:cs typeface="Monaco"/>
-              </a:rPr>
-              <a:t> </a:t>
-            </a:r>
-            <a:r>
-              <a:rPr lang="en-US" dirty="0" smtClean="0">
-                <a:latin typeface="Monaco"/>
-                <a:cs typeface="Monaco"/>
-              </a:rPr>
-              <a:t>method counts occurrences of a given character</a:t>
-            </a:r>
-            <a:endParaRPr lang="en-US" dirty="0">
-              <a:latin typeface="Monaco"/>
-              <a:cs typeface="Monaco"/>
-            </a:endParaRPr>
-          </a:p>
-          <a:p>
-            <a:r>
-              <a:rPr lang="en-US" dirty="0">
-                <a:latin typeface="Monaco"/>
-                <a:cs typeface="Monaco"/>
-              </a:rPr>
-              <a:t>print </a:t>
-            </a:r>
-            <a:r>
-              <a:rPr lang="en-US" dirty="0" err="1" smtClean="0">
-                <a:latin typeface="Monaco"/>
-                <a:cs typeface="Monaco"/>
-              </a:rPr>
-              <a:t>s.count</a:t>
-            </a:r>
-            <a:r>
-              <a:rPr lang="en-US" dirty="0" smtClean="0">
-                <a:latin typeface="Monaco"/>
-                <a:cs typeface="Monaco"/>
-              </a:rPr>
-              <a:t>("</a:t>
-            </a:r>
-            <a:r>
-              <a:rPr lang="en-US" dirty="0" err="1" smtClean="0">
-                <a:latin typeface="Monaco"/>
-                <a:cs typeface="Monaco"/>
-              </a:rPr>
-              <a:t>i</a:t>
-            </a:r>
-            <a:r>
-              <a:rPr lang="en-US" dirty="0" smtClean="0">
-                <a:latin typeface="Monaco"/>
-                <a:cs typeface="Monaco"/>
-              </a:rPr>
-              <a:t>")</a:t>
-            </a:r>
-          </a:p>
-          <a:p>
-            <a:r>
-              <a:rPr lang="en-US" dirty="0">
-                <a:solidFill>
-                  <a:schemeClr val="bg1">
-                    <a:lumMod val="65000"/>
-                  </a:schemeClr>
-                </a:solidFill>
-                <a:latin typeface="Monaco"/>
-                <a:cs typeface="Monaco"/>
-              </a:rPr>
-              <a:t> </a:t>
-            </a:r>
-            <a:r>
-              <a:rPr lang="en-US" dirty="0" smtClean="0">
-                <a:solidFill>
-                  <a:schemeClr val="bg1">
-                    <a:lumMod val="65000"/>
-                  </a:schemeClr>
-                </a:solidFill>
-                <a:latin typeface="Monaco"/>
-                <a:cs typeface="Monaco"/>
-              </a:rPr>
-              <a:t>   3</a:t>
             </a:r>
           </a:p>
           <a:p>
@@ -19975,7 +19690,7 @@
         <p:spPr>
           <a:xfrm>
             <a:off x="265716" y="1058326"/>
-            <a:ext cx="8643002" cy="5632312"/>
+            <a:ext cx="8643002" cy="4524316"/>
           </a:xfrm>
           <a:prstGeom prst="rect">
             <a:avLst/>
@@ -20306,198 +20021,6 @@
               </a:rPr>
               <a:t>   3</a:t>
             </a:r>
-          </a:p>
-          <a:p>
-            <a:endParaRPr lang="en-US" dirty="0">
-              <a:solidFill>
-                <a:schemeClr val="bg1">
-                  <a:lumMod val="65000"/>
-                </a:schemeClr>
-              </a:solidFill>
-              <a:latin typeface="Monaco"/>
-              <a:cs typeface="Monaco"/>
-            </a:endParaRPr>
-          </a:p>
-          <a:p>
-            <a:r>
-              <a:rPr lang="en-US" dirty="0">
-                <a:latin typeface="Monaco"/>
-                <a:cs typeface="Monaco"/>
-              </a:rPr>
-              <a:t># The </a:t>
-            </a:r>
-            <a:r>
-              <a:rPr lang="en-US" i="1" dirty="0" smtClean="0">
-                <a:latin typeface="Monaco"/>
-                <a:cs typeface="Monaco"/>
-              </a:rPr>
-              <a:t>.split(</a:t>
-            </a:r>
-            <a:r>
-              <a:rPr lang="en-US" i="1" dirty="0">
-                <a:latin typeface="Monaco"/>
-                <a:cs typeface="Monaco"/>
-              </a:rPr>
-              <a:t>)</a:t>
-            </a:r>
-            <a:r>
-              <a:rPr lang="en-US" dirty="0">
-                <a:latin typeface="Monaco"/>
-                <a:cs typeface="Monaco"/>
-              </a:rPr>
-              <a:t> method </a:t>
-            </a:r>
-            <a:r>
-              <a:rPr lang="en-US" dirty="0" smtClean="0">
-                <a:latin typeface="Monaco"/>
-                <a:cs typeface="Monaco"/>
-              </a:rPr>
-              <a:t>splits on a character, returns a list</a:t>
-            </a:r>
-          </a:p>
-          <a:p>
-            <a:r>
-              <a:rPr lang="en-US" dirty="0" smtClean="0">
-                <a:latin typeface="Monaco"/>
-                <a:cs typeface="Monaco"/>
-              </a:rPr>
-              <a:t>print </a:t>
-            </a:r>
-            <a:r>
-              <a:rPr lang="en-US" dirty="0" err="1" smtClean="0">
-                <a:latin typeface="Monaco"/>
-                <a:cs typeface="Monaco"/>
-              </a:rPr>
-              <a:t>s.split</a:t>
-            </a:r>
-            <a:r>
-              <a:rPr lang="en-US" dirty="0" smtClean="0">
-                <a:latin typeface="Monaco"/>
-                <a:cs typeface="Monaco"/>
-              </a:rPr>
-              <a:t>("</a:t>
-            </a:r>
-            <a:r>
-              <a:rPr lang="en-US" dirty="0" err="1" smtClean="0">
-                <a:latin typeface="Monaco"/>
-                <a:cs typeface="Monaco"/>
-              </a:rPr>
-              <a:t>i</a:t>
-            </a:r>
-            <a:r>
-              <a:rPr lang="en-US" dirty="0" smtClean="0">
-                <a:latin typeface="Monaco"/>
-                <a:cs typeface="Monaco"/>
-              </a:rPr>
-              <a:t>")</a:t>
-            </a:r>
-          </a:p>
-          <a:p>
-            <a:r>
-              <a:rPr lang="en-US" dirty="0">
-                <a:solidFill>
-                  <a:schemeClr val="bg1">
-                    <a:lumMod val="65000"/>
-                  </a:schemeClr>
-                </a:solidFill>
-                <a:latin typeface="Monaco"/>
-                <a:cs typeface="Monaco"/>
-              </a:rPr>
-              <a:t>	</a:t>
-            </a:r>
-            <a:r>
-              <a:rPr lang="en-US" dirty="0" smtClean="0">
-                <a:solidFill>
-                  <a:schemeClr val="bg1">
-                    <a:lumMod val="65000"/>
-                  </a:schemeClr>
-                </a:solidFill>
-                <a:latin typeface="Monaco"/>
-                <a:cs typeface="Monaco"/>
-              </a:rPr>
-              <a:t>["</a:t>
-            </a:r>
-            <a:r>
-              <a:rPr lang="en-US" dirty="0" err="1" smtClean="0">
-                <a:solidFill>
-                  <a:schemeClr val="bg1">
-                    <a:lumMod val="65000"/>
-                  </a:schemeClr>
-                </a:solidFill>
-                <a:latin typeface="Monaco"/>
-                <a:cs typeface="Monaco"/>
-              </a:rPr>
-              <a:t>Th</a:t>
-            </a:r>
-            <a:r>
-              <a:rPr lang="en-US" dirty="0" smtClean="0">
-                <a:solidFill>
-                  <a:schemeClr val="bg1">
-                    <a:lumMod val="65000"/>
-                  </a:schemeClr>
-                </a:solidFill>
-                <a:latin typeface="Monaco"/>
-                <a:cs typeface="Monaco"/>
-              </a:rPr>
-              <a:t>", "s ", "s an example </a:t>
-            </a:r>
-            <a:r>
-              <a:rPr lang="en-US" dirty="0" err="1" smtClean="0">
-                <a:solidFill>
-                  <a:schemeClr val="bg1">
-                    <a:lumMod val="65000"/>
-                  </a:schemeClr>
-                </a:solidFill>
-                <a:latin typeface="Monaco"/>
-                <a:cs typeface="Monaco"/>
-              </a:rPr>
-              <a:t>str</a:t>
-            </a:r>
-            <a:r>
-              <a:rPr lang="en-US" dirty="0" smtClean="0">
-                <a:solidFill>
-                  <a:schemeClr val="bg1">
-                    <a:lumMod val="65000"/>
-                  </a:schemeClr>
-                </a:solidFill>
-                <a:latin typeface="Monaco"/>
-                <a:cs typeface="Monaco"/>
-              </a:rPr>
-              <a:t>", "</a:t>
-            </a:r>
-            <a:r>
-              <a:rPr lang="en-US" dirty="0" err="1" smtClean="0">
-                <a:solidFill>
-                  <a:schemeClr val="bg1">
-                    <a:lumMod val="65000"/>
-                  </a:schemeClr>
-                </a:solidFill>
-                <a:latin typeface="Monaco"/>
-                <a:cs typeface="Monaco"/>
-              </a:rPr>
-              <a:t>ng</a:t>
-            </a:r>
-            <a:r>
-              <a:rPr lang="en-US" dirty="0" smtClean="0">
-                <a:solidFill>
-                  <a:schemeClr val="bg1">
-                    <a:lumMod val="65000"/>
-                  </a:schemeClr>
-                </a:solidFill>
-                <a:latin typeface="Monaco"/>
-                <a:cs typeface="Monaco"/>
-              </a:rPr>
-              <a:t>."]</a:t>
-            </a:r>
-            <a:endParaRPr lang="en-US" dirty="0">
-              <a:solidFill>
-                <a:schemeClr val="bg1">
-                  <a:lumMod val="65000"/>
-                </a:schemeClr>
-              </a:solidFill>
-              <a:latin typeface="Monaco"/>
-              <a:cs typeface="Monaco"/>
-            </a:endParaRPr>
           </a:p>
           <a:p>
             <a:endParaRPr lang="en-US" dirty="0">
@@ -20563,22 +20086,19 @@
             <p:ph type="title"/>
           </p:nvPr>
         </p:nvSpPr>
-        <p:spPr/>
+        <p:spPr>
+          <a:xfrm>
+            <a:off x="457198" y="228409"/>
+            <a:ext cx="7327651" cy="702043"/>
+          </a:xfrm>
+        </p:spPr>
         <p:txBody>
           <a:bodyPr/>
           <a:lstStyle/>
           <a:p>
             <a:r>
               <a:rPr lang="en-US" dirty="0" smtClean="0"/>
-              <a:t>strings </a:t>
-            </a:r>
-            <a:r>
-              <a:rPr lang="en-US" dirty="0" err="1" smtClean="0"/>
-              <a:t>vs</a:t>
-            </a:r>
-            <a:r>
-              <a:rPr lang="en-US" dirty="0" smtClean="0"/>
-              <a:t> lists</a:t>
+              <a:t>common string methods</a:t>
             </a:r>
             <a:endParaRPr lang="en-US" dirty="0"/>
           </a:p>
@@ -20586,65 +20106,565 @@
       </p:sp>
       <p:sp>
         <p:nvSpPr>
-          <p:cNvPr id="3" name="Content Placeholder 2"/>
-          <p:cNvSpPr>
-            <a:spLocks noGrp="1"/>
-          </p:cNvSpPr>
-          <p:nvPr>
-            <p:ph idx="1"/>
-          </p:nvPr>
-        </p:nvSpPr>
-        <p:spPr/>
-        <p:txBody>
-          <a:bodyPr/>
-          <a:lstStyle/>
-          <a:p>
-            <a:pPr marL="457200" indent="-457200">
-              <a:buFont typeface="Arial"/>
-              <a:buChar char="•"/>
-            </a:pPr>
-            <a:r>
-              <a:rPr lang="en-US" dirty="0" smtClean="0"/>
-              <a:t>Strings cannot be modified in place </a:t>
-            </a:r>
-          </a:p>
-          <a:p>
-            <a:pPr marL="914400" lvl="1" indent="-457200">
-              <a:buFont typeface="Arial"/>
-              <a:buChar char="•"/>
-            </a:pPr>
-            <a:r>
-              <a:rPr lang="en-US" dirty="0" smtClean="0"/>
-              <a:t>You must </a:t>
-            </a:r>
-            <a:r>
-              <a:rPr lang="en-US" i="1" dirty="0" smtClean="0"/>
-              <a:t>re-define</a:t>
-            </a:r>
-            <a:r>
-              <a:rPr lang="en-US" dirty="0" smtClean="0"/>
-              <a:t> the string to change it.</a:t>
-            </a:r>
-          </a:p>
-          <a:p>
-            <a:pPr marL="457200" indent="-457200">
-              <a:buFont typeface="Arial"/>
-              <a:buChar char="•"/>
-            </a:pPr>
-            <a:r>
-              <a:rPr lang="en-US" dirty="0" smtClean="0"/>
-              <a:t>Lists can be modified in place</a:t>
-            </a:r>
-          </a:p>
-          <a:p>
-            <a:endParaRPr lang="en-US" dirty="0"/>
+          <p:cNvPr id="5" name="TextBox 4"/>
+          <p:cNvSpPr txBox="1"/>
+          <p:nvPr/>
+        </p:nvSpPr>
+        <p:spPr>
+          <a:xfrm>
+            <a:off x="265716" y="1058326"/>
+            <a:ext cx="8643002" cy="5632312"/>
+          </a:xfrm>
+          <a:prstGeom prst="rect">
+            <a:avLst/>
+          </a:prstGeom>
+          <a:noFill/>
+        </p:spPr>
+        <p:txBody>
+          <a:bodyPr wrap="square" rtlCol="0">
+            <a:spAutoFit/>
+          </a:bodyPr>
+          <a:lstStyle/>
+          <a:p>
+            <a:r>
+              <a:rPr lang="en-US" dirty="0" smtClean="0">
+                <a:latin typeface="Monaco"/>
+                <a:cs typeface="Monaco"/>
+              </a:rPr>
+              <a:t># Define a string</a:t>
+            </a:r>
+          </a:p>
+          <a:p>
+            <a:r>
+              <a:rPr lang="en-US" dirty="0">
+                <a:latin typeface="Monaco"/>
+                <a:cs typeface="Monaco"/>
+              </a:rPr>
+              <a:t>s</a:t>
+            </a:r>
+            <a:r>
+              <a:rPr lang="en-US" dirty="0" smtClean="0">
+                <a:latin typeface="Monaco"/>
+                <a:cs typeface="Monaco"/>
+              </a:rPr>
+              <a:t> = "This is an example string."</a:t>
+            </a:r>
+          </a:p>
+          <a:p>
+            <a:endParaRPr lang="en-US" dirty="0">
+              <a:latin typeface="Monaco"/>
+              <a:cs typeface="Monaco"/>
+            </a:endParaRPr>
+          </a:p>
+          <a:p>
+            <a:r>
+              <a:rPr lang="en-US" dirty="0" smtClean="0">
+                <a:latin typeface="Monaco"/>
+                <a:cs typeface="Monaco"/>
+              </a:rPr>
+              <a:t># The </a:t>
+            </a:r>
+            <a:r>
+              <a:rPr lang="en-US" i="1" dirty="0" smtClean="0">
+                <a:latin typeface="Monaco"/>
+                <a:cs typeface="Monaco"/>
+              </a:rPr>
+              <a:t>.upper()</a:t>
+            </a:r>
+            <a:r>
+              <a:rPr lang="en-US" dirty="0" smtClean="0">
+                <a:latin typeface="Monaco"/>
+                <a:cs typeface="Monaco"/>
+              </a:rPr>
+              <a:t> method makes the string uppercase</a:t>
+            </a:r>
+            <a:endParaRPr lang="en-US" dirty="0">
+              <a:latin typeface="Monaco"/>
+              <a:cs typeface="Monaco"/>
+            </a:endParaRPr>
+          </a:p>
+          <a:p>
+            <a:r>
+              <a:rPr lang="en-US" dirty="0" smtClean="0">
+                <a:latin typeface="Monaco"/>
+                <a:cs typeface="Monaco"/>
+              </a:rPr>
+              <a:t>print </a:t>
+            </a:r>
+            <a:r>
+              <a:rPr lang="en-US" dirty="0" err="1" smtClean="0">
+                <a:latin typeface="Monaco"/>
+                <a:cs typeface="Monaco"/>
+              </a:rPr>
+              <a:t>s.upper</a:t>
+            </a:r>
+            <a:r>
+              <a:rPr lang="en-US" dirty="0" smtClean="0">
+                <a:latin typeface="Monaco"/>
+                <a:cs typeface="Monaco"/>
+              </a:rPr>
+              <a:t>()</a:t>
+            </a:r>
+          </a:p>
+          <a:p>
+            <a:r>
+              <a:rPr lang="en-US" dirty="0">
+                <a:latin typeface="Monaco"/>
+                <a:cs typeface="Monaco"/>
+              </a:rPr>
+              <a:t>	</a:t>
+            </a:r>
+            <a:r>
+              <a:rPr lang="en-US" dirty="0" smtClean="0">
+                <a:solidFill>
+                  <a:schemeClr val="bg1">
+                    <a:lumMod val="65000"/>
+                  </a:schemeClr>
+                </a:solidFill>
+                <a:latin typeface="Monaco"/>
+                <a:cs typeface="Monaco"/>
+              </a:rPr>
+              <a:t>THIS IS AN EXAMPLE STRING.</a:t>
+            </a:r>
+          </a:p>
+          <a:p>
+            <a:endParaRPr lang="en-US" dirty="0">
+              <a:solidFill>
+                <a:schemeClr val="bg1">
+                  <a:lumMod val="65000"/>
+                </a:schemeClr>
+              </a:solidFill>
+              <a:latin typeface="Monaco"/>
+              <a:cs typeface="Monaco"/>
+            </a:endParaRPr>
+          </a:p>
+          <a:p>
+            <a:r>
+              <a:rPr lang="en-US" dirty="0">
+                <a:latin typeface="Monaco"/>
+                <a:cs typeface="Monaco"/>
+              </a:rPr>
+              <a:t># The </a:t>
+            </a:r>
+            <a:r>
+              <a:rPr lang="en-US" i="1" dirty="0" smtClean="0">
+                <a:latin typeface="Monaco"/>
+                <a:cs typeface="Monaco"/>
+              </a:rPr>
+              <a:t>.lower(</a:t>
+            </a:r>
+            <a:r>
+              <a:rPr lang="en-US" i="1" dirty="0">
+                <a:latin typeface="Monaco"/>
+                <a:cs typeface="Monaco"/>
+              </a:rPr>
+              <a:t>)</a:t>
+            </a:r>
+            <a:r>
+              <a:rPr lang="en-US" dirty="0">
+                <a:latin typeface="Monaco"/>
+                <a:cs typeface="Monaco"/>
+              </a:rPr>
+              <a:t> method makes the string </a:t>
+            </a:r>
+            <a:r>
+              <a:rPr lang="en-US" dirty="0" smtClean="0">
+                <a:latin typeface="Monaco"/>
+                <a:cs typeface="Monaco"/>
+              </a:rPr>
+              <a:t>lowercase</a:t>
+            </a:r>
+            <a:endParaRPr lang="en-US" dirty="0">
+              <a:latin typeface="Monaco"/>
+              <a:cs typeface="Monaco"/>
+            </a:endParaRPr>
+          </a:p>
+          <a:p>
+            <a:r>
+              <a:rPr lang="en-US" dirty="0">
+                <a:latin typeface="Monaco"/>
+                <a:cs typeface="Monaco"/>
+              </a:rPr>
+              <a:t>print </a:t>
+            </a:r>
+            <a:r>
+              <a:rPr lang="en-US" dirty="0" err="1" smtClean="0">
+                <a:latin typeface="Monaco"/>
+                <a:cs typeface="Monaco"/>
+              </a:rPr>
+              <a:t>s.lower</a:t>
+            </a:r>
+            <a:r>
+              <a:rPr lang="en-US" dirty="0" smtClean="0">
+                <a:latin typeface="Monaco"/>
+                <a:cs typeface="Monaco"/>
+              </a:rPr>
+              <a:t>(</a:t>
+            </a:r>
+            <a:r>
+              <a:rPr lang="en-US" dirty="0">
+                <a:latin typeface="Monaco"/>
+                <a:cs typeface="Monaco"/>
+              </a:rPr>
+              <a:t>)</a:t>
+            </a:r>
+          </a:p>
+          <a:p>
+            <a:r>
+              <a:rPr lang="en-US" dirty="0">
+                <a:latin typeface="Monaco"/>
+                <a:cs typeface="Monaco"/>
+              </a:rPr>
+              <a:t>	</a:t>
+            </a:r>
+            <a:r>
+              <a:rPr lang="en-US" dirty="0" smtClean="0">
+                <a:solidFill>
+                  <a:schemeClr val="bg1">
+                    <a:lumMod val="65000"/>
+                  </a:schemeClr>
+                </a:solidFill>
+                <a:latin typeface="Monaco"/>
+                <a:cs typeface="Monaco"/>
+              </a:rPr>
+              <a:t>this is an example string.</a:t>
+            </a:r>
+          </a:p>
+          <a:p>
+            <a:endParaRPr lang="en-US" dirty="0">
+              <a:solidFill>
+                <a:schemeClr val="bg1">
+                  <a:lumMod val="65000"/>
+                </a:schemeClr>
+              </a:solidFill>
+              <a:latin typeface="Monaco"/>
+              <a:cs typeface="Monaco"/>
+            </a:endParaRPr>
+          </a:p>
+          <a:p>
+            <a:r>
+              <a:rPr lang="en-US" dirty="0">
+                <a:latin typeface="Monaco"/>
+                <a:cs typeface="Monaco"/>
+              </a:rPr>
+              <a:t># The </a:t>
+            </a:r>
+            <a:r>
+              <a:rPr lang="en-US" i="1" dirty="0" smtClean="0">
+                <a:latin typeface="Monaco"/>
+                <a:cs typeface="Monaco"/>
+              </a:rPr>
+              <a:t>.count(</a:t>
+            </a:r>
+            <a:r>
+              <a:rPr lang="en-US" i="1" dirty="0">
+                <a:latin typeface="Monaco"/>
+                <a:cs typeface="Monaco"/>
+              </a:rPr>
+              <a:t>)</a:t>
+            </a:r>
+            <a:r>
+              <a:rPr lang="en-US" dirty="0">
+                <a:latin typeface="Monaco"/>
+                <a:cs typeface="Monaco"/>
+              </a:rPr>
+              <a:t> </a:t>
+            </a:r>
+            <a:r>
+              <a:rPr lang="en-US" dirty="0" smtClean="0">
+                <a:latin typeface="Monaco"/>
+                <a:cs typeface="Monaco"/>
+              </a:rPr>
+              <a:t>method counts occurrences of a given character</a:t>
+            </a:r>
+            <a:endParaRPr lang="en-US" dirty="0">
+              <a:latin typeface="Monaco"/>
+              <a:cs typeface="Monaco"/>
+            </a:endParaRPr>
+          </a:p>
+          <a:p>
+            <a:r>
+              <a:rPr lang="en-US" dirty="0">
+                <a:latin typeface="Monaco"/>
+                <a:cs typeface="Monaco"/>
+              </a:rPr>
+              <a:t>print </a:t>
+            </a:r>
+            <a:r>
+              <a:rPr lang="en-US" dirty="0" err="1" smtClean="0">
+                <a:latin typeface="Monaco"/>
+                <a:cs typeface="Monaco"/>
+              </a:rPr>
+              <a:t>s.count</a:t>
+            </a:r>
+            <a:r>
+              <a:rPr lang="en-US" dirty="0" smtClean="0">
+                <a:latin typeface="Monaco"/>
+                <a:cs typeface="Monaco"/>
+              </a:rPr>
+              <a:t>("</a:t>
+            </a:r>
+            <a:r>
+              <a:rPr lang="en-US" dirty="0" err="1" smtClean="0">
+                <a:latin typeface="Monaco"/>
+                <a:cs typeface="Monaco"/>
+              </a:rPr>
+              <a:t>i</a:t>
+            </a:r>
+            <a:r>
+              <a:rPr lang="en-US" dirty="0" smtClean="0">
+                <a:latin typeface="Monaco"/>
+                <a:cs typeface="Monaco"/>
+              </a:rPr>
+              <a:t>")</a:t>
+            </a:r>
+          </a:p>
+          <a:p>
+            <a:r>
+              <a:rPr lang="en-US" dirty="0">
+                <a:solidFill>
+                  <a:schemeClr val="bg1">
+                    <a:lumMod val="65000"/>
+                  </a:schemeClr>
+                </a:solidFill>
+                <a:latin typeface="Monaco"/>
+                <a:cs typeface="Monaco"/>
+              </a:rPr>
+              <a:t> </a:t>
+            </a:r>
+            <a:r>
+              <a:rPr lang="en-US" dirty="0" smtClean="0">
+                <a:solidFill>
+                  <a:schemeClr val="bg1">
+                    <a:lumMod val="65000"/>
+                  </a:schemeClr>
+                </a:solidFill>
+                <a:latin typeface="Monaco"/>
+                <a:cs typeface="Monaco"/>
+              </a:rPr>
+              <a:t>   3</a:t>
+            </a:r>
+          </a:p>
+          <a:p>
+            <a:endParaRPr lang="en-US" dirty="0">
+              <a:solidFill>
+                <a:schemeClr val="bg1">
+                  <a:lumMod val="65000"/>
+                </a:schemeClr>
+              </a:solidFill>
+              <a:latin typeface="Monaco"/>
+              <a:cs typeface="Monaco"/>
+            </a:endParaRPr>
+          </a:p>
+          <a:p>
+            <a:r>
+              <a:rPr lang="en-US" dirty="0">
+                <a:latin typeface="Monaco"/>
+                <a:cs typeface="Monaco"/>
+              </a:rPr>
+              <a:t># The </a:t>
+            </a:r>
+            <a:r>
+              <a:rPr lang="en-US" i="1" dirty="0" smtClean="0">
+                <a:latin typeface="Monaco"/>
+                <a:cs typeface="Monaco"/>
+              </a:rPr>
+              <a:t>.split(</a:t>
+            </a:r>
+            <a:r>
+              <a:rPr lang="en-US" i="1" dirty="0">
+                <a:latin typeface="Monaco"/>
+                <a:cs typeface="Monaco"/>
+              </a:rPr>
+              <a:t>)</a:t>
+            </a:r>
+            <a:r>
+              <a:rPr lang="en-US" dirty="0">
+                <a:latin typeface="Monaco"/>
+                <a:cs typeface="Monaco"/>
+              </a:rPr>
+              <a:t> method </a:t>
+            </a:r>
+            <a:r>
+              <a:rPr lang="en-US" dirty="0" smtClean="0">
+                <a:latin typeface="Monaco"/>
+                <a:cs typeface="Monaco"/>
+              </a:rPr>
+              <a:t>splits on a character, returns a list</a:t>
+            </a:r>
+          </a:p>
+          <a:p>
+            <a:r>
+              <a:rPr lang="en-US" dirty="0" smtClean="0">
+                <a:latin typeface="Monaco"/>
+                <a:cs typeface="Monaco"/>
+              </a:rPr>
+              <a:t>print </a:t>
+            </a:r>
+            <a:r>
+              <a:rPr lang="en-US" dirty="0" err="1" smtClean="0">
+                <a:latin typeface="Monaco"/>
+                <a:cs typeface="Monaco"/>
+              </a:rPr>
+              <a:t>s.split</a:t>
+            </a:r>
+            <a:r>
+              <a:rPr lang="en-US" dirty="0" smtClean="0">
+                <a:latin typeface="Monaco"/>
+                <a:cs typeface="Monaco"/>
+              </a:rPr>
+              <a:t>("</a:t>
+            </a:r>
+            <a:r>
+              <a:rPr lang="en-US" dirty="0" err="1" smtClean="0">
+                <a:latin typeface="Monaco"/>
+                <a:cs typeface="Monaco"/>
+              </a:rPr>
+              <a:t>i</a:t>
+            </a:r>
+            <a:r>
+              <a:rPr lang="en-US" dirty="0" smtClean="0">
+                <a:latin typeface="Monaco"/>
+                <a:cs typeface="Monaco"/>
+              </a:rPr>
+              <a:t>")</a:t>
+            </a:r>
+          </a:p>
+          <a:p>
+            <a:r>
+              <a:rPr lang="en-US" dirty="0">
+                <a:solidFill>
+                  <a:schemeClr val="bg1">
+                    <a:lumMod val="65000"/>
+                  </a:schemeClr>
+                </a:solidFill>
+                <a:latin typeface="Monaco"/>
+                <a:cs typeface="Monaco"/>
+              </a:rPr>
+              <a:t>	</a:t>
+            </a:r>
+            <a:r>
+              <a:rPr lang="en-US" dirty="0" smtClean="0">
+                <a:solidFill>
+                  <a:schemeClr val="bg1">
+                    <a:lumMod val="65000"/>
+                  </a:schemeClr>
+                </a:solidFill>
+                <a:latin typeface="Monaco"/>
+                <a:cs typeface="Monaco"/>
+              </a:rPr>
+              <a:t>["</a:t>
+            </a:r>
+            <a:r>
+              <a:rPr lang="en-US" dirty="0" err="1" smtClean="0">
+                <a:solidFill>
+                  <a:schemeClr val="bg1">
+                    <a:lumMod val="65000"/>
+                  </a:schemeClr>
+                </a:solidFill>
+                <a:latin typeface="Monaco"/>
+                <a:cs typeface="Monaco"/>
+              </a:rPr>
+              <a:t>Th</a:t>
+            </a:r>
+            <a:r>
+              <a:rPr lang="en-US" dirty="0" smtClean="0">
+                <a:solidFill>
+                  <a:schemeClr val="bg1">
+                    <a:lumMod val="65000"/>
+                  </a:schemeClr>
+                </a:solidFill>
+                <a:latin typeface="Monaco"/>
+                <a:cs typeface="Monaco"/>
+              </a:rPr>
+              <a:t>", "s ", "s an example </a:t>
+            </a:r>
+            <a:r>
+              <a:rPr lang="en-US" dirty="0" err="1" smtClean="0">
+                <a:solidFill>
+                  <a:schemeClr val="bg1">
+                    <a:lumMod val="65000"/>
+                  </a:schemeClr>
+                </a:solidFill>
+                <a:latin typeface="Monaco"/>
+                <a:cs typeface="Monaco"/>
+              </a:rPr>
+              <a:t>str</a:t>
+            </a:r>
+            <a:r>
+              <a:rPr lang="en-US" dirty="0" smtClean="0">
+                <a:solidFill>
+                  <a:schemeClr val="bg1">
+                    <a:lumMod val="65000"/>
+                  </a:schemeClr>
+                </a:solidFill>
+                <a:latin typeface="Monaco"/>
+                <a:cs typeface="Monaco"/>
+              </a:rPr>
+              <a:t>", "</a:t>
+            </a:r>
+            <a:r>
+              <a:rPr lang="en-US" dirty="0" err="1" smtClean="0">
+                <a:solidFill>
+                  <a:schemeClr val="bg1">
+                    <a:lumMod val="65000"/>
+                  </a:schemeClr>
+                </a:solidFill>
+                <a:latin typeface="Monaco"/>
+                <a:cs typeface="Monaco"/>
+              </a:rPr>
+              <a:t>ng</a:t>
+            </a:r>
+            <a:r>
+              <a:rPr lang="en-US" dirty="0" smtClean="0">
+                <a:solidFill>
+                  <a:schemeClr val="bg1">
+                    <a:lumMod val="65000"/>
+                  </a:schemeClr>
+                </a:solidFill>
+                <a:latin typeface="Monaco"/>
+                <a:cs typeface="Monaco"/>
+              </a:rPr>
+              <a:t>."]</a:t>
+            </a:r>
+            <a:endParaRPr lang="en-US" dirty="0">
+              <a:solidFill>
+                <a:schemeClr val="bg1">
+                  <a:lumMod val="65000"/>
+                </a:schemeClr>
+              </a:solidFill>
+              <a:latin typeface="Monaco"/>
+              <a:cs typeface="Monaco"/>
+            </a:endParaRPr>
+          </a:p>
+          <a:p>
+            <a:endParaRPr lang="en-US" dirty="0">
+              <a:solidFill>
+                <a:schemeClr val="bg1">
+                  <a:lumMod val="65000"/>
+                </a:schemeClr>
+              </a:solidFill>
+              <a:latin typeface="Monaco"/>
+              <a:cs typeface="Monaco"/>
+            </a:endParaRPr>
+          </a:p>
+          <a:p>
+            <a:endParaRPr lang="en-US" dirty="0">
+              <a:solidFill>
+                <a:schemeClr val="bg1">
+                  <a:lumMod val="65000"/>
+                </a:schemeClr>
+              </a:solidFill>
+              <a:latin typeface="Monaco"/>
+              <a:cs typeface="Monaco"/>
+            </a:endParaRPr>
           </a:p>
         </p:txBody>
       </p:sp>
     </p:spTree>
     <p:extLst>
       <p:ext uri="{BB962C8B-B14F-4D97-AF65-F5344CB8AC3E}">
-        <p14:creationId xmlns:p14="http://schemas.microsoft.com/office/powerpoint/2010/main" val="1216690747"/>
+        <p14:creationId xmlns:p14="http://schemas.microsoft.com/office/powerpoint/2010/main" val="143305919"/>
       </p:ext>
     </p:extLst>
   </p:cSld>
@@ -20830,7 +20850,15 @@
           <a:p>
             <a:r>
               <a:rPr lang="en-US" dirty="0" smtClean="0"/>
-              <a:t>strings are immutable</a:t>
+              <a:t>strings </a:t>
+            </a:r>
+            <a:r>
+              <a:rPr lang="en-US" dirty="0" err="1" smtClean="0"/>
+              <a:t>vs</a:t>
+            </a:r>
+            <a:r>
+              <a:rPr lang="en-US" dirty="0" smtClean="0"/>
+              <a:t> lists</a:t>
             </a:r>
             <a:endParaRPr lang="en-US" dirty="0"/>
           </a:p>
@@ -20838,102 +20866,65 @@
       </p:sp>
       <p:sp>
         <p:nvSpPr>
-          <p:cNvPr id="4" name="TextBox 3"/>
-          <p:cNvSpPr txBox="1"/>
-          <p:nvPr/>
-        </p:nvSpPr>
-        <p:spPr>
-          <a:xfrm>
-            <a:off x="521555" y="1652227"/>
-            <a:ext cx="8021678" cy="1477328"/>
-          </a:xfrm>
-          <a:prstGeom prst="rect">
-            <a:avLst/>
-          </a:prstGeom>
-          <a:noFill/>
-        </p:spPr>
-        <p:txBody>
-          <a:bodyPr wrap="square" rtlCol="0">
-            <a:spAutoFit/>
-          </a:bodyPr>
-          <a:lstStyle/>
-          <a:p>
-            <a:r>
-              <a:rPr lang="en-US" dirty="0" smtClean="0">
-                <a:latin typeface="Monaco"/>
-                <a:cs typeface="Monaco"/>
-              </a:rPr>
-              <a:t># Strings *will not* change when methods are called</a:t>
-            </a:r>
-          </a:p>
-          <a:p>
-            <a:r>
-              <a:rPr lang="en-US" dirty="0" smtClean="0">
-                <a:latin typeface="Monaco"/>
-                <a:cs typeface="Monaco"/>
-              </a:rPr>
-              <a:t>s = "example"</a:t>
-            </a:r>
-          </a:p>
-          <a:p>
-            <a:r>
-              <a:rPr lang="en-US" dirty="0" err="1" smtClean="0">
-                <a:latin typeface="Monaco"/>
-                <a:cs typeface="Monaco"/>
-              </a:rPr>
-              <a:t>s.upper</a:t>
-            </a:r>
-            <a:r>
-              <a:rPr lang="en-US" dirty="0" smtClean="0">
-                <a:latin typeface="Monaco"/>
-                <a:cs typeface="Monaco"/>
-              </a:rPr>
-              <a:t>()</a:t>
-            </a:r>
-          </a:p>
-          <a:p>
-            <a:r>
-              <a:rPr lang="en-US" dirty="0" smtClean="0">
-                <a:latin typeface="Monaco"/>
-                <a:cs typeface="Monaco"/>
-              </a:rPr>
-              <a:t>print s</a:t>
-            </a:r>
-          </a:p>
-          <a:p>
-            <a:r>
-              <a:rPr lang="en-US" dirty="0">
-                <a:latin typeface="Monaco"/>
-                <a:cs typeface="Monaco"/>
-              </a:rPr>
-              <a:t> </a:t>
-            </a:r>
-            <a:r>
-              <a:rPr lang="en-US" dirty="0" smtClean="0">
-                <a:latin typeface="Monaco"/>
-                <a:cs typeface="Monaco"/>
-              </a:rPr>
-              <a:t>   </a:t>
-            </a:r>
-            <a:r>
-              <a:rPr lang="en-US" dirty="0" smtClean="0">
-                <a:solidFill>
-                  <a:schemeClr val="bg1">
-                    <a:lumMod val="65000"/>
-                  </a:schemeClr>
-                </a:solidFill>
-                <a:latin typeface="Monaco"/>
-                <a:cs typeface="Monaco"/>
-              </a:rPr>
-              <a:t>example</a:t>
-            </a:r>
+          <p:cNvPr id="3" name="Content Placeholder 2"/>
+          <p:cNvSpPr>
+            <a:spLocks noGrp="1"/>
+          </p:cNvSpPr>
+          <p:nvPr>
+            <p:ph idx="1"/>
+          </p:nvPr>
+        </p:nvSpPr>
+        <p:spPr/>
+        <p:txBody>
+          <a:bodyPr/>
+          <a:lstStyle/>
+          <a:p>
+            <a:pPr marL="457200" indent="-457200">
+              <a:buFont typeface="Arial"/>
+              <a:buChar char="•"/>
+            </a:pPr>
+            <a:r>
+              <a:rPr lang="en-US" dirty="0" smtClean="0"/>
+              <a:t>Strings cannot be modified in place </a:t>
+            </a:r>
+          </a:p>
+          <a:p>
+            <a:pPr marL="914400" lvl="1" indent="-457200">
+              <a:buFont typeface="Arial"/>
+              <a:buChar char="•"/>
+            </a:pPr>
+            <a:r>
+              <a:rPr lang="en-US" dirty="0" smtClean="0"/>
+              <a:t>You must </a:t>
+            </a:r>
+            <a:r>
+              <a:rPr lang="en-US" i="1" dirty="0" smtClean="0"/>
+              <a:t>re-define</a:t>
+            </a:r>
+            <a:r>
+              <a:rPr lang="en-US" dirty="0" smtClean="0"/>
+              <a:t> the string to change it.</a:t>
+            </a:r>
+          </a:p>
+          <a:p>
+            <a:pPr marL="457200" indent="-457200">
+              <a:buFont typeface="Arial"/>
+              <a:buChar char="•"/>
+            </a:pPr>
+            <a:r>
+              <a:rPr lang="en-US" dirty="0" smtClean="0"/>
+              <a:t>Lists can be modified in place</a:t>
+            </a:r>
+          </a:p>
+          <a:p>
+            <a:endParaRPr lang="en-US" dirty="0"/>
           </a:p>
         </p:txBody>
       </p:sp>
     </p:spTree>
     <p:extLst>
       <p:ext uri="{BB962C8B-B14F-4D97-AF65-F5344CB8AC3E}">
-        <p14:creationId xmlns:p14="http://schemas.microsoft.com/office/powerpoint/2010/main" val="2776090658"/>
+        <p14:creationId xmlns:p14="http://schemas.microsoft.com/office/powerpoint/2010/main" val="1216690747"/>
       </p:ext>
     </p:extLst>
   </p:cSld>
@@ -20992,7 +20983,7 @@
         <p:spPr>
           <a:xfrm>
             <a:off x="521555" y="1652227"/>
-            <a:ext cx="8021678" cy="2862323"/>
+            <a:ext cx="8021678" cy="1477328"/>
           </a:xfrm>
           <a:prstGeom prst="rect">
             <a:avLst/>
@@ -21075,90 +21066,12 @@
               <a:t>example</a:t>
             </a:r>
           </a:p>
-          <a:p>
-            <a:endParaRPr lang="en-US" dirty="0">
-              <a:solidFill>
-                <a:schemeClr val="bg1">
-                  <a:lumMod val="65000"/>
-                </a:schemeClr>
-              </a:solidFill>
-              <a:latin typeface="Monaco"/>
-              <a:cs typeface="Monaco"/>
-            </a:endParaRPr>
-          </a:p>
-          <a:p>
-            <a:r>
-              <a:rPr lang="en-US" dirty="0" smtClean="0">
-                <a:latin typeface="Monaco"/>
-                <a:cs typeface="Monaco"/>
-              </a:rPr>
-              <a:t># But if we re-define s when calling .upper()... </a:t>
-            </a:r>
-          </a:p>
-          <a:p>
-            <a:r>
-              <a:rPr lang="en-US" dirty="0" smtClean="0">
-                <a:latin typeface="Monaco"/>
-                <a:cs typeface="Monaco"/>
-              </a:rPr>
-              <a:t>s = </a:t>
-            </a:r>
-            <a:r>
-              <a:rPr lang="en-US" dirty="0" err="1" smtClean="0">
-                <a:latin typeface="Monaco"/>
-                <a:cs typeface="Monaco"/>
-              </a:rPr>
-              <a:t>s.upper</a:t>
-            </a:r>
-            <a:r>
-              <a:rPr lang="en-US" dirty="0" smtClean="0">
-                <a:latin typeface="Monaco"/>
-                <a:cs typeface="Monaco"/>
-              </a:rPr>
-              <a:t>()</a:t>
-            </a:r>
-          </a:p>
-          <a:p>
-            <a:r>
-              <a:rPr lang="en-US" dirty="0" smtClean="0">
-                <a:latin typeface="Monaco"/>
-                <a:cs typeface="Monaco"/>
-              </a:rPr>
-              <a:t>print s</a:t>
-            </a:r>
-          </a:p>
-          <a:p>
-            <a:r>
-              <a:rPr lang="en-US" dirty="0">
-                <a:solidFill>
-                  <a:schemeClr val="bg1">
-                    <a:lumMod val="65000"/>
-                  </a:schemeClr>
-                </a:solidFill>
-                <a:latin typeface="Monaco"/>
-                <a:cs typeface="Monaco"/>
-              </a:rPr>
-              <a:t> </a:t>
-            </a:r>
-            <a:r>
-              <a:rPr lang="en-US" dirty="0" smtClean="0">
-                <a:solidFill>
-                  <a:schemeClr val="bg1">
-                    <a:lumMod val="65000"/>
-                  </a:schemeClr>
-                </a:solidFill>
-                <a:latin typeface="Monaco"/>
-                <a:cs typeface="Monaco"/>
-              </a:rPr>
-              <a:t>   EXAMPLE</a:t>
-            </a:r>
-          </a:p>
         </p:txBody>
       </p:sp>
     </p:spTree>
     <p:extLst>
       <p:ext uri="{BB962C8B-B14F-4D97-AF65-F5344CB8AC3E}">
-        <p14:creationId xmlns:p14="http://schemas.microsoft.com/office/powerpoint/2010/main" val="2602504510"/>
+        <p14:creationId xmlns:p14="http://schemas.microsoft.com/office/powerpoint/2010/main" val="2776090658"/>
       </p:ext>
     </p:extLst>
   </p:cSld>
@@ -21217,7 +21130,7 @@
         <p:spPr>
           <a:xfrm>
             <a:off x="521555" y="1652227"/>
-            <a:ext cx="8021678" cy="3693319"/>
+            <a:ext cx="8021678" cy="2862323"/>
           </a:xfrm>
           <a:prstGeom prst="rect">
             <a:avLst/>
@@ -21378,166 +21291,12 @@
               <a:t>   EXAMPLE</a:t>
             </a:r>
           </a:p>
-          <a:p>
-            <a:endParaRPr lang="en-US" dirty="0">
-              <a:solidFill>
-                <a:schemeClr val="bg1">
-                  <a:lumMod val="65000"/>
-                </a:schemeClr>
-              </a:solidFill>
-              <a:latin typeface="Monaco"/>
-              <a:cs typeface="Monaco"/>
-            </a:endParaRPr>
-          </a:p>
-          <a:p>
-            <a:r>
-              <a:rPr lang="en-US" dirty="0">
-                <a:latin typeface="Monaco"/>
-                <a:cs typeface="Monaco"/>
-              </a:rPr>
-              <a:t># </a:t>
-            </a:r>
-            <a:r>
-              <a:rPr lang="en-US" dirty="0" smtClean="0">
-                <a:latin typeface="Monaco"/>
-                <a:cs typeface="Monaco"/>
-              </a:rPr>
-              <a:t>We'll get *an error* if we try too much</a:t>
-            </a:r>
-          </a:p>
-          <a:p>
-            <a:r>
-              <a:rPr lang="en-US" dirty="0" smtClean="0">
-                <a:latin typeface="Monaco"/>
-                <a:cs typeface="Monaco"/>
-              </a:rPr>
-              <a:t>s[2] = "A"</a:t>
-            </a:r>
-          </a:p>
-        </p:txBody>
-      </p:sp>
-      <p:sp>
-        <p:nvSpPr>
-          <p:cNvPr id="5" name="TextBox 4"/>
-          <p:cNvSpPr txBox="1"/>
-          <p:nvPr/>
-        </p:nvSpPr>
-        <p:spPr>
-          <a:xfrm>
-            <a:off x="585515" y="5345546"/>
-            <a:ext cx="8634604" cy="646331"/>
-          </a:xfrm>
-          <a:prstGeom prst="rect">
-            <a:avLst/>
-          </a:prstGeom>
-          <a:noFill/>
-        </p:spPr>
-        <p:txBody>
-          <a:bodyPr wrap="square" rtlCol="0">
-            <a:spAutoFit/>
-          </a:bodyPr>
-          <a:lstStyle/>
-          <a:p>
-            <a:r>
-              <a:rPr lang="en-US" dirty="0" err="1" smtClean="0">
-                <a:solidFill>
-                  <a:schemeClr val="tx2"/>
-                </a:solidFill>
-                <a:latin typeface="Monaco"/>
-                <a:cs typeface="Monaco"/>
-              </a:rPr>
-              <a:t>Traceback</a:t>
-            </a:r>
-            <a:r>
-              <a:rPr lang="en-US" dirty="0" smtClean="0">
-                <a:solidFill>
-                  <a:schemeClr val="tx2"/>
-                </a:solidFill>
-                <a:latin typeface="Monaco"/>
-                <a:cs typeface="Monaco"/>
-              </a:rPr>
-              <a:t> </a:t>
-            </a:r>
-            <a:r>
-              <a:rPr lang="en-US" dirty="0">
-                <a:solidFill>
-                  <a:schemeClr val="tx2"/>
-                </a:solidFill>
-                <a:latin typeface="Monaco"/>
-                <a:cs typeface="Monaco"/>
-              </a:rPr>
-              <a:t>(most recent call last):</a:t>
-            </a:r>
-          </a:p>
-          <a:p>
-            <a:r>
-              <a:rPr lang="en-US" dirty="0">
-                <a:solidFill>
-                  <a:schemeClr val="tx2"/>
-                </a:solidFill>
-                <a:latin typeface="Monaco"/>
-                <a:cs typeface="Monaco"/>
-              </a:rPr>
-              <a:t>  </a:t>
-            </a:r>
-            <a:r>
-              <a:rPr lang="en-US" dirty="0" err="1">
-                <a:solidFill>
-                  <a:schemeClr val="tx2"/>
-                </a:solidFill>
-                <a:latin typeface="Monaco"/>
-                <a:cs typeface="Monaco"/>
-              </a:rPr>
-              <a:t>TypeError</a:t>
-            </a:r>
-            <a:r>
-              <a:rPr lang="en-US" dirty="0">
-                <a:solidFill>
-                  <a:schemeClr val="tx2"/>
-                </a:solidFill>
-                <a:latin typeface="Monaco"/>
-                <a:cs typeface="Monaco"/>
-              </a:rPr>
-              <a:t>: '</a:t>
-            </a:r>
-            <a:r>
-              <a:rPr lang="en-US" dirty="0" err="1">
-                <a:solidFill>
-                  <a:schemeClr val="tx2"/>
-                </a:solidFill>
-                <a:latin typeface="Monaco"/>
-                <a:cs typeface="Monaco"/>
-              </a:rPr>
-              <a:t>str</a:t>
-            </a:r>
-            <a:r>
-              <a:rPr lang="en-US" dirty="0">
-                <a:solidFill>
-                  <a:schemeClr val="tx2"/>
-                </a:solidFill>
-                <a:latin typeface="Monaco"/>
-                <a:cs typeface="Monaco"/>
-              </a:rPr>
-              <a:t>' object does not support item </a:t>
-            </a:r>
-            <a:r>
-              <a:rPr lang="en-US" dirty="0" smtClean="0">
-                <a:solidFill>
-                  <a:schemeClr val="tx2"/>
-                </a:solidFill>
-                <a:latin typeface="Monaco"/>
-                <a:cs typeface="Monaco"/>
-              </a:rPr>
-              <a:t>assignment</a:t>
-            </a:r>
-            <a:endParaRPr lang="en-US" dirty="0"/>
-          </a:p>
         </p:txBody>
       </p:sp>
     </p:spTree>
     <p:extLst>
       <p:ext uri="{BB962C8B-B14F-4D97-AF65-F5344CB8AC3E}">
-        <p14:creationId xmlns:p14="http://schemas.microsoft.com/office/powerpoint/2010/main" val="1535974828"/>
+        <p14:creationId xmlns:p14="http://schemas.microsoft.com/office/powerpoint/2010/main" val="2602504510"/>
       </p:ext>
     </p:extLst>
   </p:cSld>
@@ -21581,7 +21340,7 @@
           <a:p>
             <a:r>
               <a:rPr lang="en-US" dirty="0" smtClean="0"/>
-              <a:t>lists are mutable</a:t>
+              <a:t>strings are immutable</a:t>
             </a:r>
             <a:endParaRPr lang="en-US" dirty="0"/>
           </a:p>
@@ -21596,7 +21355,7 @@
         <p:spPr>
           <a:xfrm>
             <a:off x="521555" y="1652227"/>
-            <a:ext cx="8021678" cy="2031325"/>
+            <a:ext cx="8021678" cy="3693319"/>
           </a:xfrm>
           <a:prstGeom prst="rect">
             <a:avLst/>
@@ -21614,7 +21373,41 @@
                 <a:latin typeface="Monaco"/>
                 <a:cs typeface="Monaco"/>
               </a:rPr>
-              <a:t># Lists *will* change when methods are called</a:t>
+              <a:t># Strings *will not* change when methods are called</a:t>
+            </a:r>
+          </a:p>
+          <a:p>
+            <a:r>
+              <a:rPr lang="en-US" dirty="0" smtClean="0">
+                <a:latin typeface="Monaco"/>
+                <a:cs typeface="Monaco"/>
+              </a:rPr>
+              <a:t>s = "example"</a:t>
+            </a:r>
+          </a:p>
+          <a:p>
+            <a:r>
+              <a:rPr lang="en-US" dirty="0" err="1" smtClean="0">
+                <a:latin typeface="Monaco"/>
+                <a:cs typeface="Monaco"/>
+              </a:rPr>
+              <a:t>s.upper</a:t>
+            </a:r>
+            <a:r>
+              <a:rPr lang="en-US" dirty="0" smtClean="0">
+                <a:latin typeface="Monaco"/>
+                <a:cs typeface="Monaco"/>
+              </a:rPr>
+              <a:t>()</a:t>
+            </a:r>
+          </a:p>
+          <a:p>
+            <a:r>
+              <a:rPr lang="en-US" dirty="0" smtClean="0">
+                <a:latin typeface="Monaco"/>
+                <a:cs typeface="Monaco"/>
+              </a:rPr>
+              <a:t>print s</a:t>
             </a:r>
           </a:p>
           <a:p>
@@ -21623,80 +21416,266 @@
                 <a:latin typeface="Monaco"/>
                 <a:cs typeface="Monaco"/>
               </a:rPr>
-              <a:t>f = [1, 2, 3]</a:t>
-            </a:r>
-          </a:p>
-          <a:p>
-            <a:r>
-              <a:rPr lang="en-US" dirty="0" err="1">
-                <a:latin typeface="Monaco"/>
-                <a:cs typeface="Monaco"/>
-              </a:rPr>
-              <a:t>f.append</a:t>
-            </a:r>
-            <a:r>
-              <a:rPr lang="en-US" dirty="0">
-                <a:latin typeface="Monaco"/>
-                <a:cs typeface="Monaco"/>
-              </a:rPr>
-              <a:t>(4)</a:t>
-            </a:r>
-          </a:p>
-          <a:p>
-            <a:r>
-              <a:rPr lang="en-US" dirty="0">
-                <a:latin typeface="Monaco"/>
-                <a:cs typeface="Monaco"/>
-              </a:rPr>
-              <a:t>print f</a:t>
-            </a:r>
-          </a:p>
-          <a:p>
-            <a:r>
-              <a:rPr lang="en-US" dirty="0">
-                <a:solidFill>
-                  <a:srgbClr val="A6A6A6"/>
-                </a:solidFill>
-                <a:latin typeface="Monaco"/>
-                <a:cs typeface="Monaco"/>
-              </a:rPr>
-              <a:t>	[1, 2, 3, 4</a:t>
-            </a:r>
-            <a:r>
-              <a:rPr lang="en-US" dirty="0" smtClean="0">
-                <a:solidFill>
-                  <a:srgbClr val="A6A6A6"/>
-                </a:solidFill>
-                <a:latin typeface="Monaco"/>
-                <a:cs typeface="Monaco"/>
-              </a:rPr>
-              <a:t>]</a:t>
-            </a:r>
-          </a:p>
-          <a:p>
-            <a:endParaRPr lang="en-US" dirty="0" smtClean="0">
+              <a:t> </a:t>
+            </a:r>
+            <a:r>
+              <a:rPr lang="en-US" dirty="0" smtClean="0">
+                <a:latin typeface="Monaco"/>
+                <a:cs typeface="Monaco"/>
+              </a:rPr>
+              <a:t>   </a:t>
+            </a:r>
+            <a:r>
+              <a:rPr lang="en-US" dirty="0" smtClean="0">
+                <a:solidFill>
+                  <a:schemeClr val="bg1">
+                    <a:lumMod val="65000"/>
+                  </a:schemeClr>
+                </a:solidFill>
+                <a:latin typeface="Monaco"/>
+                <a:cs typeface="Monaco"/>
+              </a:rPr>
+              <a:t>example</a:t>
+            </a:r>
+          </a:p>
+          <a:p>
+            <a:endParaRPr lang="en-US" dirty="0">
               <a:solidFill>
-                <a:srgbClr val="A6A6A6"/>
+                <a:schemeClr val="bg1">
+                  <a:lumMod val="65000"/>
+                </a:schemeClr>
               </a:solidFill>
               <a:latin typeface="Monaco"/>
               <a:cs typeface="Monaco"/>
             </a:endParaRPr>
           </a:p>
           <a:p>
+            <a:r>
+              <a:rPr lang="en-US" dirty="0" smtClean="0">
+                <a:latin typeface="Monaco"/>
+                <a:cs typeface="Monaco"/>
+              </a:rPr>
+              <a:t># But if we re-define s when calling .upper()... </a:t>
+            </a:r>
+          </a:p>
+          <a:p>
+            <a:r>
+              <a:rPr lang="en-US" dirty="0" smtClean="0">
+                <a:latin typeface="Monaco"/>
+                <a:cs typeface="Monaco"/>
+              </a:rPr>
+              <a:t>s = </a:t>
+            </a:r>
+            <a:r>
+              <a:rPr lang="en-US" dirty="0" err="1" smtClean="0">
+                <a:latin typeface="Monaco"/>
+                <a:cs typeface="Monaco"/>
+              </a:rPr>
+              <a:t>s.upper</a:t>
+            </a:r>
+            <a:r>
+              <a:rPr lang="en-US" dirty="0" smtClean="0">
+                <a:latin typeface="Monaco"/>
+                <a:cs typeface="Monaco"/>
+              </a:rPr>
+              <a:t>()</a:t>
+            </a:r>
+          </a:p>
+          <a:p>
+            <a:r>
+              <a:rPr lang="en-US" dirty="0" smtClean="0">
+                <a:latin typeface="Monaco"/>
+                <a:cs typeface="Monaco"/>
+              </a:rPr>
+              <a:t>print s</a:t>
+            </a:r>
+          </a:p>
+          <a:p>
+            <a:r>
+              <a:rPr lang="en-US" dirty="0">
+                <a:solidFill>
+                  <a:schemeClr val="bg1">
+                    <a:lumMod val="65000"/>
+                  </a:schemeClr>
+                </a:solidFill>
+                <a:latin typeface="Monaco"/>
+                <a:cs typeface="Monaco"/>
+              </a:rPr>
+              <a:t> </a:t>
+            </a:r>
+            <a:r>
+              <a:rPr lang="en-US" dirty="0" smtClean="0">
+                <a:solidFill>
+                  <a:schemeClr val="bg1">
+                    <a:lumMod val="65000"/>
+                  </a:schemeClr>
+                </a:solidFill>
+                <a:latin typeface="Monaco"/>
+                <a:cs typeface="Monaco"/>
+              </a:rPr>
+              <a:t>   EXAMPLE</a:t>
+            </a:r>
+          </a:p>
+          <a:p>
             <a:endParaRPr lang="en-US" dirty="0">
               <a:solidFill>
-                <a:srgbClr val="A6A6A6"/>
+                <a:schemeClr val="bg1">
+                  <a:lumMod val="65000"/>
+                </a:schemeClr>
               </a:solidFill>
               <a:latin typeface="Monaco"/>
               <a:cs typeface="Monaco"/>
             </a:endParaRPr>
           </a:p>
+          <a:p>
+            <a:r>
+              <a:rPr lang="en-US" dirty="0">
+                <a:latin typeface="Monaco"/>
+                <a:cs typeface="Monaco"/>
+              </a:rPr>
+              <a:t># </a:t>
+            </a:r>
+            <a:r>
+              <a:rPr lang="en-US" dirty="0" smtClean="0">
+                <a:latin typeface="Monaco"/>
+                <a:cs typeface="Monaco"/>
+              </a:rPr>
+              <a:t>We'll get *an error* if we try too much</a:t>
+            </a:r>
+          </a:p>
+          <a:p>
+            <a:r>
+              <a:rPr lang="en-US" dirty="0" smtClean="0">
+                <a:latin typeface="Monaco"/>
+                <a:cs typeface="Monaco"/>
+              </a:rPr>
+              <a:t>s[2] = "A"</a:t>
+            </a:r>
+          </a:p>
+        </p:txBody>
+      </p:sp>
+      <p:sp>
+        <p:nvSpPr>
+          <p:cNvPr id="5" name="TextBox 4"/>
+          <p:cNvSpPr txBox="1"/>
+          <p:nvPr/>
+        </p:nvSpPr>
+        <p:spPr>
+          <a:xfrm>
+            <a:off x="585515" y="5345546"/>
+            <a:ext cx="8634604" cy="646331"/>
+          </a:xfrm>
+          <a:prstGeom prst="rect">
+            <a:avLst/>
+          </a:prstGeom>
+          <a:noFill/>
+        </p:spPr>
+        <p:txBody>
+          <a:bodyPr wrap="square" rtlCol="0">
+            <a:spAutoFit/>
+          </a:bodyPr>
+          <a:lstStyle/>
+          <a:p>
+            <a:r>
+              <a:rPr lang="en-US" dirty="0" err="1" smtClean="0">
+                <a:solidFill>
+                  <a:schemeClr val="tx2"/>
+                </a:solidFill>
+                <a:latin typeface="Monaco"/>
+                <a:cs typeface="Monaco"/>
+              </a:rPr>
+              <a:t>Traceback</a:t>
+            </a:r>
+            <a:r>
+              <a:rPr lang="en-US" dirty="0" smtClean="0">
+                <a:solidFill>
+                  <a:schemeClr val="tx2"/>
+                </a:solidFill>
+                <a:latin typeface="Monaco"/>
+                <a:cs typeface="Monaco"/>
+              </a:rPr>
+              <a:t> </a:t>
+            </a:r>
+            <a:r>
+              <a:rPr lang="en-US" dirty="0">
+                <a:solidFill>
+                  <a:schemeClr val="tx2"/>
+                </a:solidFill>
+                <a:latin typeface="Monaco"/>
+                <a:cs typeface="Monaco"/>
+              </a:rPr>
+              <a:t>(most recent call last):</a:t>
+            </a:r>
+          </a:p>
+          <a:p>
+            <a:r>
+              <a:rPr lang="en-US" dirty="0">
+                <a:solidFill>
+                  <a:schemeClr val="tx2"/>
+                </a:solidFill>
+                <a:latin typeface="Monaco"/>
+                <a:cs typeface="Monaco"/>
+              </a:rPr>
+              <a:t>  </a:t>
+            </a:r>
+            <a:r>
+              <a:rPr lang="en-US" dirty="0" err="1">
+                <a:solidFill>
+                  <a:schemeClr val="tx2"/>
+                </a:solidFill>
+                <a:latin typeface="Monaco"/>
+                <a:cs typeface="Monaco"/>
+              </a:rPr>
+              <a:t>TypeError</a:t>
+            </a:r>
+            <a:r>
+              <a:rPr lang="en-US" dirty="0">
+                <a:solidFill>
+                  <a:schemeClr val="tx2"/>
+                </a:solidFill>
+                <a:latin typeface="Monaco"/>
+                <a:cs typeface="Monaco"/>
+              </a:rPr>
+              <a:t>: '</a:t>
+            </a:r>
+            <a:r>
+              <a:rPr lang="en-US" dirty="0" err="1">
+                <a:solidFill>
+                  <a:schemeClr val="tx2"/>
+                </a:solidFill>
+                <a:latin typeface="Monaco"/>
+                <a:cs typeface="Monaco"/>
+              </a:rPr>
+              <a:t>str</a:t>
+            </a:r>
+            <a:r>
+              <a:rPr lang="en-US" dirty="0">
+                <a:solidFill>
+                  <a:schemeClr val="tx2"/>
+                </a:solidFill>
+                <a:latin typeface="Monaco"/>
+                <a:cs typeface="Monaco"/>
+              </a:rPr>
+              <a:t>' object does not support item </a:t>
+            </a:r>
+            <a:r>
+              <a:rPr lang="en-US" dirty="0" smtClean="0">
+                <a:solidFill>
+                  <a:schemeClr val="tx2"/>
+                </a:solidFill>
+                <a:latin typeface="Monaco"/>
+                <a:cs typeface="Monaco"/>
+              </a:rPr>
+              <a:t>assignment</a:t>
+            </a:r>
+            <a:endParaRPr lang="en-US" dirty="0"/>
+          </a:p>
         </p:txBody>
       </p:sp>
     </p:spTree>
     <p:extLst>
       <p:ext uri="{BB962C8B-B14F-4D97-AF65-F5344CB8AC3E}">
-        <p14:creationId xmlns:p14="http://schemas.microsoft.com/office/powerpoint/2010/main" val="284186306"/>
+        <p14:creationId xmlns:p14="http://schemas.microsoft.com/office/powerpoint/2010/main" val="1535974828"/>
       </p:ext>
     </p:extLst>
   </p:cSld>
@@ -21755,7 +21734,7 @@
         <p:spPr>
           <a:xfrm>
             <a:off x="521555" y="1652227"/>
-            <a:ext cx="8021678" cy="3416320"/>
+            <a:ext cx="8021678" cy="2031325"/>
           </a:xfrm>
           <a:prstGeom prst="rect">
             <a:avLst/>
@@ -21842,83 +21821,6 @@
             </a:endParaRPr>
           </a:p>
           <a:p>
-            <a:r>
-              <a:rPr lang="en-US" dirty="0" smtClean="0">
-                <a:solidFill>
-                  <a:srgbClr val="000000"/>
-                </a:solidFill>
-                <a:latin typeface="Monaco"/>
-                <a:cs typeface="Monaco"/>
-              </a:rPr>
-              <a:t># We can use indexing to re-write items in lists</a:t>
-            </a:r>
-          </a:p>
-          <a:p>
-            <a:r>
-              <a:rPr lang="en-US" dirty="0" smtClean="0">
-                <a:solidFill>
-                  <a:srgbClr val="000000"/>
-                </a:solidFill>
-                <a:latin typeface="Monaco"/>
-                <a:cs typeface="Monaco"/>
-              </a:rPr>
-              <a:t>f[2] = 77.8</a:t>
-            </a:r>
-          </a:p>
-          <a:p>
-            <a:r>
-              <a:rPr lang="en-US" dirty="0" smtClean="0">
-                <a:solidFill>
-                  <a:srgbClr val="000000"/>
-                </a:solidFill>
-                <a:latin typeface="Monaco"/>
-                <a:cs typeface="Monaco"/>
-              </a:rPr>
-              <a:t>print f</a:t>
-            </a:r>
-          </a:p>
-          <a:p>
-            <a:r>
-              <a:rPr lang="en-US" dirty="0">
-                <a:solidFill>
-                  <a:srgbClr val="A6A6A6"/>
-                </a:solidFill>
-                <a:latin typeface="Monaco"/>
-                <a:cs typeface="Monaco"/>
-              </a:rPr>
-              <a:t>	[1, 2, </a:t>
-            </a:r>
-            <a:r>
-              <a:rPr lang="en-US" dirty="0" smtClean="0">
-                <a:solidFill>
-                  <a:srgbClr val="A6A6A6"/>
-                </a:solidFill>
-                <a:latin typeface="Monaco"/>
-                <a:cs typeface="Monaco"/>
-              </a:rPr>
-              <a:t>77.8, </a:t>
-            </a:r>
-            <a:r>
-              <a:rPr lang="en-US" dirty="0">
-                <a:solidFill>
-                  <a:srgbClr val="A6A6A6"/>
-                </a:solidFill>
-                <a:latin typeface="Monaco"/>
-                <a:cs typeface="Monaco"/>
-              </a:rPr>
-              <a:t>4]</a:t>
-            </a:r>
-          </a:p>
-          <a:p>
-            <a:endParaRPr lang="en-US" dirty="0" smtClean="0">
-              <a:solidFill>
-                <a:srgbClr val="A6A6A6"/>
-              </a:solidFill>
-              <a:latin typeface="Monaco"/>
-              <a:cs typeface="Monaco"/>
-            </a:endParaRPr>
-          </a:p>
-          <a:p>
             <a:endParaRPr lang="en-US" dirty="0">
               <a:solidFill>
                 <a:srgbClr val="A6A6A6"/>
@@ -21932,7 +21834,7 @@
     </p:spTree>
     <p:extLst>
       <p:ext uri="{BB962C8B-B14F-4D97-AF65-F5344CB8AC3E}">
-        <p14:creationId xmlns:p14="http://schemas.microsoft.com/office/powerpoint/2010/main" val="1727971694"/>
+        <p14:creationId xmlns:p14="http://schemas.microsoft.com/office/powerpoint/2010/main" val="284186306"/>
       </p:ext>
     </p:extLst>
   </p:cSld>
@@ -21976,51 +21878,8 @@
           <a:p>
             <a:r>
               <a:rPr lang="en-US" dirty="0" smtClean="0"/>
-              <a:t>a note on methods</a:t>
-            </a:r>
-            <a:endParaRPr lang="en-US" dirty="0"/>
-          </a:p>
-        </p:txBody>
-      </p:sp>
-      <p:sp>
-        <p:nvSpPr>
-          <p:cNvPr id="3" name="Content Placeholder 2"/>
-          <p:cNvSpPr>
-            <a:spLocks noGrp="1"/>
-          </p:cNvSpPr>
-          <p:nvPr>
-            <p:ph idx="1"/>
-          </p:nvPr>
-        </p:nvSpPr>
-        <p:spPr/>
-        <p:txBody>
-          <a:bodyPr/>
-          <a:lstStyle/>
-          <a:p>
-            <a:pPr marL="457200" indent="-457200">
-              <a:buFont typeface="Arial"/>
-              <a:buChar char="•"/>
-            </a:pPr>
-            <a:r>
-              <a:rPr lang="en-US" dirty="0" smtClean="0"/>
-              <a:t>Methods are functions </a:t>
-            </a:r>
-            <a:r>
-              <a:rPr lang="en-US" i="1" dirty="0" smtClean="0"/>
-              <a:t>specific to a certain object</a:t>
-            </a:r>
-          </a:p>
-          <a:p>
-            <a:pPr marL="457200" indent="-457200">
-              <a:buFont typeface="Arial"/>
-              <a:buChar char="•"/>
-            </a:pPr>
-            <a:r>
-              <a:rPr lang="en-US" dirty="0" smtClean="0"/>
-              <a:t>Functions are/can be much more general:</a:t>
-            </a:r>
-          </a:p>
-          <a:p>
+              <a:t>lists are mutable</a:t>
+            </a:r>
             <a:endParaRPr lang="en-US" dirty="0"/>
           </a:p>
         </p:txBody>
@@ -22033,8 +21892,8 @@
         </p:nvSpPr>
         <p:spPr>
           <a:xfrm>
-            <a:off x="165207" y="3807214"/>
-            <a:ext cx="8643002" cy="2862323"/>
+            <a:off x="521555" y="1652227"/>
+            <a:ext cx="8021678" cy="3416320"/>
           </a:xfrm>
           <a:prstGeom prst="rect">
             <a:avLst/>
@@ -22052,137 +21911,166 @@
                 <a:latin typeface="Monaco"/>
                 <a:cs typeface="Monaco"/>
               </a:rPr>
-              <a:t>s = "python"</a:t>
-            </a:r>
-          </a:p>
-          <a:p>
-            <a:r>
-              <a:rPr lang="en-US" dirty="0" smtClean="0">
-                <a:latin typeface="Monaco"/>
-                <a:cs typeface="Monaco"/>
-              </a:rPr>
-              <a:t>print </a:t>
-            </a:r>
-            <a:r>
-              <a:rPr lang="en-US" dirty="0" err="1" smtClean="0">
-                <a:latin typeface="Monaco"/>
-                <a:cs typeface="Monaco"/>
-              </a:rPr>
-              <a:t>len</a:t>
-            </a:r>
-            <a:r>
-              <a:rPr lang="en-US" dirty="0" smtClean="0">
-                <a:latin typeface="Monaco"/>
-                <a:cs typeface="Monaco"/>
-              </a:rPr>
-              <a:t>(s)  # number of characters</a:t>
+              <a:t># Lists *will* change when methods are called</a:t>
             </a:r>
           </a:p>
           <a:p>
             <a:r>
               <a:rPr lang="en-US" dirty="0">
-                <a:solidFill>
-                  <a:schemeClr val="bg1">
-                    <a:lumMod val="65000"/>
-                  </a:schemeClr>
-                </a:solidFill>
-                <a:latin typeface="Monaco"/>
-                <a:cs typeface="Monaco"/>
-              </a:rPr>
-              <a:t>	</a:t>
-            </a:r>
-            <a:r>
-              <a:rPr lang="en-US" dirty="0" smtClean="0">
-                <a:solidFill>
-                  <a:schemeClr val="bg1">
-                    <a:lumMod val="65000"/>
-                  </a:schemeClr>
-                </a:solidFill>
-                <a:latin typeface="Monaco"/>
-                <a:cs typeface="Monaco"/>
-              </a:rPr>
-              <a:t>6</a:t>
-            </a:r>
-          </a:p>
-          <a:p>
-            <a:endParaRPr lang="en-US" dirty="0">
-              <a:latin typeface="Monaco"/>
-              <a:cs typeface="Monaco"/>
-            </a:endParaRPr>
-          </a:p>
-          <a:p>
-            <a:r>
-              <a:rPr lang="en-US" dirty="0" smtClean="0">
-                <a:latin typeface="Monaco"/>
-                <a:cs typeface="Monaco"/>
-              </a:rPr>
-              <a:t>d = ["p", "y", "t", "h", "o", "n"]</a:t>
-            </a:r>
-          </a:p>
-          <a:p>
-            <a:r>
-              <a:rPr lang="en-US" dirty="0" smtClean="0">
-                <a:latin typeface="Monaco"/>
-                <a:cs typeface="Monaco"/>
-              </a:rPr>
-              <a:t>print </a:t>
-            </a:r>
-            <a:r>
-              <a:rPr lang="en-US" dirty="0" err="1" smtClean="0">
-                <a:latin typeface="Monaco"/>
-                <a:cs typeface="Monaco"/>
-              </a:rPr>
-              <a:t>len</a:t>
-            </a:r>
-            <a:r>
-              <a:rPr lang="en-US" dirty="0" smtClean="0">
-                <a:latin typeface="Monaco"/>
-                <a:cs typeface="Monaco"/>
-              </a:rPr>
-              <a:t>(d)  # number of items</a:t>
-            </a:r>
-          </a:p>
-          <a:p>
-            <a:r>
-              <a:rPr lang="en-US" dirty="0" smtClean="0">
+                <a:latin typeface="Monaco"/>
+                <a:cs typeface="Monaco"/>
+              </a:rPr>
+              <a:t>f = [1, 2, 3]</a:t>
+            </a:r>
+          </a:p>
+          <a:p>
+            <a:r>
+              <a:rPr lang="en-US" dirty="0" err="1">
+                <a:latin typeface="Monaco"/>
+                <a:cs typeface="Monaco"/>
+              </a:rPr>
+              <a:t>f.append</a:t>
+            </a:r>
+            <a:r>
+              <a:rPr lang="en-US" dirty="0">
+                <a:latin typeface="Monaco"/>
+                <a:cs typeface="Monaco"/>
+              </a:rPr>
+              <a:t>(4)</a:t>
+            </a:r>
+          </a:p>
+          <a:p>
+            <a:r>
+              <a:rPr lang="en-US" dirty="0">
+                <a:latin typeface="Monaco"/>
+                <a:cs typeface="Monaco"/>
+              </a:rPr>
+              <a:t>print f</a:t>
+            </a:r>
+          </a:p>
+          <a:p>
+            <a:r>
+              <a:rPr lang="en-US" dirty="0">
                 <a:solidFill>
                   <a:srgbClr val="A6A6A6"/>
                 </a:solidFill>
                 <a:latin typeface="Monaco"/>
                 <a:cs typeface="Monaco"/>
               </a:rPr>
-              <a:t>	6</a:t>
+              <a:t>	[1, 2, 3, 4</a:t>
+            </a:r>
+            <a:r>
+              <a:rPr lang="en-US" dirty="0" smtClean="0">
+                <a:solidFill>
+                  <a:srgbClr val="A6A6A6"/>
+                </a:solidFill>
+                <a:latin typeface="Monaco"/>
+                <a:cs typeface="Monaco"/>
+              </a:rPr>
+              <a:t>]</a:t>
             </a:r>
           </a:p>
           <a:p>
             <a:endParaRPr lang="en-US" dirty="0" smtClean="0">
-              <a:latin typeface="Monaco"/>
-              <a:cs typeface="Monaco"/>
-            </a:endParaRPr>
-          </a:p>
-          <a:p>
-            <a:endParaRPr lang="en-US" dirty="0">
-              <a:latin typeface="Monaco"/>
-              <a:cs typeface="Monaco"/>
-            </a:endParaRPr>
-          </a:p>
-          <a:p>
-            <a:endParaRPr lang="en-US" dirty="0">
               <a:solidFill>
-                <a:schemeClr val="bg1">
-                  <a:lumMod val="65000"/>
-                </a:schemeClr>
+                <a:srgbClr val="A6A6A6"/>
               </a:solidFill>
               <a:latin typeface="Monaco"/>
               <a:cs typeface="Monaco"/>
             </a:endParaRPr>
           </a:p>
+          <a:p>
+            <a:r>
+              <a:rPr lang="en-US" dirty="0" smtClean="0">
+                <a:solidFill>
+                  <a:srgbClr val="000000"/>
+                </a:solidFill>
+                <a:latin typeface="Monaco"/>
+                <a:cs typeface="Monaco"/>
+              </a:rPr>
+              <a:t># We can use indexing to re-write items in lists</a:t>
+            </a:r>
+          </a:p>
+          <a:p>
+            <a:r>
+              <a:rPr lang="en-US" dirty="0" smtClean="0">
+                <a:solidFill>
+                  <a:srgbClr val="000000"/>
+                </a:solidFill>
+                <a:latin typeface="Monaco"/>
+                <a:cs typeface="Monaco"/>
+              </a:rPr>
+              <a:t>f[2] = 77.8</a:t>
+            </a:r>
+          </a:p>
+          <a:p>
+            <a:r>
+              <a:rPr lang="en-US" dirty="0" smtClean="0">
+                <a:solidFill>
+                  <a:srgbClr val="000000"/>
+                </a:solidFill>
+                <a:latin typeface="Monaco"/>
+                <a:cs typeface="Monaco"/>
+              </a:rPr>
+              <a:t>print f</a:t>
+            </a:r>
+          </a:p>
+          <a:p>
+            <a:r>
+              <a:rPr lang="en-US" dirty="0">
+                <a:solidFill>
+                  <a:srgbClr val="A6A6A6"/>
+                </a:solidFill>
+                <a:latin typeface="Monaco"/>
+                <a:cs typeface="Monaco"/>
+              </a:rPr>
+              <a:t>	[1, 2, </a:t>
+            </a:r>
+            <a:r>
+              <a:rPr lang="en-US" dirty="0" smtClean="0">
+                <a:solidFill>
+                  <a:srgbClr val="A6A6A6"/>
+                </a:solidFill>
+                <a:latin typeface="Monaco"/>
+                <a:cs typeface="Monaco"/>
+              </a:rPr>
+              <a:t>77.8, </a:t>
+            </a:r>
+            <a:r>
+              <a:rPr lang="en-US" dirty="0">
+                <a:solidFill>
+                  <a:srgbClr val="A6A6A6"/>
+                </a:solidFill>
+                <a:latin typeface="Monaco"/>
+                <a:cs typeface="Monaco"/>
+              </a:rPr>
+              <a:t>4]</a:t>
+            </a:r>
+          </a:p>
+          <a:p>
+            <a:endParaRPr lang="en-US" dirty="0" smtClean="0">
+              <a:solidFill>
+                <a:srgbClr val="A6A6A6"/>
+              </a:solidFill>
+              <a:latin typeface="Monaco"/>
+              <a:cs typeface="Monaco"/>
+            </a:endParaRPr>
+          </a:p>
+          <a:p>
+            <a:endParaRPr lang="en-US" dirty="0">
+              <a:solidFill>
+                <a:srgbClr val="A6A6A6"/>
+              </a:solidFill>
+              <a:latin typeface="Monaco"/>
+              <a:cs typeface="Monaco"/>
+            </a:endParaRPr>
+          </a:p>
         </p:txBody>
       </p:sp>
     </p:spTree>
     <p:extLst>
       <p:ext uri="{BB962C8B-B14F-4D97-AF65-F5344CB8AC3E}">
-        <p14:creationId xmlns:p14="http://schemas.microsoft.com/office/powerpoint/2010/main" val="922841025"/>
+        <p14:creationId xmlns:p14="http://schemas.microsoft.com/office/powerpoint/2010/main" val="1727971694"/>
       </p:ext>
     </p:extLst>
   </p:cSld>
@@ -22226,7 +22114,7 @@
           <a:p>
             <a:r>
               <a:rPr lang="en-US" dirty="0" smtClean="0"/>
-              <a:t>A Note on print statements</a:t>
+              <a:t>a note on methods</a:t>
             </a:r>
             <a:endParaRPr lang="en-US" dirty="0"/>
           </a:p>
@@ -22253,20 +22141,186 @@
             </a:pPr>
             <a:r>
               <a:rPr lang="en-US" dirty="0" smtClean="0"/>
-              <a:t>To print *more than one thing*, join items together with +,  </a:t>
+              <a:t>Methods are functions </a:t>
             </a:r>
             <a:r>
               <a:rPr lang="en-US" i="1" dirty="0" smtClean="0"/>
-              <a:t>as strings</a:t>
-            </a:r>
+              <a:t>specific to a certain object</a:t>
+            </a:r>
+          </a:p>
+          <a:p>
+            <a:pPr marL="457200" indent="-457200">
+              <a:buFont typeface="Arial"/>
+              <a:buChar char="•"/>
+            </a:pPr>
+            <a:r>
+              <a:rPr lang="en-US" dirty="0" smtClean="0"/>
+              <a:t>Functions are/can be much more general:</a:t>
+            </a:r>
+          </a:p>
+          <a:p>
             <a:endParaRPr lang="en-US" dirty="0"/>
+          </a:p>
+        </p:txBody>
+      </p:sp>
+      <p:sp>
+        <p:nvSpPr>
+          <p:cNvPr id="4" name="TextBox 3"/>
+          <p:cNvSpPr txBox="1"/>
+          <p:nvPr/>
+        </p:nvSpPr>
+        <p:spPr>
+          <a:xfrm>
+            <a:off x="165207" y="3807214"/>
+            <a:ext cx="8643002" cy="2862323"/>
+          </a:xfrm>
+          <a:prstGeom prst="rect">
+            <a:avLst/>
+          </a:prstGeom>
+          <a:noFill/>
+        </p:spPr>
+        <p:txBody>
+          <a:bodyPr wrap="square" rtlCol="0">
+            <a:spAutoFit/>
+          </a:bodyPr>
+          <a:lstStyle/>
+          <a:p>
+            <a:r>
+              <a:rPr lang="en-US" dirty="0" smtClean="0">
+                <a:latin typeface="Monaco"/>
+                <a:cs typeface="Monaco"/>
+              </a:rPr>
+              <a:t>s = "python"</a:t>
+            </a:r>
+          </a:p>
+          <a:p>
+            <a:r>
+              <a:rPr lang="en-US" dirty="0" smtClean="0">
+                <a:latin typeface="Monaco"/>
+                <a:cs typeface="Monaco"/>
+              </a:rPr>
+              <a:t>print </a:t>
+            </a:r>
+            <a:r>
+              <a:rPr lang="en-US" dirty="0" err="1" smtClean="0">
+                <a:latin typeface="Monaco"/>
+                <a:cs typeface="Monaco"/>
+              </a:rPr>
+              <a:t>len</a:t>
+            </a:r>
+            <a:r>
+              <a:rPr lang="en-US" dirty="0" smtClean="0">
+                <a:latin typeface="Monaco"/>
+                <a:cs typeface="Monaco"/>
+              </a:rPr>
+              <a:t>(s)  # number of characters</a:t>
+            </a:r>
+          </a:p>
+          <a:p>
+            <a:r>
+              <a:rPr lang="en-US" dirty="0">
+                <a:solidFill>
+                  <a:schemeClr val="bg1">
+                    <a:lumMod val="65000"/>
+                  </a:schemeClr>
+                </a:solidFill>
+                <a:latin typeface="Monaco"/>
+                <a:cs typeface="Monaco"/>
+              </a:rPr>
+              <a:t>	</a:t>
+            </a:r>
+            <a:r>
+              <a:rPr lang="en-US" dirty="0" smtClean="0">
+                <a:solidFill>
+                  <a:schemeClr val="bg1">
+                    <a:lumMod val="65000"/>
+                  </a:schemeClr>
+                </a:solidFill>
+                <a:latin typeface="Monaco"/>
+                <a:cs typeface="Monaco"/>
+              </a:rPr>
+              <a:t>6</a:t>
+            </a:r>
+          </a:p>
+          <a:p>
+            <a:endParaRPr lang="en-US" dirty="0">
+              <a:latin typeface="Monaco"/>
+              <a:cs typeface="Monaco"/>
+            </a:endParaRPr>
+          </a:p>
+          <a:p>
+            <a:r>
+              <a:rPr lang="en-US" dirty="0" smtClean="0">
+                <a:latin typeface="Monaco"/>
+                <a:cs typeface="Monaco"/>
+              </a:rPr>
+              <a:t>d = ["p", "y", "t", "h", "o", "n"]</a:t>
+            </a:r>
+          </a:p>
+          <a:p>
+            <a:r>
+              <a:rPr lang="en-US" dirty="0" smtClean="0">
+                <a:latin typeface="Monaco"/>
+                <a:cs typeface="Monaco"/>
+              </a:rPr>
+              <a:t>print </a:t>
+            </a:r>
+            <a:r>
+              <a:rPr lang="en-US" dirty="0" err="1" smtClean="0">
+                <a:latin typeface="Monaco"/>
+                <a:cs typeface="Monaco"/>
+              </a:rPr>
+              <a:t>len</a:t>
+            </a:r>
+            <a:r>
+              <a:rPr lang="en-US" dirty="0" smtClean="0">
+                <a:latin typeface="Monaco"/>
+                <a:cs typeface="Monaco"/>
+              </a:rPr>
+              <a:t>(d)  # number of items</a:t>
+            </a:r>
+          </a:p>
+          <a:p>
+            <a:r>
+              <a:rPr lang="en-US" dirty="0" smtClean="0">
+                <a:solidFill>
+                  <a:srgbClr val="A6A6A6"/>
+                </a:solidFill>
+                <a:latin typeface="Monaco"/>
+                <a:cs typeface="Monaco"/>
+              </a:rPr>
+              <a:t>	6</a:t>
+            </a:r>
+          </a:p>
+          <a:p>
+            <a:endParaRPr lang="en-US" dirty="0" smtClean="0">
+              <a:latin typeface="Monaco"/>
+              <a:cs typeface="Monaco"/>
+            </a:endParaRPr>
+          </a:p>
+          <a:p>
+            <a:endParaRPr lang="en-US" dirty="0">
+              <a:latin typeface="Monaco"/>
+              <a:cs typeface="Monaco"/>
+            </a:endParaRPr>
+          </a:p>
+          <a:p>
+            <a:endParaRPr lang="en-US" dirty="0">
+              <a:solidFill>
+                <a:schemeClr val="bg1">
+                  <a:lumMod val="65000"/>
+                </a:schemeClr>
+              </a:solidFill>
+              <a:latin typeface="Monaco"/>
+              <a:cs typeface="Monaco"/>
+            </a:endParaRPr>
           </a:p>
         </p:txBody>
       </p:sp>
     </p:spTree>
     <p:extLst>
       <p:ext uri="{BB962C8B-B14F-4D97-AF65-F5344CB8AC3E}">
-        <p14:creationId xmlns:p14="http://schemas.microsoft.com/office/powerpoint/2010/main" val="2652945682"/>
+        <p14:creationId xmlns:p14="http://schemas.microsoft.com/office/powerpoint/2010/main" val="922841025"/>
       </p:ext>
     </p:extLst>
   </p:cSld>
@@ -22318,142 +22372,39 @@
       </p:sp>
       <p:sp>
         <p:nvSpPr>
-          <p:cNvPr id="4" name="TextBox 3"/>
-          <p:cNvSpPr txBox="1"/>
-          <p:nvPr/>
-        </p:nvSpPr>
-        <p:spPr>
-          <a:xfrm>
-            <a:off x="146194" y="1661364"/>
-            <a:ext cx="8735113" cy="2308324"/>
-          </a:xfrm>
-          <a:prstGeom prst="rect">
-            <a:avLst/>
-          </a:prstGeom>
-          <a:noFill/>
-        </p:spPr>
-        <p:txBody>
-          <a:bodyPr wrap="square" rtlCol="0">
-            <a:spAutoFit/>
-          </a:bodyPr>
-          <a:lstStyle/>
-          <a:p>
-            <a:r>
-              <a:rPr lang="en-US" dirty="0" smtClean="0">
-                <a:latin typeface="Monaco"/>
-                <a:cs typeface="Monaco"/>
-              </a:rPr>
-              <a:t>pi = 3.1415</a:t>
-            </a:r>
-          </a:p>
-          <a:p>
-            <a:endParaRPr lang="en-US" dirty="0" smtClean="0">
-              <a:latin typeface="Monaco"/>
-              <a:cs typeface="Monaco"/>
-            </a:endParaRPr>
-          </a:p>
-          <a:p>
-            <a:r>
-              <a:rPr lang="en-US" dirty="0" smtClean="0">
-                <a:latin typeface="Monaco"/>
-                <a:cs typeface="Monaco"/>
-              </a:rPr>
-              <a:t>print pi</a:t>
-            </a:r>
-          </a:p>
-          <a:p>
-            <a:r>
-              <a:rPr lang="en-US" dirty="0" smtClean="0">
-                <a:latin typeface="Monaco"/>
-                <a:cs typeface="Monaco"/>
-              </a:rPr>
-              <a:t>	3.1415</a:t>
-            </a:r>
-          </a:p>
-          <a:p>
-            <a:endParaRPr lang="en-US" dirty="0" smtClean="0">
-              <a:latin typeface="Monaco"/>
-              <a:cs typeface="Monaco"/>
-            </a:endParaRPr>
-          </a:p>
-          <a:p>
-            <a:r>
-              <a:rPr lang="en-US" dirty="0" smtClean="0">
-                <a:latin typeface="Monaco"/>
-                <a:cs typeface="Monaco"/>
-              </a:rPr>
-              <a:t># To print a string and a float, </a:t>
-            </a:r>
-            <a:r>
-              <a:rPr lang="en-US" i="1" dirty="0" smtClean="0">
-                <a:latin typeface="Monaco"/>
-                <a:cs typeface="Monaco"/>
-              </a:rPr>
-              <a:t>re-cast</a:t>
-            </a:r>
-            <a:r>
-              <a:rPr lang="en-US" dirty="0" smtClean="0">
-                <a:latin typeface="Monaco"/>
-                <a:cs typeface="Monaco"/>
-              </a:rPr>
-              <a:t> the float to a string</a:t>
-            </a:r>
-          </a:p>
-          <a:p>
-            <a:r>
-              <a:rPr lang="en-US" dirty="0" smtClean="0">
-                <a:latin typeface="Monaco"/>
-                <a:cs typeface="Monaco"/>
-              </a:rPr>
-              <a:t>print "The value of pi is" + </a:t>
-            </a:r>
-            <a:r>
-              <a:rPr lang="en-US" dirty="0" err="1" smtClean="0">
-                <a:latin typeface="Monaco"/>
-                <a:cs typeface="Monaco"/>
-              </a:rPr>
-              <a:t>str</a:t>
-            </a:r>
-            <a:r>
-              <a:rPr lang="en-US" dirty="0" smtClean="0">
-                <a:latin typeface="Monaco"/>
-                <a:cs typeface="Monaco"/>
-              </a:rPr>
-              <a:t>(pi)</a:t>
-            </a:r>
-          </a:p>
-          <a:p>
-            <a:r>
-              <a:rPr lang="en-US" dirty="0">
-                <a:solidFill>
-                  <a:schemeClr val="bg1">
-                    <a:lumMod val="65000"/>
-                  </a:schemeClr>
-                </a:solidFill>
-                <a:latin typeface="Monaco"/>
-                <a:cs typeface="Monaco"/>
-              </a:rPr>
-              <a:t>	</a:t>
-            </a:r>
-            <a:r>
-              <a:rPr lang="en-US" dirty="0" smtClean="0">
-                <a:solidFill>
-                  <a:schemeClr val="bg1">
-                    <a:lumMod val="65000"/>
-                  </a:schemeClr>
-                </a:solidFill>
-                <a:latin typeface="Monaco"/>
-                <a:cs typeface="Monaco"/>
-              </a:rPr>
-              <a:t>The value of pi is 3.1415</a:t>
-            </a:r>
+          <p:cNvPr id="3" name="Content Placeholder 2"/>
+          <p:cNvSpPr>
+            <a:spLocks noGrp="1"/>
+          </p:cNvSpPr>
+          <p:nvPr>
+            <p:ph idx="1"/>
+          </p:nvPr>
+        </p:nvSpPr>
+        <p:spPr/>
+        <p:txBody>
+          <a:bodyPr/>
+          <a:lstStyle/>
+          <a:p>
+            <a:pPr marL="457200" indent="-457200">
+              <a:buFont typeface="Arial"/>
+              <a:buChar char="•"/>
+            </a:pPr>
+            <a:r>
+              <a:rPr lang="en-US" dirty="0" smtClean="0"/>
+              <a:t>To print *more than one thing*, join items together with +,  </a:t>
+            </a:r>
+            <a:r>
+              <a:rPr lang="en-US" i="1" dirty="0" smtClean="0"/>
+              <a:t>as strings</a:t>
+            </a:r>
+            <a:endParaRPr lang="en-US" dirty="0"/>
           </a:p>
         </p:txBody>
       </p:sp>
     </p:spTree>
     <p:extLst>
       <p:ext uri="{BB962C8B-B14F-4D97-AF65-F5344CB8AC3E}">
-        <p14:creationId xmlns:p14="http://schemas.microsoft.com/office/powerpoint/2010/main" val="1745139060"/>
+        <p14:creationId xmlns:p14="http://schemas.microsoft.com/office/powerpoint/2010/main" val="2652945682"/>
       </p:ext>
     </p:extLst>
   </p:cSld>
@@ -22512,7 +22463,7 @@
         <p:spPr>
           <a:xfrm>
             <a:off x="146194" y="1661364"/>
-            <a:ext cx="8735113" cy="4247317"/>
+            <a:ext cx="8735113" cy="2308324"/>
           </a:xfrm>
           <a:prstGeom prst="rect">
             <a:avLst/>
@@ -22526,7 +22477,7 @@
           <a:lstStyle/>
           <a:p>
             <a:r>
-              <a:rPr lang="en-US" dirty="0">
+              <a:rPr lang="en-US" dirty="0" smtClean="0">
                 <a:latin typeface="Monaco"/>
                 <a:cs typeface="Monaco"/>
               </a:rPr>
@@ -22534,14 +22485,14 @@
             </a:r>
           </a:p>
           <a:p>
-            <a:endParaRPr lang="en-US" dirty="0">
+            <a:endParaRPr lang="en-US" dirty="0" smtClean="0">
               <a:latin typeface="Monaco"/>
               <a:cs typeface="Monaco"/>
             </a:endParaRPr>
           </a:p>
           <a:p>
             <a:r>
-              <a:rPr lang="en-US" dirty="0">
+              <a:rPr lang="en-US" dirty="0" smtClean="0">
                 <a:latin typeface="Monaco"/>
                 <a:cs typeface="Monaco"/>
               </a:rPr>
@@ -22550,7 +22501,10 @@
           </a:p>
           <a:p>
             <a:r>
-              <a:rPr lang="en-US" dirty="0">
+              <a:rPr lang="en-US" dirty="0" smtClean="0">
+                <a:solidFill>
+                  <a:srgbClr val="A6A6A6"/>
+                </a:solidFill>
                 <a:latin typeface="Monaco"/>
                 <a:cs typeface="Monaco"/>
               </a:rPr>
@@ -22558,28 +22512,28 @@
             </a:r>
           </a:p>
           <a:p>
-            <a:endParaRPr lang="en-US" dirty="0">
+            <a:endParaRPr lang="en-US" dirty="0" smtClean="0">
               <a:latin typeface="Monaco"/>
               <a:cs typeface="Monaco"/>
             </a:endParaRPr>
           </a:p>
           <a:p>
             <a:r>
-              <a:rPr lang="en-US" dirty="0">
+              <a:rPr lang="en-US" dirty="0" smtClean="0">
                 <a:latin typeface="Monaco"/>
                 <a:cs typeface="Monaco"/>
               </a:rPr>
               <a:t># To print a string and a float, </a:t>
             </a:r>
             <a:r>
-              <a:rPr lang="en-US" i="1" dirty="0">
+              <a:rPr lang="en-US" i="1" dirty="0" smtClean="0">
                 <a:latin typeface="Monaco"/>
                 <a:cs typeface="Monaco"/>
               </a:rPr>
               <a:t>re-cast</a:t>
             </a:r>
             <a:r>
-              <a:rPr lang="en-US" dirty="0">
+              <a:rPr lang="en-US" dirty="0" smtClean="0">
                 <a:latin typeface="Monaco"/>
                 <a:cs typeface="Monaco"/>
               </a:rPr>
@@ -22588,21 +22542,21 @@
           </a:p>
           <a:p>
             <a:r>
-              <a:rPr lang="en-US" dirty="0">
+              <a:rPr lang="en-US" dirty="0" smtClean="0">
                 <a:latin typeface="Monaco"/>
                 <a:cs typeface="Monaco"/>
               </a:rPr>
               <a:t>print "The value of pi is" + </a:t>
             </a:r>
             <a:r>
-              <a:rPr lang="en-US" dirty="0" err="1">
+              <a:rPr lang="en-US" dirty="0" err="1" smtClean="0">
                 <a:latin typeface="Monaco"/>
                 <a:cs typeface="Monaco"/>
               </a:rPr>
               <a:t>str</a:t>
             </a:r>
             <a:r>
-              <a:rPr lang="en-US" dirty="0">
+              <a:rPr lang="en-US" dirty="0" smtClean="0">
                 <a:latin typeface="Monaco"/>
                 <a:cs typeface="Monaco"/>
               </a:rPr>
@@ -22620,100 +22574,27 @@
                 <a:latin typeface="Monaco"/>
                 <a:cs typeface="Monaco"/>
               </a:rPr>
-              <a:t>	The value of pi is 3.1415</a:t>
-            </a:r>
-          </a:p>
-          <a:p>
-            <a:endParaRPr lang="en-US" dirty="0" smtClean="0">
-              <a:solidFill>
-                <a:schemeClr val="bg1">
-                  <a:lumMod val="65000"/>
-                </a:schemeClr>
-              </a:solidFill>
-              <a:latin typeface="Monaco"/>
-              <a:cs typeface="Monaco"/>
-            </a:endParaRPr>
-          </a:p>
-          <a:p>
-            <a:endParaRPr lang="en-US" dirty="0">
-              <a:solidFill>
-                <a:schemeClr val="bg1">
-                  <a:lumMod val="65000"/>
-                </a:schemeClr>
-              </a:solidFill>
-              <a:latin typeface="Monaco"/>
-              <a:cs typeface="Monaco"/>
-            </a:endParaRPr>
-          </a:p>
-          <a:p>
-            <a:r>
-              <a:rPr lang="en-US" dirty="0" smtClean="0">
-                <a:latin typeface="Monaco"/>
-                <a:cs typeface="Monaco"/>
-              </a:rPr>
-              <a:t># Print statements that won't work:</a:t>
-            </a:r>
-          </a:p>
-          <a:p>
-            <a:r>
-              <a:rPr lang="en-US" dirty="0" smtClean="0">
-                <a:latin typeface="Monaco"/>
-                <a:cs typeface="Monaco"/>
-              </a:rPr>
-              <a:t>print "The value of pi is" </a:t>
-            </a:r>
-            <a:r>
-              <a:rPr lang="en-US" dirty="0" err="1" smtClean="0">
-                <a:latin typeface="Monaco"/>
-                <a:cs typeface="Monaco"/>
-              </a:rPr>
-              <a:t>str</a:t>
-            </a:r>
-            <a:r>
-              <a:rPr lang="en-US" dirty="0" smtClean="0">
-                <a:latin typeface="Monaco"/>
-                <a:cs typeface="Monaco"/>
-              </a:rPr>
-              <a:t>(pi) </a:t>
-            </a:r>
-          </a:p>
-          <a:p>
-            <a:r>
-              <a:rPr lang="en-US" dirty="0" smtClean="0">
-                <a:latin typeface="Monaco"/>
-                <a:cs typeface="Monaco"/>
-              </a:rPr>
-              <a:t>print "The value of pi is" + pi     </a:t>
-            </a:r>
-          </a:p>
-          <a:p>
-            <a:r>
-              <a:rPr lang="en-US" dirty="0" smtClean="0">
-                <a:latin typeface="Monaco"/>
-                <a:cs typeface="Monaco"/>
-              </a:rPr>
-              <a:t>print "The value of pi is" pi</a:t>
-            </a:r>
-          </a:p>
-          <a:p>
-            <a:r>
-              <a:rPr lang="en-US" dirty="0" smtClean="0">
-                <a:latin typeface="Monaco"/>
-                <a:cs typeface="Monaco"/>
-              </a:rPr>
-              <a:t>print "The value of pi is pi"</a:t>
-            </a:r>
-            <a:endParaRPr lang="en-US" dirty="0">
-              <a:latin typeface="Monaco"/>
-              <a:cs typeface="Monaco"/>
-            </a:endParaRPr>
+              <a:t>	</a:t>
+            </a:r>
+            <a:r>
+              <a:rPr lang="en-US" dirty="0" smtClean="0">
+                <a:solidFill>
+                  <a:schemeClr val="bg1">
+                    <a:lumMod val="65000"/>
+                  </a:schemeClr>
+                </a:solidFill>
+                <a:latin typeface="Monaco"/>
+                <a:cs typeface="Monaco"/>
+              </a:rPr>
+              <a:t>The value of pi is 3.1415</a:t>
+            </a:r>
           </a:p>
         </p:txBody>
       </p:sp>
     </p:spTree>
     <p:extLst>
       <p:ext uri="{BB962C8B-B14F-4D97-AF65-F5344CB8AC3E}">
-        <p14:creationId xmlns:p14="http://schemas.microsoft.com/office/powerpoint/2010/main" val="3959347892"/>
+        <p14:creationId xmlns:p14="http://schemas.microsoft.com/office/powerpoint/2010/main" val="1745139060"/>
       </p:ext>
     </p:extLst>
   </p:cSld>
@@ -22811,6 +22692,9 @@
           <a:p>
             <a:r>
               <a:rPr lang="en-US" dirty="0">
+                <a:solidFill>
+                  <a:srgbClr val="A6A6A6"/>
+                </a:solidFill>
                 <a:latin typeface="Monaco"/>
                 <a:cs typeface="Monaco"/>
               </a:rPr>
@@ -22934,73 +22818,34 @@
                 <a:latin typeface="Monaco"/>
                 <a:cs typeface="Monaco"/>
               </a:rPr>
-              <a:t>(pi)  # missing a +</a:t>
-            </a:r>
-          </a:p>
-          <a:p>
-            <a:r>
-              <a:rPr lang="en-US" dirty="0" smtClean="0">
-                <a:latin typeface="Monaco"/>
-                <a:cs typeface="Monaco"/>
-              </a:rPr>
-              <a:t>print "The value of pi is" + pi     # can't join float and </a:t>
-            </a:r>
-            <a:r>
-              <a:rPr lang="en-US" dirty="0" err="1" smtClean="0">
-                <a:latin typeface="Monaco"/>
-                <a:cs typeface="Monaco"/>
-              </a:rPr>
-              <a:t>str</a:t>
-            </a:r>
-            <a:endParaRPr lang="en-US" dirty="0" smtClean="0">
-              <a:latin typeface="Monaco"/>
-              <a:cs typeface="Monaco"/>
-            </a:endParaRPr>
-          </a:p>
-          <a:p>
-            <a:r>
-              <a:rPr lang="en-US" dirty="0" smtClean="0">
-                <a:latin typeface="Monaco"/>
-                <a:cs typeface="Monaco"/>
-              </a:rPr>
-              <a:t>print "The value of pi is" pi       # </a:t>
-            </a:r>
-            <a:r>
-              <a:rPr lang="en-US" dirty="0" err="1" smtClean="0">
-                <a:latin typeface="Monaco"/>
-                <a:cs typeface="Monaco"/>
-              </a:rPr>
-              <a:t>lotsa</a:t>
-            </a:r>
-            <a:r>
-              <a:rPr lang="en-US" dirty="0" smtClean="0">
-                <a:latin typeface="Monaco"/>
-                <a:cs typeface="Monaco"/>
-              </a:rPr>
-              <a:t> problems</a:t>
-            </a:r>
-          </a:p>
-          <a:p>
-            <a:r>
-              <a:rPr lang="en-US" dirty="0" smtClean="0">
-                <a:latin typeface="Monaco"/>
-                <a:cs typeface="Monaco"/>
-              </a:rPr>
-              <a:t>print "The value of pi is pi"       # ok, this works, </a:t>
-            </a:r>
-            <a:r>
-              <a:rPr lang="en-US" dirty="0" err="1" smtClean="0">
-                <a:latin typeface="Monaco"/>
-                <a:cs typeface="Monaco"/>
-              </a:rPr>
-              <a:t>kinda</a:t>
-            </a:r>
-            <a:r>
-              <a:rPr lang="en-US" dirty="0" smtClean="0">
-                <a:latin typeface="Monaco"/>
-                <a:cs typeface="Monaco"/>
-              </a:rPr>
-              <a:t>!</a:t>
+              <a:t>(pi) </a:t>
+            </a:r>
+          </a:p>
+          <a:p>
+            <a:r>
+              <a:rPr lang="en-US" dirty="0" smtClean="0">
+                <a:latin typeface="Monaco"/>
+                <a:cs typeface="Monaco"/>
+              </a:rPr>
+              <a:t>print "The value of pi is" + pi     </a:t>
+            </a:r>
+          </a:p>
+          <a:p>
+            <a:r>
+              <a:rPr lang="en-US" dirty="0" smtClean="0">
+                <a:latin typeface="Monaco"/>
+                <a:cs typeface="Monaco"/>
+              </a:rPr>
+              <a:t>print "The value of pi is" pi</a:t>
+            </a:r>
+          </a:p>
+          <a:p>
+            <a:r>
+              <a:rPr lang="en-US" dirty="0" smtClean="0">
+                <a:latin typeface="Monaco"/>
+                <a:cs typeface="Monaco"/>
+              </a:rPr>
+              <a:t>print "The value of pi is pi"</a:t>
             </a:r>
             <a:endParaRPr lang="en-US" dirty="0">
               <a:latin typeface="Monaco"/>
@@ -23012,7 +22857,7 @@
     </p:spTree>
     <p:extLst>
       <p:ext uri="{BB962C8B-B14F-4D97-AF65-F5344CB8AC3E}">
-        <p14:creationId xmlns:p14="http://schemas.microsoft.com/office/powerpoint/2010/main" val="1055048309"/>
+        <p14:creationId xmlns:p14="http://schemas.microsoft.com/office/powerpoint/2010/main" val="3959347892"/>
       </p:ext>
     </p:extLst>
   </p:cSld>
@@ -23132,6 +22977,310 @@
           <a:p>
             <a:r>
               <a:rPr lang="en-US" dirty="0" smtClean="0"/>
+              <a:t>A Note on print statements</a:t>
+            </a:r>
+            <a:endParaRPr lang="en-US" dirty="0"/>
+          </a:p>
+        </p:txBody>
+      </p:sp>
+      <p:sp>
+        <p:nvSpPr>
+          <p:cNvPr id="4" name="TextBox 3"/>
+          <p:cNvSpPr txBox="1"/>
+          <p:nvPr/>
+        </p:nvSpPr>
+        <p:spPr>
+          <a:xfrm>
+            <a:off x="146194" y="1661364"/>
+            <a:ext cx="8735113" cy="4247317"/>
+          </a:xfrm>
+          <a:prstGeom prst="rect">
+            <a:avLst/>
+          </a:prstGeom>
+          <a:noFill/>
+        </p:spPr>
+        <p:txBody>
+          <a:bodyPr wrap="square" rtlCol="0">
+            <a:spAutoFit/>
+          </a:bodyPr>
+          <a:lstStyle/>
+          <a:p>
+            <a:r>
+              <a:rPr lang="en-US" dirty="0">
+                <a:latin typeface="Monaco"/>
+                <a:cs typeface="Monaco"/>
+              </a:rPr>
+              <a:t>pi = 3.1415</a:t>
+            </a:r>
+          </a:p>
+          <a:p>
+            <a:endParaRPr lang="en-US" dirty="0">
+              <a:latin typeface="Monaco"/>
+              <a:cs typeface="Monaco"/>
+            </a:endParaRPr>
+          </a:p>
+          <a:p>
+            <a:r>
+              <a:rPr lang="en-US" dirty="0">
+                <a:latin typeface="Monaco"/>
+                <a:cs typeface="Monaco"/>
+              </a:rPr>
+              <a:t>print pi</a:t>
+            </a:r>
+          </a:p>
+          <a:p>
+            <a:r>
+              <a:rPr lang="en-US" dirty="0">
+                <a:solidFill>
+                  <a:schemeClr val="bg1">
+                    <a:lumMod val="65000"/>
+                  </a:schemeClr>
+                </a:solidFill>
+                <a:latin typeface="Monaco"/>
+                <a:cs typeface="Monaco"/>
+              </a:rPr>
+              <a:t>	3.1415</a:t>
+            </a:r>
+          </a:p>
+          <a:p>
+            <a:endParaRPr lang="en-US" dirty="0">
+              <a:latin typeface="Monaco"/>
+              <a:cs typeface="Monaco"/>
+            </a:endParaRPr>
+          </a:p>
+          <a:p>
+            <a:r>
+              <a:rPr lang="en-US" dirty="0">
+                <a:latin typeface="Monaco"/>
+                <a:cs typeface="Monaco"/>
+              </a:rPr>
+              <a:t># To print a string and a float, </a:t>
+            </a:r>
+            <a:r>
+              <a:rPr lang="en-US" i="1" dirty="0">
+                <a:latin typeface="Monaco"/>
+                <a:cs typeface="Monaco"/>
+              </a:rPr>
+              <a:t>re-cast</a:t>
+            </a:r>
+            <a:r>
+              <a:rPr lang="en-US" dirty="0">
+                <a:latin typeface="Monaco"/>
+                <a:cs typeface="Monaco"/>
+              </a:rPr>
+              <a:t> the float to a string</a:t>
+            </a:r>
+          </a:p>
+          <a:p>
+            <a:r>
+              <a:rPr lang="en-US" dirty="0">
+                <a:latin typeface="Monaco"/>
+                <a:cs typeface="Monaco"/>
+              </a:rPr>
+              <a:t>print "The value of pi is" + </a:t>
+            </a:r>
+            <a:r>
+              <a:rPr lang="en-US" dirty="0" err="1">
+                <a:latin typeface="Monaco"/>
+                <a:cs typeface="Monaco"/>
+              </a:rPr>
+              <a:t>str</a:t>
+            </a:r>
+            <a:r>
+              <a:rPr lang="en-US" dirty="0">
+                <a:latin typeface="Monaco"/>
+                <a:cs typeface="Monaco"/>
+              </a:rPr>
+              <a:t>(pi)</a:t>
+            </a:r>
+          </a:p>
+          <a:p>
+            <a:r>
+              <a:rPr lang="en-US" dirty="0">
+                <a:solidFill>
+                  <a:schemeClr val="bg1">
+                    <a:lumMod val="65000"/>
+                  </a:schemeClr>
+                </a:solidFill>
+                <a:latin typeface="Monaco"/>
+                <a:cs typeface="Monaco"/>
+              </a:rPr>
+              <a:t>	The value of pi is 3.1415</a:t>
+            </a:r>
+          </a:p>
+          <a:p>
+            <a:endParaRPr lang="en-US" dirty="0" smtClean="0">
+              <a:solidFill>
+                <a:schemeClr val="bg1">
+                  <a:lumMod val="65000"/>
+                </a:schemeClr>
+              </a:solidFill>
+              <a:latin typeface="Monaco"/>
+              <a:cs typeface="Monaco"/>
+            </a:endParaRPr>
+          </a:p>
+          <a:p>
+            <a:endParaRPr lang="en-US" dirty="0">
+              <a:solidFill>
+                <a:schemeClr val="bg1">
+                  <a:lumMod val="65000"/>
+                </a:schemeClr>
+              </a:solidFill>
+              <a:latin typeface="Monaco"/>
+              <a:cs typeface="Monaco"/>
+            </a:endParaRPr>
+          </a:p>
+          <a:p>
+            <a:r>
+              <a:rPr lang="en-US" dirty="0" smtClean="0">
+                <a:latin typeface="Monaco"/>
+                <a:cs typeface="Monaco"/>
+              </a:rPr>
+              <a:t># Print statements that won't work:</a:t>
+            </a:r>
+          </a:p>
+          <a:p>
+            <a:r>
+              <a:rPr lang="en-US" dirty="0" smtClean="0">
+                <a:latin typeface="Monaco"/>
+                <a:cs typeface="Monaco"/>
+              </a:rPr>
+              <a:t>print "The value of pi is" </a:t>
+            </a:r>
+            <a:r>
+              <a:rPr lang="en-US" dirty="0" err="1" smtClean="0">
+                <a:latin typeface="Monaco"/>
+                <a:cs typeface="Monaco"/>
+              </a:rPr>
+              <a:t>str</a:t>
+            </a:r>
+            <a:r>
+              <a:rPr lang="en-US" dirty="0" smtClean="0">
+                <a:latin typeface="Monaco"/>
+                <a:cs typeface="Monaco"/>
+              </a:rPr>
+              <a:t>(pi)  # missing a +</a:t>
+            </a:r>
+          </a:p>
+          <a:p>
+            <a:r>
+              <a:rPr lang="en-US" dirty="0" smtClean="0">
+                <a:latin typeface="Monaco"/>
+                <a:cs typeface="Monaco"/>
+              </a:rPr>
+              <a:t>print "The value of pi is" + pi     # can't join float and </a:t>
+            </a:r>
+            <a:r>
+              <a:rPr lang="en-US" dirty="0" err="1" smtClean="0">
+                <a:latin typeface="Monaco"/>
+                <a:cs typeface="Monaco"/>
+              </a:rPr>
+              <a:t>str</a:t>
+            </a:r>
+            <a:endParaRPr lang="en-US" dirty="0" smtClean="0">
+              <a:latin typeface="Monaco"/>
+              <a:cs typeface="Monaco"/>
+            </a:endParaRPr>
+          </a:p>
+          <a:p>
+            <a:r>
+              <a:rPr lang="en-US" dirty="0" smtClean="0">
+                <a:latin typeface="Monaco"/>
+                <a:cs typeface="Monaco"/>
+              </a:rPr>
+              <a:t>print "The value of pi is" pi       # </a:t>
+            </a:r>
+            <a:r>
+              <a:rPr lang="en-US" dirty="0" err="1" smtClean="0">
+                <a:latin typeface="Monaco"/>
+                <a:cs typeface="Monaco"/>
+              </a:rPr>
+              <a:t>lotsa</a:t>
+            </a:r>
+            <a:r>
+              <a:rPr lang="en-US" dirty="0" smtClean="0">
+                <a:latin typeface="Monaco"/>
+                <a:cs typeface="Monaco"/>
+              </a:rPr>
+              <a:t> problems</a:t>
+            </a:r>
+          </a:p>
+          <a:p>
+            <a:r>
+              <a:rPr lang="en-US" dirty="0" smtClean="0">
+                <a:latin typeface="Monaco"/>
+                <a:cs typeface="Monaco"/>
+              </a:rPr>
+              <a:t>print "The value of pi is pi"       # ok, this works, </a:t>
+            </a:r>
+            <a:r>
+              <a:rPr lang="en-US" dirty="0" err="1" smtClean="0">
+                <a:latin typeface="Monaco"/>
+                <a:cs typeface="Monaco"/>
+              </a:rPr>
+              <a:t>kinda</a:t>
+            </a:r>
+            <a:r>
+              <a:rPr lang="en-US" dirty="0" smtClean="0">
+                <a:latin typeface="Monaco"/>
+                <a:cs typeface="Monaco"/>
+              </a:rPr>
+              <a:t>!</a:t>
+            </a:r>
+            <a:endParaRPr lang="en-US" dirty="0">
+              <a:latin typeface="Monaco"/>
+              <a:cs typeface="Monaco"/>
+            </a:endParaRPr>
+          </a:p>
+        </p:txBody>
+      </p:sp>
+    </p:spTree>
+    <p:extLst>
+      <p:ext uri="{BB962C8B-B14F-4D97-AF65-F5344CB8AC3E}">
+        <p14:creationId xmlns:p14="http://schemas.microsoft.com/office/powerpoint/2010/main" val="1055048309"/>
+      </p:ext>
+    </p:extLst>
+  </p:cSld>
+  <p:clrMapOvr>
+    <a:masterClrMapping/>
+  </p:clrMapOvr>
+</p:sld>
+</file>
+
+<file path=ppt/slides/slide81.xml><?xml version="1.0" encoding="utf-8"?>
+<p:sld xmlns:a="http://schemas.openxmlformats.org/drawingml/2006/main" xmlns:r="http://schemas.openxmlformats.org/officeDocument/2006/relationships" xmlns:p="http://schemas.openxmlformats.org/presentationml/2006/main">
+  <p:cSld>
+    <p:spTree>
+      <p:nvGrpSpPr>
+        <p:cNvPr id="1" name=""/>
+        <p:cNvGrpSpPr/>
+        <p:nvPr/>
+      </p:nvGrpSpPr>
+      <p:grpSpPr>
+        <a:xfrm>
+          <a:off x="0" y="0"/>
+          <a:ext cx="0" cy="0"/>
+          <a:chOff x="0" y="0"/>
+          <a:chExt cx="0" cy="0"/>
+        </a:xfrm>
+      </p:grpSpPr>
+      <p:sp>
+        <p:nvSpPr>
+          <p:cNvPr id="2" name="Title 1"/>
+          <p:cNvSpPr>
+            <a:spLocks noGrp="1"/>
+          </p:cNvSpPr>
+          <p:nvPr>
+            <p:ph type="title"/>
+          </p:nvPr>
+        </p:nvSpPr>
+        <p:spPr/>
+        <p:txBody>
+          <a:bodyPr/>
+          <a:lstStyle/>
+          <a:p>
+            <a:r>
+              <a:rPr lang="en-US" dirty="0" smtClean="0"/>
               <a:t>a note on print statements</a:t>
             </a:r>
             <a:endParaRPr lang="en-US" dirty="0"/>
@@ -23417,7 +23566,259 @@
 </p:sld>
 </file>
 
-<file path=ppt/slides/slide81.xml><?xml version="1.0" encoding="utf-8"?>
+<file path=ppt/slides/slide82.xml><?xml version="1.0" encoding="utf-8"?>
+<p:sld xmlns:a="http://schemas.openxmlformats.org/drawingml/2006/main" xmlns:r="http://schemas.openxmlformats.org/officeDocument/2006/relationships" xmlns:p="http://schemas.openxmlformats.org/presentationml/2006/main">
+  <p:cSld>
+    <p:spTree>
+      <p:nvGrpSpPr>
+        <p:cNvPr id="1" name=""/>
+        <p:cNvGrpSpPr/>
+        <p:nvPr/>
+      </p:nvGrpSpPr>
+      <p:grpSpPr>
+        <a:xfrm>
+          <a:off x="0" y="0"/>
+          <a:ext cx="0" cy="0"/>
+          <a:chOff x="0" y="0"/>
+          <a:chExt cx="0" cy="0"/>
+        </a:xfrm>
+      </p:grpSpPr>
+      <p:sp>
+        <p:nvSpPr>
+          <p:cNvPr id="2" name="Title 1"/>
+          <p:cNvSpPr>
+            <a:spLocks noGrp="1"/>
+          </p:cNvSpPr>
+          <p:nvPr>
+            <p:ph type="title"/>
+          </p:nvPr>
+        </p:nvSpPr>
+        <p:spPr/>
+        <p:txBody>
+          <a:bodyPr/>
+          <a:lstStyle/>
+          <a:p>
+            <a:r>
+              <a:rPr lang="en-US"/>
+              <a:t>be cautious: python2 vs python3</a:t>
+            </a:r>
+          </a:p>
+        </p:txBody>
+      </p:sp>
+      <p:sp>
+        <p:nvSpPr>
+          <p:cNvPr id="3" name="Content Placeholder 2"/>
+          <p:cNvSpPr>
+            <a:spLocks noGrp="1"/>
+          </p:cNvSpPr>
+          <p:nvPr>
+            <p:ph idx="1"/>
+          </p:nvPr>
+        </p:nvSpPr>
+        <p:spPr/>
+        <p:txBody>
+          <a:bodyPr/>
+          <a:lstStyle/>
+          <a:p>
+            <a:pPr marL="457200" indent="-457200">
+              <a:buFont typeface="Arial"/>
+              <a:buChar char="•"/>
+            </a:pPr>
+            <a:r>
+              <a:rPr lang="en-US"/>
+              <a:t>Print statements no longer exist in Python3 ! Instead, there is a print </a:t>
+            </a:r>
+            <a:r>
+              <a:rPr lang="en-US" i="1"/>
+              <a:t>function</a:t>
+            </a:r>
+            <a:endParaRPr lang="en-US"/>
+          </a:p>
+          <a:p>
+            <a:endParaRPr lang="en-US"/>
+          </a:p>
+        </p:txBody>
+      </p:sp>
+    </p:spTree>
+    <p:extLst>
+      <p:ext uri="{BB962C8B-B14F-4D97-AF65-F5344CB8AC3E}">
+        <p14:creationId xmlns:p14="http://schemas.microsoft.com/office/powerpoint/2010/main" val="2662236073"/>
+      </p:ext>
+    </p:extLst>
+  </p:cSld>
+  <p:clrMapOvr>
+    <a:masterClrMapping/>
+  </p:clrMapOvr>
+</p:sld>
+</file>
+
+<file path=ppt/slides/slide83.xml><?xml version="1.0" encoding="utf-8"?>
+<p:sld xmlns:a="http://schemas.openxmlformats.org/drawingml/2006/main" xmlns:r="http://schemas.openxmlformats.org/officeDocument/2006/relationships" xmlns:p="http://schemas.openxmlformats.org/presentationml/2006/main">
+  <p:cSld>
+    <p:spTree>
+      <p:nvGrpSpPr>
+        <p:cNvPr id="1" name=""/>
+        <p:cNvGrpSpPr/>
+        <p:nvPr/>
+      </p:nvGrpSpPr>
+      <p:grpSpPr>
+        <a:xfrm>
+          <a:off x="0" y="0"/>
+          <a:ext cx="0" cy="0"/>
+          <a:chOff x="0" y="0"/>
+          <a:chExt cx="0" cy="0"/>
+        </a:xfrm>
+      </p:grpSpPr>
+      <p:sp>
+        <p:nvSpPr>
+          <p:cNvPr id="2" name="Title 1"/>
+          <p:cNvSpPr>
+            <a:spLocks noGrp="1"/>
+          </p:cNvSpPr>
+          <p:nvPr>
+            <p:ph type="title"/>
+          </p:nvPr>
+        </p:nvSpPr>
+        <p:spPr/>
+        <p:txBody>
+          <a:bodyPr/>
+          <a:lstStyle/>
+          <a:p>
+            <a:r>
+              <a:rPr lang="en-US"/>
+              <a:t>be cautious: python2 vs python3</a:t>
+            </a:r>
+          </a:p>
+        </p:txBody>
+      </p:sp>
+      <p:sp>
+        <p:nvSpPr>
+          <p:cNvPr id="3" name="Content Placeholder 2"/>
+          <p:cNvSpPr>
+            <a:spLocks noGrp="1"/>
+          </p:cNvSpPr>
+          <p:nvPr>
+            <p:ph idx="1"/>
+          </p:nvPr>
+        </p:nvSpPr>
+        <p:spPr/>
+        <p:txBody>
+          <a:bodyPr/>
+          <a:lstStyle/>
+          <a:p>
+            <a:pPr marL="457200" indent="-457200">
+              <a:buFont typeface="Arial"/>
+              <a:buChar char="•"/>
+            </a:pPr>
+            <a:r>
+              <a:rPr lang="en-US"/>
+              <a:t>Print statements no longer exist in Python3 ! Instead, there is a print </a:t>
+            </a:r>
+            <a:r>
+              <a:rPr lang="en-US" i="1"/>
+              <a:t>function</a:t>
+            </a:r>
+            <a:endParaRPr lang="en-US"/>
+          </a:p>
+          <a:p>
+            <a:endParaRPr lang="en-US"/>
+          </a:p>
+        </p:txBody>
+      </p:sp>
+      <p:sp>
+        <p:nvSpPr>
+          <p:cNvPr id="4" name="TextBox 3"/>
+          <p:cNvSpPr txBox="1"/>
+          <p:nvPr/>
+        </p:nvSpPr>
+        <p:spPr>
+          <a:xfrm>
+            <a:off x="3307084" y="3313672"/>
+            <a:ext cx="1914027" cy="2031325"/>
+          </a:xfrm>
+          <a:prstGeom prst="rect">
+            <a:avLst/>
+          </a:prstGeom>
+          <a:noFill/>
+        </p:spPr>
+        <p:txBody>
+          <a:bodyPr wrap="square" rtlCol="0">
+            <a:spAutoFit/>
+          </a:bodyPr>
+          <a:lstStyle/>
+          <a:p>
+            <a:r>
+              <a:rPr lang="en-US" dirty="0">
+                <a:latin typeface="Monaco"/>
+                <a:cs typeface="Monaco"/>
+              </a:rPr>
+              <a:t>pi = 3.1415</a:t>
+            </a:r>
+          </a:p>
+          <a:p>
+            <a:endParaRPr lang="en-US" dirty="0">
+              <a:latin typeface="Monaco"/>
+              <a:cs typeface="Monaco"/>
+            </a:endParaRPr>
+          </a:p>
+          <a:p>
+            <a:r>
+              <a:rPr lang="en-US" dirty="0">
+                <a:latin typeface="Monaco"/>
+                <a:cs typeface="Monaco"/>
+              </a:rPr>
+              <a:t># Python2</a:t>
+            </a:r>
+          </a:p>
+          <a:p>
+            <a:r>
+              <a:rPr lang="en-US" dirty="0">
+                <a:latin typeface="Monaco"/>
+                <a:cs typeface="Monaco"/>
+              </a:rPr>
+              <a:t>print pi</a:t>
+            </a:r>
+          </a:p>
+          <a:p>
+            <a:endParaRPr lang="en-US" dirty="0">
+              <a:latin typeface="Monaco"/>
+              <a:cs typeface="Monaco"/>
+            </a:endParaRPr>
+          </a:p>
+          <a:p>
+            <a:r>
+              <a:rPr lang="en-US" dirty="0">
+                <a:latin typeface="Monaco"/>
+                <a:cs typeface="Monaco"/>
+              </a:rPr>
+              <a:t># Python3</a:t>
+            </a:r>
+          </a:p>
+          <a:p>
+            <a:r>
+              <a:rPr lang="en-US" dirty="0">
+                <a:latin typeface="Monaco"/>
+                <a:cs typeface="Monaco"/>
+              </a:rPr>
+              <a:t>print(pi)</a:t>
+            </a:r>
+          </a:p>
+        </p:txBody>
+      </p:sp>
+    </p:spTree>
+    <p:extLst>
+      <p:ext uri="{BB962C8B-B14F-4D97-AF65-F5344CB8AC3E}">
+        <p14:creationId xmlns:p14="http://schemas.microsoft.com/office/powerpoint/2010/main" val="86978744"/>
+      </p:ext>
+    </p:extLst>
+  </p:cSld>
+  <p:clrMapOvr>
+    <a:masterClrMapping/>
+  </p:clrMapOvr>
+</p:sld>
+</file>
+
+<file path=ppt/slides/slide84.xml><?xml version="1.0" encoding="utf-8"?>
 <p:sld xmlns:a="http://schemas.openxmlformats.org/drawingml/2006/main" xmlns:r="http://schemas.openxmlformats.org/officeDocument/2006/relationships" xmlns:p="http://schemas.openxmlformats.org/presentationml/2006/main">
   <p:cSld>
     <p:spTree>

--- a/slides/slides_day1.pptx
+++ b/slides/slides_day1.pptx
@@ -10753,7 +10753,7 @@
             </a:pPr>
             <a:r>
               <a:rPr lang="en-US" dirty="0" smtClean="0"/>
-              <a:t>+, -, *, /, %</a:t>
+              <a:t>+, -, *, /, %, **</a:t>
             </a:r>
           </a:p>
           <a:p>
@@ -10945,7 +10945,7 @@
             </a:pPr>
             <a:r>
               <a:rPr lang="en-US" dirty="0" smtClean="0"/>
-              <a:t>+, -, *, /, %</a:t>
+              <a:t>+, -, *, /, %, **</a:t>
             </a:r>
           </a:p>
           <a:p>
@@ -11158,7 +11158,7 @@
             </a:pPr>
             <a:r>
               <a:rPr lang="en-US" dirty="0" smtClean="0"/>
-              <a:t>+, -, *, /, %</a:t>
+              <a:t>+, -, *, /, %, **</a:t>
             </a:r>
           </a:p>
           <a:p>
@@ -12977,7 +12977,7 @@
                 <a:latin typeface="Monaco"/>
                 <a:cs typeface="Monaco"/>
               </a:rPr>
-              <a:t>83</a:t>
+              <a:t>82</a:t>
             </a:r>
           </a:p>
           <a:p>
@@ -13980,22 +13980,12 @@
                 <a:latin typeface="Monaco"/>
                 <a:cs typeface="Monaco"/>
               </a:rPr>
-              <a:t>    </a:t>
+              <a:t>    0  1  2  3  4  5   6    </a:t>
             </a:r>
             <a:r>
               <a:rPr lang="en-US" b="1" dirty="0" smtClean="0">
                 <a:solidFill>
-                  <a:schemeClr val="accent5"/>
-                </a:solidFill>
-                <a:latin typeface="Monaco"/>
-                <a:cs typeface="Monaco"/>
-              </a:rPr>
-              <a:t>0  1  2  3  4  5   6    </a:t>
-            </a:r>
-            <a:r>
-              <a:rPr lang="en-US" b="1" dirty="0" smtClean="0">
-                <a:solidFill>
-                  <a:schemeClr val="accent5"/>
+                  <a:schemeClr val="accent2"/>
                 </a:solidFill>
                 <a:latin typeface="Monaco"/>
                 <a:cs typeface="Monaco"/>
@@ -14005,7 +13995,7 @@
             </a:r>
             <a:endParaRPr lang="en-US" b="1" dirty="0" smtClean="0">
               <a:solidFill>
-                <a:schemeClr val="accent5"/>
+                <a:schemeClr val="accent2"/>
               </a:solidFill>
               <a:latin typeface="Monaco"/>
               <a:cs typeface="Monaco"/>
@@ -16427,7 +16417,7 @@
             <a:r>
               <a:rPr lang="en-US" b="1" dirty="0">
                 <a:solidFill>
-                  <a:srgbClr val="DC5924"/>
+                  <a:srgbClr val="F5C201"/>
                 </a:solidFill>
                 <a:latin typeface="Monaco"/>
                 <a:cs typeface="Monaco"/>
@@ -16437,7 +16427,7 @@
             <a:r>
               <a:rPr lang="en-US" b="1" dirty="0" smtClean="0">
                 <a:solidFill>
-                  <a:srgbClr val="DC5924"/>
+                  <a:srgbClr val="F5C201"/>
                 </a:solidFill>
                 <a:latin typeface="Monaco"/>
                 <a:cs typeface="Monaco"/>
@@ -16447,7 +16437,7 @@
             <a:r>
               <a:rPr lang="en-US" b="1" dirty="0" smtClean="0">
                 <a:solidFill>
-                  <a:srgbClr val="DC5924"/>
+                  <a:srgbClr val="F5C201"/>
                 </a:solidFill>
                 <a:latin typeface="Monaco"/>
                 <a:cs typeface="Monaco"/>
@@ -16457,7 +16447,7 @@
             </a:r>
             <a:endParaRPr lang="en-US" b="1" dirty="0" smtClean="0">
               <a:solidFill>
-                <a:srgbClr val="DC5924"/>
+                <a:srgbClr val="F5C201"/>
               </a:solidFill>
               <a:latin typeface="Monaco"/>
               <a:cs typeface="Monaco"/>
